--- a/企画/PowerPoint/REBASE_企画書.pptx
+++ b/企画/PowerPoint/REBASE_企画書.pptx
@@ -5,7 +5,7 @@
     <p:sldMasterId id="2147483648" r:id="rId1"/>
   </p:sldMasterIdLst>
   <p:notesMasterIdLst>
-    <p:notesMasterId r:id="rId26"/>
+    <p:notesMasterId r:id="rId27"/>
   </p:notesMasterIdLst>
   <p:sldIdLst>
     <p:sldId id="263" r:id="rId2"/>
@@ -17,21 +17,22 @@
     <p:sldId id="258" r:id="rId8"/>
     <p:sldId id="284" r:id="rId9"/>
     <p:sldId id="291" r:id="rId10"/>
-    <p:sldId id="290" r:id="rId11"/>
-    <p:sldId id="292" r:id="rId12"/>
-    <p:sldId id="283" r:id="rId13"/>
-    <p:sldId id="260" r:id="rId14"/>
-    <p:sldId id="282" r:id="rId15"/>
-    <p:sldId id="264" r:id="rId16"/>
-    <p:sldId id="267" r:id="rId17"/>
-    <p:sldId id="269" r:id="rId18"/>
-    <p:sldId id="270" r:id="rId19"/>
-    <p:sldId id="288" r:id="rId20"/>
-    <p:sldId id="289" r:id="rId21"/>
+    <p:sldId id="293" r:id="rId11"/>
+    <p:sldId id="283" r:id="rId12"/>
+    <p:sldId id="290" r:id="rId13"/>
+    <p:sldId id="292" r:id="rId14"/>
+    <p:sldId id="260" r:id="rId15"/>
+    <p:sldId id="295" r:id="rId16"/>
+    <p:sldId id="282" r:id="rId17"/>
+    <p:sldId id="264" r:id="rId18"/>
+    <p:sldId id="267" r:id="rId19"/>
+    <p:sldId id="269" r:id="rId20"/>
+    <p:sldId id="270" r:id="rId21"/>
     <p:sldId id="274" r:id="rId22"/>
     <p:sldId id="261" r:id="rId23"/>
     <p:sldId id="278" r:id="rId24"/>
     <p:sldId id="279" r:id="rId25"/>
+    <p:sldId id="294" r:id="rId26"/>
   </p:sldIdLst>
   <p:sldSz cx="12192000" cy="6858000"/>
   <p:notesSz cx="6858000" cy="9144000"/>
@@ -563,36 +564,10 @@
           <a:bodyPr/>
           <a:lstStyle/>
           <a:p>
-            <a:pPr marL="0" indent="0">
-              <a:buNone/>
-            </a:pPr>
             <a:r>
               <a:rPr kumimoji="1" lang="ja-JP" altLang="en-US" dirty="0"/>
-              <a:t>ジャンル：サンドボックス　　　</a:t>
-            </a:r>
-            <a:endParaRPr kumimoji="1" lang="en-US" altLang="ja-JP" dirty="0"/>
-          </a:p>
-          <a:p>
-            <a:pPr marL="0" indent="0">
-              <a:buNone/>
-            </a:pPr>
-            <a:r>
-              <a:rPr lang="ja-JP" altLang="en-US" dirty="0"/>
-              <a:t>プレイ想定時間：三分サイクル</a:t>
-            </a:r>
-            <a:endParaRPr lang="en-US" altLang="ja-JP" dirty="0"/>
-          </a:p>
-          <a:p>
-            <a:pPr marL="0" indent="0">
-              <a:buNone/>
-            </a:pPr>
-            <a:r>
-              <a:rPr kumimoji="1" lang="ja-JP" altLang="en-US" dirty="0"/>
-              <a:t>プレイ人数：一人</a:t>
-            </a:r>
-          </a:p>
-          <a:p>
-            <a:endParaRPr kumimoji="1" lang="ja-JP" altLang="en-US" dirty="0"/>
+              <a:t>続いて企画２リベースの発表を行います</a:t>
+            </a:r>
           </a:p>
         </p:txBody>
       </p:sp>
@@ -613,7 +588,7 @@
           <a:p>
             <a:fld id="{38D02DA0-3F72-481A-A6C3-F10341206BF2}" type="slidenum">
               <a:rPr kumimoji="1" lang="ja-JP" altLang="en-US" smtClean="0"/>
-              <a:t>4</a:t>
+              <a:t>0</a:t>
             </a:fld>
             <a:endParaRPr kumimoji="1" lang="ja-JP" altLang="en-US"/>
           </a:p>
@@ -622,7 +597,988 @@
     </p:spTree>
     <p:extLst>
       <p:ext uri="{BB962C8B-B14F-4D97-AF65-F5344CB8AC3E}">
-        <p14:creationId xmlns:p14="http://schemas.microsoft.com/office/powerpoint/2010/main" val="538024424"/>
+        <p14:creationId xmlns:p14="http://schemas.microsoft.com/office/powerpoint/2010/main" val="990813334"/>
+      </p:ext>
+    </p:extLst>
+  </p:cSld>
+  <p:clrMapOvr>
+    <a:masterClrMapping/>
+  </p:clrMapOvr>
+</p:notes>
+</file>
+
+<file path=ppt/notesSlides/notesSlide10.xml><?xml version="1.0" encoding="utf-8"?>
+<p:notes xmlns:a="http://schemas.openxmlformats.org/drawingml/2006/main" xmlns:r="http://schemas.openxmlformats.org/officeDocument/2006/relationships" xmlns:p="http://schemas.openxmlformats.org/presentationml/2006/main">
+  <p:cSld>
+    <p:spTree>
+      <p:nvGrpSpPr>
+        <p:cNvPr id="1" name=""/>
+        <p:cNvGrpSpPr/>
+        <p:nvPr/>
+      </p:nvGrpSpPr>
+      <p:grpSpPr>
+        <a:xfrm>
+          <a:off x="0" y="0"/>
+          <a:ext cx="0" cy="0"/>
+          <a:chOff x="0" y="0"/>
+          <a:chExt cx="0" cy="0"/>
+        </a:xfrm>
+      </p:grpSpPr>
+      <p:sp>
+        <p:nvSpPr>
+          <p:cNvPr id="2" name="スライド イメージ プレースホルダー 1"/>
+          <p:cNvSpPr>
+            <a:spLocks noGrp="1" noRot="1" noChangeAspect="1"/>
+          </p:cNvSpPr>
+          <p:nvPr>
+            <p:ph type="sldImg"/>
+          </p:nvPr>
+        </p:nvSpPr>
+        <p:spPr/>
+      </p:sp>
+      <p:sp>
+        <p:nvSpPr>
+          <p:cNvPr id="3" name="ノート プレースホルダー 2"/>
+          <p:cNvSpPr>
+            <a:spLocks noGrp="1"/>
+          </p:cNvSpPr>
+          <p:nvPr>
+            <p:ph type="body" idx="1"/>
+          </p:nvPr>
+        </p:nvSpPr>
+        <p:spPr/>
+        <p:txBody>
+          <a:bodyPr/>
+          <a:lstStyle/>
+          <a:p>
+            <a:r>
+              <a:rPr kumimoji="1" lang="ja-JP" altLang="en-US" dirty="0"/>
+              <a:t>ゲームの仕様に進めていきます。</a:t>
+            </a:r>
+          </a:p>
+        </p:txBody>
+      </p:sp>
+      <p:sp>
+        <p:nvSpPr>
+          <p:cNvPr id="4" name="スライド番号プレースホルダー 3"/>
+          <p:cNvSpPr>
+            <a:spLocks noGrp="1"/>
+          </p:cNvSpPr>
+          <p:nvPr>
+            <p:ph type="sldNum" sz="quarter" idx="5"/>
+          </p:nvPr>
+        </p:nvSpPr>
+        <p:spPr/>
+        <p:txBody>
+          <a:bodyPr/>
+          <a:lstStyle/>
+          <a:p>
+            <a:fld id="{38D02DA0-3F72-481A-A6C3-F10341206BF2}" type="slidenum">
+              <a:rPr kumimoji="1" lang="ja-JP" altLang="en-US" smtClean="0"/>
+              <a:t>9</a:t>
+            </a:fld>
+            <a:endParaRPr kumimoji="1" lang="ja-JP" altLang="en-US"/>
+          </a:p>
+        </p:txBody>
+      </p:sp>
+    </p:spTree>
+    <p:extLst>
+      <p:ext uri="{BB962C8B-B14F-4D97-AF65-F5344CB8AC3E}">
+        <p14:creationId xmlns:p14="http://schemas.microsoft.com/office/powerpoint/2010/main" val="3226082381"/>
+      </p:ext>
+    </p:extLst>
+  </p:cSld>
+  <p:clrMapOvr>
+    <a:masterClrMapping/>
+  </p:clrMapOvr>
+</p:notes>
+</file>
+
+<file path=ppt/notesSlides/notesSlide11.xml><?xml version="1.0" encoding="utf-8"?>
+<p:notes xmlns:a="http://schemas.openxmlformats.org/drawingml/2006/main" xmlns:r="http://schemas.openxmlformats.org/officeDocument/2006/relationships" xmlns:p="http://schemas.openxmlformats.org/presentationml/2006/main">
+  <p:cSld>
+    <p:spTree>
+      <p:nvGrpSpPr>
+        <p:cNvPr id="1" name=""/>
+        <p:cNvGrpSpPr/>
+        <p:nvPr/>
+      </p:nvGrpSpPr>
+      <p:grpSpPr>
+        <a:xfrm>
+          <a:off x="0" y="0"/>
+          <a:ext cx="0" cy="0"/>
+          <a:chOff x="0" y="0"/>
+          <a:chExt cx="0" cy="0"/>
+        </a:xfrm>
+      </p:grpSpPr>
+      <p:sp>
+        <p:nvSpPr>
+          <p:cNvPr id="2" name="スライド イメージ プレースホルダー 1"/>
+          <p:cNvSpPr>
+            <a:spLocks noGrp="1" noRot="1" noChangeAspect="1"/>
+          </p:cNvSpPr>
+          <p:nvPr>
+            <p:ph type="sldImg"/>
+          </p:nvPr>
+        </p:nvSpPr>
+        <p:spPr/>
+      </p:sp>
+      <p:sp>
+        <p:nvSpPr>
+          <p:cNvPr id="3" name="ノート プレースホルダー 2"/>
+          <p:cNvSpPr>
+            <a:spLocks noGrp="1"/>
+          </p:cNvSpPr>
+          <p:nvPr>
+            <p:ph type="body" idx="1"/>
+          </p:nvPr>
+        </p:nvSpPr>
+        <p:spPr/>
+        <p:txBody>
+          <a:bodyPr/>
+          <a:lstStyle/>
+          <a:p>
+            <a:r>
+              <a:rPr kumimoji="1" lang="ja-JP" altLang="en-US" dirty="0"/>
+              <a:t>ゲームプレイの報酬として以下があります。</a:t>
+            </a:r>
+            <a:endParaRPr kumimoji="1" lang="en-US" altLang="ja-JP" dirty="0"/>
+          </a:p>
+          <a:p>
+            <a:r>
+              <a:rPr kumimoji="1" lang="ja-JP" altLang="en-US" dirty="0"/>
+              <a:t>まずは、隕石の破壊に成功した際の報酬</a:t>
+            </a:r>
+            <a:endParaRPr kumimoji="1" lang="en-US" altLang="ja-JP" dirty="0"/>
+          </a:p>
+          <a:p>
+            <a:r>
+              <a:rPr kumimoji="1" lang="ja-JP" altLang="en-US" dirty="0"/>
+              <a:t>今後プレイした際に、オブジェクトを解体する効率が上昇など、いわゆる強くてニューゲームが行えるようになります</a:t>
+            </a:r>
+            <a:endParaRPr kumimoji="1" lang="en-US" altLang="ja-JP" dirty="0"/>
+          </a:p>
+          <a:p>
+            <a:r>
+              <a:rPr kumimoji="1" lang="ja-JP" altLang="en-US" dirty="0"/>
+              <a:t>また、先述した収集要素がスコアによって用意されます。</a:t>
+            </a:r>
+            <a:endParaRPr kumimoji="1" lang="en-US" altLang="ja-JP" dirty="0"/>
+          </a:p>
+        </p:txBody>
+      </p:sp>
+      <p:sp>
+        <p:nvSpPr>
+          <p:cNvPr id="4" name="スライド番号プレースホルダー 3"/>
+          <p:cNvSpPr>
+            <a:spLocks noGrp="1"/>
+          </p:cNvSpPr>
+          <p:nvPr>
+            <p:ph type="sldNum" sz="quarter" idx="5"/>
+          </p:nvPr>
+        </p:nvSpPr>
+        <p:spPr/>
+        <p:txBody>
+          <a:bodyPr/>
+          <a:lstStyle/>
+          <a:p>
+            <a:fld id="{38D02DA0-3F72-481A-A6C3-F10341206BF2}" type="slidenum">
+              <a:rPr kumimoji="1" lang="ja-JP" altLang="en-US" smtClean="0"/>
+              <a:t>10</a:t>
+            </a:fld>
+            <a:endParaRPr kumimoji="1" lang="ja-JP" altLang="en-US"/>
+          </a:p>
+        </p:txBody>
+      </p:sp>
+    </p:spTree>
+    <p:extLst>
+      <p:ext uri="{BB962C8B-B14F-4D97-AF65-F5344CB8AC3E}">
+        <p14:creationId xmlns:p14="http://schemas.microsoft.com/office/powerpoint/2010/main" val="122001984"/>
+      </p:ext>
+    </p:extLst>
+  </p:cSld>
+  <p:clrMapOvr>
+    <a:masterClrMapping/>
+  </p:clrMapOvr>
+</p:notes>
+</file>
+
+<file path=ppt/notesSlides/notesSlide12.xml><?xml version="1.0" encoding="utf-8"?>
+<p:notes xmlns:a="http://schemas.openxmlformats.org/drawingml/2006/main" xmlns:r="http://schemas.openxmlformats.org/officeDocument/2006/relationships" xmlns:p="http://schemas.openxmlformats.org/presentationml/2006/main">
+  <p:cSld>
+    <p:spTree>
+      <p:nvGrpSpPr>
+        <p:cNvPr id="1" name=""/>
+        <p:cNvGrpSpPr/>
+        <p:nvPr/>
+      </p:nvGrpSpPr>
+      <p:grpSpPr>
+        <a:xfrm>
+          <a:off x="0" y="0"/>
+          <a:ext cx="0" cy="0"/>
+          <a:chOff x="0" y="0"/>
+          <a:chExt cx="0" cy="0"/>
+        </a:xfrm>
+      </p:grpSpPr>
+      <p:sp>
+        <p:nvSpPr>
+          <p:cNvPr id="2" name="スライド イメージ プレースホルダー 1"/>
+          <p:cNvSpPr>
+            <a:spLocks noGrp="1" noRot="1" noChangeAspect="1"/>
+          </p:cNvSpPr>
+          <p:nvPr>
+            <p:ph type="sldImg"/>
+          </p:nvPr>
+        </p:nvSpPr>
+        <p:spPr/>
+      </p:sp>
+      <p:sp>
+        <p:nvSpPr>
+          <p:cNvPr id="3" name="ノート プレースホルダー 2"/>
+          <p:cNvSpPr>
+            <a:spLocks noGrp="1"/>
+          </p:cNvSpPr>
+          <p:nvPr>
+            <p:ph type="body" idx="1"/>
+          </p:nvPr>
+        </p:nvSpPr>
+        <p:spPr/>
+        <p:txBody>
+          <a:bodyPr/>
+          <a:lstStyle/>
+          <a:p>
+            <a:r>
+              <a:rPr kumimoji="1" lang="ja-JP" altLang="en-US" dirty="0"/>
+              <a:t>武器開発について説明します</a:t>
+            </a:r>
+            <a:endParaRPr kumimoji="1" lang="en-US" altLang="ja-JP" dirty="0"/>
+          </a:p>
+          <a:p>
+            <a:r>
+              <a:rPr kumimoji="1" lang="ja-JP" altLang="en-US" dirty="0"/>
+              <a:t>武器を開発するためには素材を集める必要があり、これらの素材は３種類で固定します。</a:t>
+            </a:r>
+            <a:endParaRPr kumimoji="1" lang="en-US" altLang="ja-JP" dirty="0"/>
+          </a:p>
+          <a:p>
+            <a:r>
+              <a:rPr kumimoji="1" lang="ja-JP" altLang="en-US" dirty="0"/>
+              <a:t>各素材を武器開発に投与（とうよ）することで、内部のパラメーターが上昇し制限時間が来た際の最終的なステータスが決定します</a:t>
+            </a:r>
+            <a:endParaRPr kumimoji="1" lang="en-US" altLang="ja-JP" dirty="0"/>
+          </a:p>
+        </p:txBody>
+      </p:sp>
+      <p:sp>
+        <p:nvSpPr>
+          <p:cNvPr id="4" name="スライド番号プレースホルダー 3"/>
+          <p:cNvSpPr>
+            <a:spLocks noGrp="1"/>
+          </p:cNvSpPr>
+          <p:nvPr>
+            <p:ph type="sldNum" sz="quarter" idx="5"/>
+          </p:nvPr>
+        </p:nvSpPr>
+        <p:spPr/>
+        <p:txBody>
+          <a:bodyPr/>
+          <a:lstStyle/>
+          <a:p>
+            <a:fld id="{38D02DA0-3F72-481A-A6C3-F10341206BF2}" type="slidenum">
+              <a:rPr kumimoji="1" lang="ja-JP" altLang="en-US" smtClean="0"/>
+              <a:t>11</a:t>
+            </a:fld>
+            <a:endParaRPr kumimoji="1" lang="ja-JP" altLang="en-US"/>
+          </a:p>
+        </p:txBody>
+      </p:sp>
+    </p:spTree>
+    <p:extLst>
+      <p:ext uri="{BB962C8B-B14F-4D97-AF65-F5344CB8AC3E}">
+        <p14:creationId xmlns:p14="http://schemas.microsoft.com/office/powerpoint/2010/main" val="2844909638"/>
+      </p:ext>
+    </p:extLst>
+  </p:cSld>
+  <p:clrMapOvr>
+    <a:masterClrMapping/>
+  </p:clrMapOvr>
+</p:notes>
+</file>
+
+<file path=ppt/notesSlides/notesSlide13.xml><?xml version="1.0" encoding="utf-8"?>
+<p:notes xmlns:a="http://schemas.openxmlformats.org/drawingml/2006/main" xmlns:r="http://schemas.openxmlformats.org/officeDocument/2006/relationships" xmlns:p="http://schemas.openxmlformats.org/presentationml/2006/main">
+  <p:cSld>
+    <p:spTree>
+      <p:nvGrpSpPr>
+        <p:cNvPr id="1" name=""/>
+        <p:cNvGrpSpPr/>
+        <p:nvPr/>
+      </p:nvGrpSpPr>
+      <p:grpSpPr>
+        <a:xfrm>
+          <a:off x="0" y="0"/>
+          <a:ext cx="0" cy="0"/>
+          <a:chOff x="0" y="0"/>
+          <a:chExt cx="0" cy="0"/>
+        </a:xfrm>
+      </p:grpSpPr>
+      <p:sp>
+        <p:nvSpPr>
+          <p:cNvPr id="2" name="スライド イメージ プレースホルダー 1"/>
+          <p:cNvSpPr>
+            <a:spLocks noGrp="1" noRot="1" noChangeAspect="1"/>
+          </p:cNvSpPr>
+          <p:nvPr>
+            <p:ph type="sldImg"/>
+          </p:nvPr>
+        </p:nvSpPr>
+        <p:spPr/>
+      </p:sp>
+      <p:sp>
+        <p:nvSpPr>
+          <p:cNvPr id="3" name="ノート プレースホルダー 2"/>
+          <p:cNvSpPr>
+            <a:spLocks noGrp="1"/>
+          </p:cNvSpPr>
+          <p:nvPr>
+            <p:ph type="body" idx="1"/>
+          </p:nvPr>
+        </p:nvSpPr>
+        <p:spPr/>
+        <p:txBody>
+          <a:bodyPr/>
+          <a:lstStyle/>
+          <a:p>
+            <a:r>
+              <a:rPr kumimoji="1" lang="ja-JP" altLang="en-US" dirty="0"/>
+              <a:t>また、パラメータは割合によって０～２の値として判定し。合計値を算出し、合計値によって完成する武器が選択されます。</a:t>
+            </a:r>
+            <a:endParaRPr kumimoji="1" lang="en-US" altLang="ja-JP" dirty="0"/>
+          </a:p>
+          <a:p>
+            <a:r>
+              <a:rPr kumimoji="1" lang="ja-JP" altLang="en-US" dirty="0"/>
+              <a:t>武器種類は合計値の数だけ用意するため　０～６　の合計７パターン用意するつもりです。</a:t>
+            </a:r>
+          </a:p>
+        </p:txBody>
+      </p:sp>
+      <p:sp>
+        <p:nvSpPr>
+          <p:cNvPr id="4" name="スライド番号プレースホルダー 3"/>
+          <p:cNvSpPr>
+            <a:spLocks noGrp="1"/>
+          </p:cNvSpPr>
+          <p:nvPr>
+            <p:ph type="sldNum" sz="quarter" idx="5"/>
+          </p:nvPr>
+        </p:nvSpPr>
+        <p:spPr/>
+        <p:txBody>
+          <a:bodyPr/>
+          <a:lstStyle/>
+          <a:p>
+            <a:fld id="{38D02DA0-3F72-481A-A6C3-F10341206BF2}" type="slidenum">
+              <a:rPr kumimoji="1" lang="ja-JP" altLang="en-US" smtClean="0"/>
+              <a:t>12</a:t>
+            </a:fld>
+            <a:endParaRPr kumimoji="1" lang="ja-JP" altLang="en-US"/>
+          </a:p>
+        </p:txBody>
+      </p:sp>
+    </p:spTree>
+    <p:extLst>
+      <p:ext uri="{BB962C8B-B14F-4D97-AF65-F5344CB8AC3E}">
+        <p14:creationId xmlns:p14="http://schemas.microsoft.com/office/powerpoint/2010/main" val="2063166952"/>
+      </p:ext>
+    </p:extLst>
+  </p:cSld>
+  <p:clrMapOvr>
+    <a:masterClrMapping/>
+  </p:clrMapOvr>
+</p:notes>
+</file>
+
+<file path=ppt/notesSlides/notesSlide14.xml><?xml version="1.0" encoding="utf-8"?>
+<p:notes xmlns:a="http://schemas.openxmlformats.org/drawingml/2006/main" xmlns:r="http://schemas.openxmlformats.org/officeDocument/2006/relationships" xmlns:p="http://schemas.openxmlformats.org/presentationml/2006/main">
+  <p:cSld>
+    <p:spTree>
+      <p:nvGrpSpPr>
+        <p:cNvPr id="1" name=""/>
+        <p:cNvGrpSpPr/>
+        <p:nvPr/>
+      </p:nvGrpSpPr>
+      <p:grpSpPr>
+        <a:xfrm>
+          <a:off x="0" y="0"/>
+          <a:ext cx="0" cy="0"/>
+          <a:chOff x="0" y="0"/>
+          <a:chExt cx="0" cy="0"/>
+        </a:xfrm>
+      </p:grpSpPr>
+      <p:sp>
+        <p:nvSpPr>
+          <p:cNvPr id="2" name="スライド イメージ プレースホルダー 1"/>
+          <p:cNvSpPr>
+            <a:spLocks noGrp="1" noRot="1" noChangeAspect="1"/>
+          </p:cNvSpPr>
+          <p:nvPr>
+            <p:ph type="sldImg"/>
+          </p:nvPr>
+        </p:nvSpPr>
+        <p:spPr/>
+      </p:sp>
+      <p:sp>
+        <p:nvSpPr>
+          <p:cNvPr id="3" name="ノート プレースホルダー 2"/>
+          <p:cNvSpPr>
+            <a:spLocks noGrp="1"/>
+          </p:cNvSpPr>
+          <p:nvPr>
+            <p:ph type="body" idx="1"/>
+          </p:nvPr>
+        </p:nvSpPr>
+        <p:spPr/>
+        <p:txBody>
+          <a:bodyPr/>
+          <a:lstStyle/>
+          <a:p>
+            <a:r>
+              <a:rPr kumimoji="1" lang="ja-JP" altLang="en-US" dirty="0"/>
+              <a:t>操作方法に関して</a:t>
+            </a:r>
+            <a:r>
+              <a:rPr kumimoji="1" lang="ja-JP" altLang="en-US" dirty="0" err="1"/>
+              <a:t>です</a:t>
+            </a:r>
+            <a:r>
+              <a:rPr kumimoji="1" lang="ja-JP" altLang="en-US" dirty="0"/>
+              <a:t>、基本的にコントローラ操作をサポートする方向性で進めていきます</a:t>
+            </a:r>
+            <a:endParaRPr kumimoji="1" lang="en-US" altLang="ja-JP" dirty="0"/>
+          </a:p>
+          <a:p>
+            <a:r>
+              <a:rPr kumimoji="1" lang="ja-JP" altLang="en-US" dirty="0"/>
+              <a:t>また、１人プレイのみキーボードのみでの操作も行えるようにします</a:t>
+            </a:r>
+            <a:endParaRPr kumimoji="1" lang="en-US" altLang="ja-JP" dirty="0"/>
+          </a:p>
+        </p:txBody>
+      </p:sp>
+      <p:sp>
+        <p:nvSpPr>
+          <p:cNvPr id="4" name="スライド番号プレースホルダー 3"/>
+          <p:cNvSpPr>
+            <a:spLocks noGrp="1"/>
+          </p:cNvSpPr>
+          <p:nvPr>
+            <p:ph type="sldNum" sz="quarter" idx="5"/>
+          </p:nvPr>
+        </p:nvSpPr>
+        <p:spPr/>
+        <p:txBody>
+          <a:bodyPr/>
+          <a:lstStyle/>
+          <a:p>
+            <a:fld id="{38D02DA0-3F72-481A-A6C3-F10341206BF2}" type="slidenum">
+              <a:rPr kumimoji="1" lang="ja-JP" altLang="en-US" smtClean="0"/>
+              <a:t>13</a:t>
+            </a:fld>
+            <a:endParaRPr kumimoji="1" lang="ja-JP" altLang="en-US"/>
+          </a:p>
+        </p:txBody>
+      </p:sp>
+    </p:spTree>
+    <p:extLst>
+      <p:ext uri="{BB962C8B-B14F-4D97-AF65-F5344CB8AC3E}">
+        <p14:creationId xmlns:p14="http://schemas.microsoft.com/office/powerpoint/2010/main" val="365716784"/>
+      </p:ext>
+    </p:extLst>
+  </p:cSld>
+  <p:clrMapOvr>
+    <a:masterClrMapping/>
+  </p:clrMapOvr>
+</p:notes>
+</file>
+
+<file path=ppt/notesSlides/notesSlide15.xml><?xml version="1.0" encoding="utf-8"?>
+<p:notes xmlns:a="http://schemas.openxmlformats.org/drawingml/2006/main" xmlns:r="http://schemas.openxmlformats.org/officeDocument/2006/relationships" xmlns:p="http://schemas.openxmlformats.org/presentationml/2006/main">
+  <p:cSld>
+    <p:spTree>
+      <p:nvGrpSpPr>
+        <p:cNvPr id="1" name=""/>
+        <p:cNvGrpSpPr/>
+        <p:nvPr/>
+      </p:nvGrpSpPr>
+      <p:grpSpPr>
+        <a:xfrm>
+          <a:off x="0" y="0"/>
+          <a:ext cx="0" cy="0"/>
+          <a:chOff x="0" y="0"/>
+          <a:chExt cx="0" cy="0"/>
+        </a:xfrm>
+      </p:grpSpPr>
+      <p:sp>
+        <p:nvSpPr>
+          <p:cNvPr id="2" name="スライド イメージ プレースホルダー 1"/>
+          <p:cNvSpPr>
+            <a:spLocks noGrp="1" noRot="1" noChangeAspect="1"/>
+          </p:cNvSpPr>
+          <p:nvPr>
+            <p:ph type="sldImg"/>
+          </p:nvPr>
+        </p:nvSpPr>
+        <p:spPr/>
+      </p:sp>
+      <p:sp>
+        <p:nvSpPr>
+          <p:cNvPr id="3" name="ノート プレースホルダー 2"/>
+          <p:cNvSpPr>
+            <a:spLocks noGrp="1"/>
+          </p:cNvSpPr>
+          <p:nvPr>
+            <p:ph type="body" idx="1"/>
+          </p:nvPr>
+        </p:nvSpPr>
+        <p:spPr/>
+        <p:txBody>
+          <a:bodyPr/>
+          <a:lstStyle/>
+          <a:p>
+            <a:r>
+              <a:rPr kumimoji="1" lang="ja-JP" altLang="en-US" dirty="0"/>
+              <a:t>２人プレイに関しての説明です。</a:t>
+            </a:r>
+            <a:endParaRPr kumimoji="1" lang="en-US" altLang="ja-JP" dirty="0"/>
+          </a:p>
+          <a:p>
+            <a:r>
+              <a:rPr kumimoji="1" lang="ja-JP" altLang="en-US" dirty="0"/>
+              <a:t>２人プレイはローカルでのみ対応予定です。</a:t>
+            </a:r>
+            <a:endParaRPr kumimoji="1" lang="en-US" altLang="ja-JP" dirty="0"/>
+          </a:p>
+          <a:p>
+            <a:r>
+              <a:rPr kumimoji="1" lang="ja-JP" altLang="en-US" dirty="0"/>
+              <a:t>２人プレイでも１人プレイでも操作や仕様についていの変更は行わないつもりです。</a:t>
+            </a:r>
+            <a:endParaRPr kumimoji="1" lang="en-US" altLang="ja-JP" dirty="0"/>
+          </a:p>
+          <a:p>
+            <a:r>
+              <a:rPr kumimoji="1" lang="ja-JP" altLang="en-US" dirty="0"/>
+              <a:t>また、画面は分割して表示します。</a:t>
+            </a:r>
+          </a:p>
+        </p:txBody>
+      </p:sp>
+      <p:sp>
+        <p:nvSpPr>
+          <p:cNvPr id="4" name="スライド番号プレースホルダー 3"/>
+          <p:cNvSpPr>
+            <a:spLocks noGrp="1"/>
+          </p:cNvSpPr>
+          <p:nvPr>
+            <p:ph type="sldNum" sz="quarter" idx="5"/>
+          </p:nvPr>
+        </p:nvSpPr>
+        <p:spPr/>
+        <p:txBody>
+          <a:bodyPr/>
+          <a:lstStyle/>
+          <a:p>
+            <a:fld id="{38D02DA0-3F72-481A-A6C3-F10341206BF2}" type="slidenum">
+              <a:rPr kumimoji="1" lang="ja-JP" altLang="en-US" smtClean="0"/>
+              <a:t>14</a:t>
+            </a:fld>
+            <a:endParaRPr kumimoji="1" lang="ja-JP" altLang="en-US"/>
+          </a:p>
+        </p:txBody>
+      </p:sp>
+    </p:spTree>
+    <p:extLst>
+      <p:ext uri="{BB962C8B-B14F-4D97-AF65-F5344CB8AC3E}">
+        <p14:creationId xmlns:p14="http://schemas.microsoft.com/office/powerpoint/2010/main" val="3625785672"/>
+      </p:ext>
+    </p:extLst>
+  </p:cSld>
+  <p:clrMapOvr>
+    <a:masterClrMapping/>
+  </p:clrMapOvr>
+</p:notes>
+</file>
+
+<file path=ppt/notesSlides/notesSlide16.xml><?xml version="1.0" encoding="utf-8"?>
+<p:notes xmlns:a="http://schemas.openxmlformats.org/drawingml/2006/main" xmlns:r="http://schemas.openxmlformats.org/officeDocument/2006/relationships" xmlns:p="http://schemas.openxmlformats.org/presentationml/2006/main">
+  <p:cSld>
+    <p:spTree>
+      <p:nvGrpSpPr>
+        <p:cNvPr id="1" name=""/>
+        <p:cNvGrpSpPr/>
+        <p:nvPr/>
+      </p:nvGrpSpPr>
+      <p:grpSpPr>
+        <a:xfrm>
+          <a:off x="0" y="0"/>
+          <a:ext cx="0" cy="0"/>
+          <a:chOff x="0" y="0"/>
+          <a:chExt cx="0" cy="0"/>
+        </a:xfrm>
+      </p:grpSpPr>
+      <p:sp>
+        <p:nvSpPr>
+          <p:cNvPr id="2" name="スライド イメージ プレースホルダー 1"/>
+          <p:cNvSpPr>
+            <a:spLocks noGrp="1" noRot="1" noChangeAspect="1"/>
+          </p:cNvSpPr>
+          <p:nvPr>
+            <p:ph type="sldImg"/>
+          </p:nvPr>
+        </p:nvSpPr>
+        <p:spPr/>
+      </p:sp>
+      <p:sp>
+        <p:nvSpPr>
+          <p:cNvPr id="3" name="ノート プレースホルダー 2"/>
+          <p:cNvSpPr>
+            <a:spLocks noGrp="1"/>
+          </p:cNvSpPr>
+          <p:nvPr>
+            <p:ph type="body" idx="1"/>
+          </p:nvPr>
+        </p:nvSpPr>
+        <p:spPr/>
+        <p:txBody>
+          <a:bodyPr/>
+          <a:lstStyle/>
+          <a:p>
+            <a:r>
+              <a:rPr kumimoji="1" lang="ja-JP" altLang="en-US" dirty="0"/>
+              <a:t>シーン遷移になります、チュートリアル用のモードを用意するつもりです。</a:t>
+            </a:r>
+            <a:endParaRPr kumimoji="1" lang="en-US" altLang="ja-JP" dirty="0"/>
+          </a:p>
+          <a:p>
+            <a:endParaRPr kumimoji="1" lang="en-US" altLang="ja-JP" dirty="0"/>
+          </a:p>
+        </p:txBody>
+      </p:sp>
+      <p:sp>
+        <p:nvSpPr>
+          <p:cNvPr id="4" name="スライド番号プレースホルダー 3"/>
+          <p:cNvSpPr>
+            <a:spLocks noGrp="1"/>
+          </p:cNvSpPr>
+          <p:nvPr>
+            <p:ph type="sldNum" sz="quarter" idx="5"/>
+          </p:nvPr>
+        </p:nvSpPr>
+        <p:spPr/>
+        <p:txBody>
+          <a:bodyPr/>
+          <a:lstStyle/>
+          <a:p>
+            <a:fld id="{38D02DA0-3F72-481A-A6C3-F10341206BF2}" type="slidenum">
+              <a:rPr kumimoji="1" lang="ja-JP" altLang="en-US" smtClean="0"/>
+              <a:t>15</a:t>
+            </a:fld>
+            <a:endParaRPr kumimoji="1" lang="ja-JP" altLang="en-US"/>
+          </a:p>
+        </p:txBody>
+      </p:sp>
+    </p:spTree>
+    <p:extLst>
+      <p:ext uri="{BB962C8B-B14F-4D97-AF65-F5344CB8AC3E}">
+        <p14:creationId xmlns:p14="http://schemas.microsoft.com/office/powerpoint/2010/main" val="3396374186"/>
+      </p:ext>
+    </p:extLst>
+  </p:cSld>
+  <p:clrMapOvr>
+    <a:masterClrMapping/>
+  </p:clrMapOvr>
+</p:notes>
+</file>
+
+<file path=ppt/notesSlides/notesSlide17.xml><?xml version="1.0" encoding="utf-8"?>
+<p:notes xmlns:a="http://schemas.openxmlformats.org/drawingml/2006/main" xmlns:r="http://schemas.openxmlformats.org/officeDocument/2006/relationships" xmlns:p="http://schemas.openxmlformats.org/presentationml/2006/main">
+  <p:cSld>
+    <p:spTree>
+      <p:nvGrpSpPr>
+        <p:cNvPr id="1" name=""/>
+        <p:cNvGrpSpPr/>
+        <p:nvPr/>
+      </p:nvGrpSpPr>
+      <p:grpSpPr>
+        <a:xfrm>
+          <a:off x="0" y="0"/>
+          <a:ext cx="0" cy="0"/>
+          <a:chOff x="0" y="0"/>
+          <a:chExt cx="0" cy="0"/>
+        </a:xfrm>
+      </p:grpSpPr>
+      <p:sp>
+        <p:nvSpPr>
+          <p:cNvPr id="2" name="スライド イメージ プレースホルダー 1"/>
+          <p:cNvSpPr>
+            <a:spLocks noGrp="1" noRot="1" noChangeAspect="1"/>
+          </p:cNvSpPr>
+          <p:nvPr>
+            <p:ph type="sldImg"/>
+          </p:nvPr>
+        </p:nvSpPr>
+        <p:spPr/>
+      </p:sp>
+      <p:sp>
+        <p:nvSpPr>
+          <p:cNvPr id="3" name="ノート プレースホルダー 2"/>
+          <p:cNvSpPr>
+            <a:spLocks noGrp="1"/>
+          </p:cNvSpPr>
+          <p:nvPr>
+            <p:ph type="body" idx="1"/>
+          </p:nvPr>
+        </p:nvSpPr>
+        <p:spPr/>
+        <p:txBody>
+          <a:bodyPr/>
+          <a:lstStyle/>
+          <a:p>
+            <a:r>
+              <a:rPr kumimoji="1" lang="ja-JP" altLang="en-US" dirty="0"/>
+              <a:t>技術要素について</a:t>
+            </a:r>
+          </a:p>
+        </p:txBody>
+      </p:sp>
+      <p:sp>
+        <p:nvSpPr>
+          <p:cNvPr id="4" name="スライド番号プレースホルダー 3"/>
+          <p:cNvSpPr>
+            <a:spLocks noGrp="1"/>
+          </p:cNvSpPr>
+          <p:nvPr>
+            <p:ph type="sldNum" sz="quarter" idx="5"/>
+          </p:nvPr>
+        </p:nvSpPr>
+        <p:spPr/>
+        <p:txBody>
+          <a:bodyPr/>
+          <a:lstStyle/>
+          <a:p>
+            <a:fld id="{38D02DA0-3F72-481A-A6C3-F10341206BF2}" type="slidenum">
+              <a:rPr kumimoji="1" lang="ja-JP" altLang="en-US" smtClean="0"/>
+              <a:t>16</a:t>
+            </a:fld>
+            <a:endParaRPr kumimoji="1" lang="ja-JP" altLang="en-US"/>
+          </a:p>
+        </p:txBody>
+      </p:sp>
+    </p:spTree>
+    <p:extLst>
+      <p:ext uri="{BB962C8B-B14F-4D97-AF65-F5344CB8AC3E}">
+        <p14:creationId xmlns:p14="http://schemas.microsoft.com/office/powerpoint/2010/main" val="3578654863"/>
+      </p:ext>
+    </p:extLst>
+  </p:cSld>
+  <p:clrMapOvr>
+    <a:masterClrMapping/>
+  </p:clrMapOvr>
+</p:notes>
+</file>
+
+<file path=ppt/notesSlides/notesSlide18.xml><?xml version="1.0" encoding="utf-8"?>
+<p:notes xmlns:a="http://schemas.openxmlformats.org/drawingml/2006/main" xmlns:r="http://schemas.openxmlformats.org/officeDocument/2006/relationships" xmlns:p="http://schemas.openxmlformats.org/presentationml/2006/main">
+  <p:cSld>
+    <p:spTree>
+      <p:nvGrpSpPr>
+        <p:cNvPr id="1" name=""/>
+        <p:cNvGrpSpPr/>
+        <p:nvPr/>
+      </p:nvGrpSpPr>
+      <p:grpSpPr>
+        <a:xfrm>
+          <a:off x="0" y="0"/>
+          <a:ext cx="0" cy="0"/>
+          <a:chOff x="0" y="0"/>
+          <a:chExt cx="0" cy="0"/>
+        </a:xfrm>
+      </p:grpSpPr>
+      <p:sp>
+        <p:nvSpPr>
+          <p:cNvPr id="2" name="スライド イメージ プレースホルダー 1"/>
+          <p:cNvSpPr>
+            <a:spLocks noGrp="1" noRot="1" noChangeAspect="1"/>
+          </p:cNvSpPr>
+          <p:nvPr>
+            <p:ph type="sldImg"/>
+          </p:nvPr>
+        </p:nvSpPr>
+        <p:spPr/>
+      </p:sp>
+      <p:sp>
+        <p:nvSpPr>
+          <p:cNvPr id="3" name="ノート プレースホルダー 2"/>
+          <p:cNvSpPr>
+            <a:spLocks noGrp="1"/>
+          </p:cNvSpPr>
+          <p:nvPr>
+            <p:ph type="body" idx="1"/>
+          </p:nvPr>
+        </p:nvSpPr>
+        <p:spPr/>
+        <p:txBody>
+          <a:bodyPr/>
+          <a:lstStyle/>
+          <a:p>
+            <a:r>
+              <a:rPr kumimoji="1" lang="ja-JP" altLang="en-US" dirty="0"/>
+              <a:t>今回の地形生成にはパーリンノイズというノイズを利用します</a:t>
+            </a:r>
+            <a:endParaRPr kumimoji="1" lang="en-US" altLang="ja-JP" dirty="0"/>
+          </a:p>
+          <a:p>
+            <a:r>
+              <a:rPr kumimoji="1" lang="ja-JP" altLang="en-US" dirty="0"/>
+              <a:t>まず、通常のノイズの説明から進めていきます</a:t>
+            </a:r>
+            <a:endParaRPr kumimoji="1" lang="en-US" altLang="ja-JP" dirty="0"/>
+          </a:p>
+          <a:p>
+            <a:r>
+              <a:rPr kumimoji="1" lang="ja-JP" altLang="en-US" dirty="0"/>
+              <a:t>通常のノイズは、完全にランダムで隣同士に関連性がない、天の集合体になっています。</a:t>
+            </a:r>
+            <a:endParaRPr kumimoji="1" lang="en-US" altLang="ja-JP" dirty="0"/>
+          </a:p>
+          <a:p>
+            <a:endParaRPr kumimoji="1" lang="en-US" altLang="ja-JP" dirty="0"/>
+          </a:p>
+        </p:txBody>
+      </p:sp>
+      <p:sp>
+        <p:nvSpPr>
+          <p:cNvPr id="4" name="スライド番号プレースホルダー 3"/>
+          <p:cNvSpPr>
+            <a:spLocks noGrp="1"/>
+          </p:cNvSpPr>
+          <p:nvPr>
+            <p:ph type="sldNum" sz="quarter" idx="5"/>
+          </p:nvPr>
+        </p:nvSpPr>
+        <p:spPr/>
+        <p:txBody>
+          <a:bodyPr/>
+          <a:lstStyle/>
+          <a:p>
+            <a:fld id="{38D02DA0-3F72-481A-A6C3-F10341206BF2}" type="slidenum">
+              <a:rPr kumimoji="1" lang="ja-JP" altLang="en-US" smtClean="0"/>
+              <a:t>17</a:t>
+            </a:fld>
+            <a:endParaRPr kumimoji="1" lang="ja-JP" altLang="en-US"/>
+          </a:p>
+        </p:txBody>
+      </p:sp>
+    </p:spTree>
+    <p:extLst>
+      <p:ext uri="{BB962C8B-B14F-4D97-AF65-F5344CB8AC3E}">
+        <p14:creationId xmlns:p14="http://schemas.microsoft.com/office/powerpoint/2010/main" val="943262209"/>
+      </p:ext>
+    </p:extLst>
+  </p:cSld>
+  <p:clrMapOvr>
+    <a:masterClrMapping/>
+  </p:clrMapOvr>
+</p:notes>
+</file>
+
+<file path=ppt/notesSlides/notesSlide19.xml><?xml version="1.0" encoding="utf-8"?>
+<p:notes xmlns:a="http://schemas.openxmlformats.org/drawingml/2006/main" xmlns:r="http://schemas.openxmlformats.org/officeDocument/2006/relationships" xmlns:p="http://schemas.openxmlformats.org/presentationml/2006/main">
+  <p:cSld>
+    <p:spTree>
+      <p:nvGrpSpPr>
+        <p:cNvPr id="1" name=""/>
+        <p:cNvGrpSpPr/>
+        <p:nvPr/>
+      </p:nvGrpSpPr>
+      <p:grpSpPr>
+        <a:xfrm>
+          <a:off x="0" y="0"/>
+          <a:ext cx="0" cy="0"/>
+          <a:chOff x="0" y="0"/>
+          <a:chExt cx="0" cy="0"/>
+        </a:xfrm>
+      </p:grpSpPr>
+      <p:sp>
+        <p:nvSpPr>
+          <p:cNvPr id="2" name="スライド イメージ プレースホルダー 1"/>
+          <p:cNvSpPr>
+            <a:spLocks noGrp="1" noRot="1" noChangeAspect="1"/>
+          </p:cNvSpPr>
+          <p:nvPr>
+            <p:ph type="sldImg"/>
+          </p:nvPr>
+        </p:nvSpPr>
+        <p:spPr/>
+      </p:sp>
+      <p:sp>
+        <p:nvSpPr>
+          <p:cNvPr id="3" name="ノート プレースホルダー 2"/>
+          <p:cNvSpPr>
+            <a:spLocks noGrp="1"/>
+          </p:cNvSpPr>
+          <p:nvPr>
+            <p:ph type="body" idx="1"/>
+          </p:nvPr>
+        </p:nvSpPr>
+        <p:spPr/>
+        <p:txBody>
+          <a:bodyPr/>
+          <a:lstStyle/>
+          <a:p>
+            <a:r>
+              <a:rPr kumimoji="1" lang="ja-JP" altLang="en-US" dirty="0"/>
+              <a:t>今回利用するパーリンノイズは、連続性があり、隣同士の値が近しくなるようになっています。</a:t>
+            </a:r>
+            <a:endParaRPr kumimoji="1" lang="en-US" altLang="ja-JP" dirty="0"/>
+          </a:p>
+          <a:p>
+            <a:r>
+              <a:rPr kumimoji="1" lang="ja-JP" altLang="en-US" dirty="0"/>
+              <a:t>そのため自然な見た目に近づきます。</a:t>
+            </a:r>
+            <a:endParaRPr kumimoji="1" lang="en-US" altLang="ja-JP" dirty="0"/>
+          </a:p>
+        </p:txBody>
+      </p:sp>
+      <p:sp>
+        <p:nvSpPr>
+          <p:cNvPr id="4" name="スライド番号プレースホルダー 3"/>
+          <p:cNvSpPr>
+            <a:spLocks noGrp="1"/>
+          </p:cNvSpPr>
+          <p:nvPr>
+            <p:ph type="sldNum" sz="quarter" idx="5"/>
+          </p:nvPr>
+        </p:nvSpPr>
+        <p:spPr/>
+        <p:txBody>
+          <a:bodyPr/>
+          <a:lstStyle/>
+          <a:p>
+            <a:fld id="{38D02DA0-3F72-481A-A6C3-F10341206BF2}" type="slidenum">
+              <a:rPr kumimoji="1" lang="ja-JP" altLang="en-US" smtClean="0"/>
+              <a:t>18</a:t>
+            </a:fld>
+            <a:endParaRPr kumimoji="1" lang="ja-JP" altLang="en-US"/>
+          </a:p>
+        </p:txBody>
+      </p:sp>
+    </p:spTree>
+    <p:extLst>
+      <p:ext uri="{BB962C8B-B14F-4D97-AF65-F5344CB8AC3E}">
+        <p14:creationId xmlns:p14="http://schemas.microsoft.com/office/powerpoint/2010/main" val="2562527760"/>
       </p:ext>
     </p:extLst>
   </p:cSld>
@@ -676,45 +1632,10 @@
           <a:bodyPr/>
           <a:lstStyle/>
           <a:p>
-            <a:pPr marL="0" indent="0">
-              <a:buNone/>
-            </a:pPr>
-            <a:r>
-              <a:rPr lang="en-US" altLang="ja-JP" dirty="0"/>
-              <a:t>WASD</a:t>
-            </a:r>
-            <a:r>
-              <a:rPr lang="ja-JP" altLang="en-US" dirty="0"/>
-              <a:t>：移動</a:t>
-            </a:r>
-            <a:endParaRPr lang="en-US" altLang="ja-JP" dirty="0"/>
-          </a:p>
-          <a:p>
-            <a:pPr marL="0" indent="0">
-              <a:buNone/>
-            </a:pPr>
-            <a:r>
-              <a:rPr lang="en-US" altLang="ja-JP" dirty="0"/>
-              <a:t>Space</a:t>
-            </a:r>
-            <a:r>
-              <a:rPr lang="ja-JP" altLang="en-US" dirty="0"/>
-              <a:t>：ジャンプ</a:t>
-            </a:r>
-            <a:endParaRPr lang="en-US" altLang="ja-JP" dirty="0"/>
-          </a:p>
-          <a:p>
-            <a:pPr marL="0" indent="0">
-              <a:buNone/>
-            </a:pPr>
-            <a:r>
-              <a:rPr lang="ja-JP" altLang="en-US" dirty="0"/>
-              <a:t>左クリック：破壊操作</a:t>
-            </a:r>
-            <a:endParaRPr lang="en-US" altLang="ja-JP" dirty="0"/>
-          </a:p>
-          <a:p>
-            <a:endParaRPr kumimoji="1" lang="ja-JP" altLang="en-US" dirty="0"/>
+            <a:r>
+              <a:rPr kumimoji="1" lang="ja-JP" altLang="en-US" dirty="0"/>
+              <a:t>目次になります、以下の流れで話を進めます</a:t>
+            </a:r>
           </a:p>
         </p:txBody>
       </p:sp>
@@ -735,7 +1656,7 @@
           <a:p>
             <a:fld id="{38D02DA0-3F72-481A-A6C3-F10341206BF2}" type="slidenum">
               <a:rPr kumimoji="1" lang="ja-JP" altLang="en-US" smtClean="0"/>
-              <a:t>12</a:t>
+              <a:t>1</a:t>
             </a:fld>
             <a:endParaRPr kumimoji="1" lang="ja-JP" altLang="en-US"/>
           </a:p>
@@ -744,7 +1665,594 @@
     </p:spTree>
     <p:extLst>
       <p:ext uri="{BB962C8B-B14F-4D97-AF65-F5344CB8AC3E}">
-        <p14:creationId xmlns:p14="http://schemas.microsoft.com/office/powerpoint/2010/main" val="365716784"/>
+        <p14:creationId xmlns:p14="http://schemas.microsoft.com/office/powerpoint/2010/main" val="3001985817"/>
+      </p:ext>
+    </p:extLst>
+  </p:cSld>
+  <p:clrMapOvr>
+    <a:masterClrMapping/>
+  </p:clrMapOvr>
+</p:notes>
+</file>
+
+<file path=ppt/notesSlides/notesSlide20.xml><?xml version="1.0" encoding="utf-8"?>
+<p:notes xmlns:a="http://schemas.openxmlformats.org/drawingml/2006/main" xmlns:r="http://schemas.openxmlformats.org/officeDocument/2006/relationships" xmlns:p="http://schemas.openxmlformats.org/presentationml/2006/main">
+  <p:cSld>
+    <p:spTree>
+      <p:nvGrpSpPr>
+        <p:cNvPr id="1" name=""/>
+        <p:cNvGrpSpPr/>
+        <p:nvPr/>
+      </p:nvGrpSpPr>
+      <p:grpSpPr>
+        <a:xfrm>
+          <a:off x="0" y="0"/>
+          <a:ext cx="0" cy="0"/>
+          <a:chOff x="0" y="0"/>
+          <a:chExt cx="0" cy="0"/>
+        </a:xfrm>
+      </p:grpSpPr>
+      <p:sp>
+        <p:nvSpPr>
+          <p:cNvPr id="2" name="スライド イメージ プレースホルダー 1"/>
+          <p:cNvSpPr>
+            <a:spLocks noGrp="1" noRot="1" noChangeAspect="1"/>
+          </p:cNvSpPr>
+          <p:nvPr>
+            <p:ph type="sldImg"/>
+          </p:nvPr>
+        </p:nvSpPr>
+        <p:spPr/>
+      </p:sp>
+      <p:sp>
+        <p:nvSpPr>
+          <p:cNvPr id="3" name="ノート プレースホルダー 2"/>
+          <p:cNvSpPr>
+            <a:spLocks noGrp="1"/>
+          </p:cNvSpPr>
+          <p:nvPr>
+            <p:ph type="body" idx="1"/>
+          </p:nvPr>
+        </p:nvSpPr>
+        <p:spPr/>
+        <p:txBody>
+          <a:bodyPr/>
+          <a:lstStyle/>
+          <a:p>
+            <a:pPr marL="0" marR="0" lvl="0" indent="0" algn="l" defTabSz="914400" rtl="0" eaLnBrk="1" fontAlgn="auto" latinLnBrk="0" hangingPunct="1">
+              <a:lnSpc>
+                <a:spcPct val="100000"/>
+              </a:lnSpc>
+              <a:spcBef>
+                <a:spcPts val="0"/>
+              </a:spcBef>
+              <a:spcAft>
+                <a:spcPts val="0"/>
+              </a:spcAft>
+              <a:buClrTx/>
+              <a:buSzTx/>
+              <a:buFontTx/>
+              <a:buNone/>
+              <a:tabLst/>
+              <a:defRPr/>
+            </a:pPr>
+            <a:r>
+              <a:rPr kumimoji="1" lang="ja-JP" altLang="en-US" dirty="0"/>
+              <a:t>わかりやすいように画像化していますが、本来は数値の集合体のため、それらを駆使して地形を生成していきます</a:t>
+            </a:r>
+          </a:p>
+          <a:p>
+            <a:r>
+              <a:rPr kumimoji="1" lang="ja-JP" altLang="en-US" dirty="0"/>
+              <a:t>また、</a:t>
+            </a:r>
+          </a:p>
+        </p:txBody>
+      </p:sp>
+      <p:sp>
+        <p:nvSpPr>
+          <p:cNvPr id="4" name="スライド番号プレースホルダー 3"/>
+          <p:cNvSpPr>
+            <a:spLocks noGrp="1"/>
+          </p:cNvSpPr>
+          <p:nvPr>
+            <p:ph type="sldNum" sz="quarter" idx="5"/>
+          </p:nvPr>
+        </p:nvSpPr>
+        <p:spPr/>
+        <p:txBody>
+          <a:bodyPr/>
+          <a:lstStyle/>
+          <a:p>
+            <a:fld id="{38D02DA0-3F72-481A-A6C3-F10341206BF2}" type="slidenum">
+              <a:rPr kumimoji="1" lang="ja-JP" altLang="en-US" smtClean="0"/>
+              <a:t>19</a:t>
+            </a:fld>
+            <a:endParaRPr kumimoji="1" lang="ja-JP" altLang="en-US"/>
+          </a:p>
+        </p:txBody>
+      </p:sp>
+    </p:spTree>
+    <p:extLst>
+      <p:ext uri="{BB962C8B-B14F-4D97-AF65-F5344CB8AC3E}">
+        <p14:creationId xmlns:p14="http://schemas.microsoft.com/office/powerpoint/2010/main" val="2450119392"/>
+      </p:ext>
+    </p:extLst>
+  </p:cSld>
+  <p:clrMapOvr>
+    <a:masterClrMapping/>
+  </p:clrMapOvr>
+</p:notes>
+</file>
+
+<file path=ppt/notesSlides/notesSlide21.xml><?xml version="1.0" encoding="utf-8"?>
+<p:notes xmlns:a="http://schemas.openxmlformats.org/drawingml/2006/main" xmlns:r="http://schemas.openxmlformats.org/officeDocument/2006/relationships" xmlns:p="http://schemas.openxmlformats.org/presentationml/2006/main">
+  <p:cSld>
+    <p:spTree>
+      <p:nvGrpSpPr>
+        <p:cNvPr id="1" name=""/>
+        <p:cNvGrpSpPr/>
+        <p:nvPr/>
+      </p:nvGrpSpPr>
+      <p:grpSpPr>
+        <a:xfrm>
+          <a:off x="0" y="0"/>
+          <a:ext cx="0" cy="0"/>
+          <a:chOff x="0" y="0"/>
+          <a:chExt cx="0" cy="0"/>
+        </a:xfrm>
+      </p:grpSpPr>
+      <p:sp>
+        <p:nvSpPr>
+          <p:cNvPr id="2" name="スライド イメージ プレースホルダー 1"/>
+          <p:cNvSpPr>
+            <a:spLocks noGrp="1" noRot="1" noChangeAspect="1"/>
+          </p:cNvSpPr>
+          <p:nvPr>
+            <p:ph type="sldImg"/>
+          </p:nvPr>
+        </p:nvSpPr>
+        <p:spPr/>
+      </p:sp>
+      <p:sp>
+        <p:nvSpPr>
+          <p:cNvPr id="3" name="ノート プレースホルダー 2"/>
+          <p:cNvSpPr>
+            <a:spLocks noGrp="1"/>
+          </p:cNvSpPr>
+          <p:nvPr>
+            <p:ph type="body" idx="1"/>
+          </p:nvPr>
+        </p:nvSpPr>
+        <p:spPr/>
+        <p:txBody>
+          <a:bodyPr/>
+          <a:lstStyle/>
+          <a:p>
+            <a:r>
+              <a:rPr kumimoji="1" lang="ja-JP" altLang="en-US" dirty="0"/>
+              <a:t>参考タイトルです</a:t>
+            </a:r>
+          </a:p>
+        </p:txBody>
+      </p:sp>
+      <p:sp>
+        <p:nvSpPr>
+          <p:cNvPr id="4" name="スライド番号プレースホルダー 3"/>
+          <p:cNvSpPr>
+            <a:spLocks noGrp="1"/>
+          </p:cNvSpPr>
+          <p:nvPr>
+            <p:ph type="sldNum" sz="quarter" idx="5"/>
+          </p:nvPr>
+        </p:nvSpPr>
+        <p:spPr/>
+        <p:txBody>
+          <a:bodyPr/>
+          <a:lstStyle/>
+          <a:p>
+            <a:fld id="{38D02DA0-3F72-481A-A6C3-F10341206BF2}" type="slidenum">
+              <a:rPr kumimoji="1" lang="ja-JP" altLang="en-US" smtClean="0"/>
+              <a:t>20</a:t>
+            </a:fld>
+            <a:endParaRPr kumimoji="1" lang="ja-JP" altLang="en-US"/>
+          </a:p>
+        </p:txBody>
+      </p:sp>
+    </p:spTree>
+    <p:extLst>
+      <p:ext uri="{BB962C8B-B14F-4D97-AF65-F5344CB8AC3E}">
+        <p14:creationId xmlns:p14="http://schemas.microsoft.com/office/powerpoint/2010/main" val="610379111"/>
+      </p:ext>
+    </p:extLst>
+  </p:cSld>
+  <p:clrMapOvr>
+    <a:masterClrMapping/>
+  </p:clrMapOvr>
+</p:notes>
+</file>
+
+<file path=ppt/notesSlides/notesSlide22.xml><?xml version="1.0" encoding="utf-8"?>
+<p:notes xmlns:a="http://schemas.openxmlformats.org/drawingml/2006/main" xmlns:r="http://schemas.openxmlformats.org/officeDocument/2006/relationships" xmlns:p="http://schemas.openxmlformats.org/presentationml/2006/main">
+  <p:cSld>
+    <p:spTree>
+      <p:nvGrpSpPr>
+        <p:cNvPr id="1" name=""/>
+        <p:cNvGrpSpPr/>
+        <p:nvPr/>
+      </p:nvGrpSpPr>
+      <p:grpSpPr>
+        <a:xfrm>
+          <a:off x="0" y="0"/>
+          <a:ext cx="0" cy="0"/>
+          <a:chOff x="0" y="0"/>
+          <a:chExt cx="0" cy="0"/>
+        </a:xfrm>
+      </p:grpSpPr>
+      <p:sp>
+        <p:nvSpPr>
+          <p:cNvPr id="2" name="スライド イメージ プレースホルダー 1"/>
+          <p:cNvSpPr>
+            <a:spLocks noGrp="1" noRot="1" noChangeAspect="1"/>
+          </p:cNvSpPr>
+          <p:nvPr>
+            <p:ph type="sldImg"/>
+          </p:nvPr>
+        </p:nvSpPr>
+        <p:spPr/>
+      </p:sp>
+      <p:sp>
+        <p:nvSpPr>
+          <p:cNvPr id="3" name="ノート プレースホルダー 2"/>
+          <p:cNvSpPr>
+            <a:spLocks noGrp="1"/>
+          </p:cNvSpPr>
+          <p:nvPr>
+            <p:ph type="body" idx="1"/>
+          </p:nvPr>
+        </p:nvSpPr>
+        <p:spPr/>
+        <p:txBody>
+          <a:bodyPr/>
+          <a:lstStyle/>
+          <a:p>
+            <a:pPr marL="0" indent="0">
+              <a:buNone/>
+            </a:pPr>
+            <a:r>
+              <a:rPr lang="ja-JP" altLang="en-US" dirty="0"/>
+              <a:t>マインクラフト</a:t>
+            </a:r>
+            <a:endParaRPr lang="en-US" altLang="ja-JP" dirty="0"/>
+          </a:p>
+          <a:p>
+            <a:pPr marL="0" indent="0">
+              <a:buNone/>
+            </a:pPr>
+            <a:r>
+              <a:rPr kumimoji="1" lang="ja-JP" altLang="en-US" dirty="0"/>
+              <a:t>アルゴリズムやツール要素などを参考にしていきます。</a:t>
+            </a:r>
+            <a:endParaRPr kumimoji="1" lang="en-US" altLang="ja-JP" dirty="0"/>
+          </a:p>
+        </p:txBody>
+      </p:sp>
+      <p:sp>
+        <p:nvSpPr>
+          <p:cNvPr id="4" name="スライド番号プレースホルダー 3"/>
+          <p:cNvSpPr>
+            <a:spLocks noGrp="1"/>
+          </p:cNvSpPr>
+          <p:nvPr>
+            <p:ph type="sldNum" sz="quarter" idx="5"/>
+          </p:nvPr>
+        </p:nvSpPr>
+        <p:spPr/>
+        <p:txBody>
+          <a:bodyPr/>
+          <a:lstStyle/>
+          <a:p>
+            <a:fld id="{38D02DA0-3F72-481A-A6C3-F10341206BF2}" type="slidenum">
+              <a:rPr kumimoji="1" lang="ja-JP" altLang="en-US" smtClean="0"/>
+              <a:t>21</a:t>
+            </a:fld>
+            <a:endParaRPr kumimoji="1" lang="ja-JP" altLang="en-US"/>
+          </a:p>
+        </p:txBody>
+      </p:sp>
+    </p:spTree>
+    <p:extLst>
+      <p:ext uri="{BB962C8B-B14F-4D97-AF65-F5344CB8AC3E}">
+        <p14:creationId xmlns:p14="http://schemas.microsoft.com/office/powerpoint/2010/main" val="4110824237"/>
+      </p:ext>
+    </p:extLst>
+  </p:cSld>
+  <p:clrMapOvr>
+    <a:masterClrMapping/>
+  </p:clrMapOvr>
+</p:notes>
+</file>
+
+<file path=ppt/notesSlides/notesSlide23.xml><?xml version="1.0" encoding="utf-8"?>
+<p:notes xmlns:a="http://schemas.openxmlformats.org/drawingml/2006/main" xmlns:r="http://schemas.openxmlformats.org/officeDocument/2006/relationships" xmlns:p="http://schemas.openxmlformats.org/presentationml/2006/main">
+  <p:cSld>
+    <p:spTree>
+      <p:nvGrpSpPr>
+        <p:cNvPr id="1" name=""/>
+        <p:cNvGrpSpPr/>
+        <p:nvPr/>
+      </p:nvGrpSpPr>
+      <p:grpSpPr>
+        <a:xfrm>
+          <a:off x="0" y="0"/>
+          <a:ext cx="0" cy="0"/>
+          <a:chOff x="0" y="0"/>
+          <a:chExt cx="0" cy="0"/>
+        </a:xfrm>
+      </p:grpSpPr>
+      <p:sp>
+        <p:nvSpPr>
+          <p:cNvPr id="2" name="スライド イメージ プレースホルダー 1"/>
+          <p:cNvSpPr>
+            <a:spLocks noGrp="1" noRot="1" noChangeAspect="1"/>
+          </p:cNvSpPr>
+          <p:nvPr>
+            <p:ph type="sldImg"/>
+          </p:nvPr>
+        </p:nvSpPr>
+        <p:spPr/>
+      </p:sp>
+      <p:sp>
+        <p:nvSpPr>
+          <p:cNvPr id="3" name="ノート プレースホルダー 2"/>
+          <p:cNvSpPr>
+            <a:spLocks noGrp="1"/>
+          </p:cNvSpPr>
+          <p:nvPr>
+            <p:ph type="body" idx="1"/>
+          </p:nvPr>
+        </p:nvSpPr>
+        <p:spPr/>
+        <p:txBody>
+          <a:bodyPr/>
+          <a:lstStyle/>
+          <a:p>
+            <a:pPr marL="0" indent="0">
+              <a:buNone/>
+            </a:pPr>
+            <a:r>
+              <a:rPr lang="ja-JP" altLang="en-US" dirty="0"/>
+              <a:t>フォートナイト</a:t>
+            </a:r>
+            <a:endParaRPr lang="en-US" altLang="ja-JP" dirty="0"/>
+          </a:p>
+          <a:p>
+            <a:pPr marL="0" indent="0">
+              <a:buNone/>
+            </a:pPr>
+            <a:r>
+              <a:rPr kumimoji="1" lang="ja-JP" altLang="en-US" dirty="0"/>
+              <a:t>耐久値や地形以外のモデルの質感を参考に</a:t>
+            </a:r>
+            <a:endParaRPr kumimoji="1" lang="en-US" altLang="ja-JP" dirty="0"/>
+          </a:p>
+        </p:txBody>
+      </p:sp>
+      <p:sp>
+        <p:nvSpPr>
+          <p:cNvPr id="4" name="スライド番号プレースホルダー 3"/>
+          <p:cNvSpPr>
+            <a:spLocks noGrp="1"/>
+          </p:cNvSpPr>
+          <p:nvPr>
+            <p:ph type="sldNum" sz="quarter" idx="5"/>
+          </p:nvPr>
+        </p:nvSpPr>
+        <p:spPr/>
+        <p:txBody>
+          <a:bodyPr/>
+          <a:lstStyle/>
+          <a:p>
+            <a:fld id="{38D02DA0-3F72-481A-A6C3-F10341206BF2}" type="slidenum">
+              <a:rPr kumimoji="1" lang="ja-JP" altLang="en-US" smtClean="0"/>
+              <a:t>22</a:t>
+            </a:fld>
+            <a:endParaRPr kumimoji="1" lang="ja-JP" altLang="en-US"/>
+          </a:p>
+        </p:txBody>
+      </p:sp>
+    </p:spTree>
+    <p:extLst>
+      <p:ext uri="{BB962C8B-B14F-4D97-AF65-F5344CB8AC3E}">
+        <p14:creationId xmlns:p14="http://schemas.microsoft.com/office/powerpoint/2010/main" val="1193404201"/>
+      </p:ext>
+    </p:extLst>
+  </p:cSld>
+  <p:clrMapOvr>
+    <a:masterClrMapping/>
+  </p:clrMapOvr>
+</p:notes>
+</file>
+
+<file path=ppt/notesSlides/notesSlide24.xml><?xml version="1.0" encoding="utf-8"?>
+<p:notes xmlns:a="http://schemas.openxmlformats.org/drawingml/2006/main" xmlns:r="http://schemas.openxmlformats.org/officeDocument/2006/relationships" xmlns:p="http://schemas.openxmlformats.org/presentationml/2006/main">
+  <p:cSld>
+    <p:spTree>
+      <p:nvGrpSpPr>
+        <p:cNvPr id="1" name=""/>
+        <p:cNvGrpSpPr/>
+        <p:nvPr/>
+      </p:nvGrpSpPr>
+      <p:grpSpPr>
+        <a:xfrm>
+          <a:off x="0" y="0"/>
+          <a:ext cx="0" cy="0"/>
+          <a:chOff x="0" y="0"/>
+          <a:chExt cx="0" cy="0"/>
+        </a:xfrm>
+      </p:grpSpPr>
+      <p:sp>
+        <p:nvSpPr>
+          <p:cNvPr id="2" name="スライド イメージ プレースホルダー 1"/>
+          <p:cNvSpPr>
+            <a:spLocks noGrp="1" noRot="1" noChangeAspect="1"/>
+          </p:cNvSpPr>
+          <p:nvPr>
+            <p:ph type="sldImg"/>
+          </p:nvPr>
+        </p:nvSpPr>
+        <p:spPr/>
+      </p:sp>
+      <p:sp>
+        <p:nvSpPr>
+          <p:cNvPr id="3" name="ノート プレースホルダー 2"/>
+          <p:cNvSpPr>
+            <a:spLocks noGrp="1"/>
+          </p:cNvSpPr>
+          <p:nvPr>
+            <p:ph type="body" idx="1"/>
+          </p:nvPr>
+        </p:nvSpPr>
+        <p:spPr/>
+        <p:txBody>
+          <a:bodyPr/>
+          <a:lstStyle/>
+          <a:p>
+            <a:pPr marL="0" indent="0">
+              <a:buNone/>
+            </a:pPr>
+            <a:r>
+              <a:rPr lang="ja-JP" altLang="en-US" dirty="0"/>
+              <a:t>ドラゴンクエストビルダーズ</a:t>
+            </a:r>
+            <a:endParaRPr lang="en-US" altLang="ja-JP" dirty="0"/>
+          </a:p>
+          <a:p>
+            <a:pPr marL="0" indent="0">
+              <a:buNone/>
+            </a:pPr>
+            <a:r>
+              <a:rPr kumimoji="1" lang="ja-JP" altLang="en-US" dirty="0"/>
+              <a:t>全体的なビジュアルの方向性や基礎のシステムについて参考</a:t>
+            </a:r>
+            <a:endParaRPr kumimoji="1" lang="en-US" altLang="ja-JP" dirty="0"/>
+          </a:p>
+        </p:txBody>
+      </p:sp>
+      <p:sp>
+        <p:nvSpPr>
+          <p:cNvPr id="4" name="スライド番号プレースホルダー 3"/>
+          <p:cNvSpPr>
+            <a:spLocks noGrp="1"/>
+          </p:cNvSpPr>
+          <p:nvPr>
+            <p:ph type="sldNum" sz="quarter" idx="5"/>
+          </p:nvPr>
+        </p:nvSpPr>
+        <p:spPr/>
+        <p:txBody>
+          <a:bodyPr/>
+          <a:lstStyle/>
+          <a:p>
+            <a:fld id="{38D02DA0-3F72-481A-A6C3-F10341206BF2}" type="slidenum">
+              <a:rPr kumimoji="1" lang="ja-JP" altLang="en-US" smtClean="0"/>
+              <a:t>23</a:t>
+            </a:fld>
+            <a:endParaRPr kumimoji="1" lang="ja-JP" altLang="en-US"/>
+          </a:p>
+        </p:txBody>
+      </p:sp>
+    </p:spTree>
+    <p:extLst>
+      <p:ext uri="{BB962C8B-B14F-4D97-AF65-F5344CB8AC3E}">
+        <p14:creationId xmlns:p14="http://schemas.microsoft.com/office/powerpoint/2010/main" val="2184754100"/>
+      </p:ext>
+    </p:extLst>
+  </p:cSld>
+  <p:clrMapOvr>
+    <a:masterClrMapping/>
+  </p:clrMapOvr>
+</p:notes>
+</file>
+
+<file path=ppt/notesSlides/notesSlide25.xml><?xml version="1.0" encoding="utf-8"?>
+<p:notes xmlns:a="http://schemas.openxmlformats.org/drawingml/2006/main" xmlns:r="http://schemas.openxmlformats.org/officeDocument/2006/relationships" xmlns:p="http://schemas.openxmlformats.org/presentationml/2006/main">
+  <p:cSld>
+    <p:spTree>
+      <p:nvGrpSpPr>
+        <p:cNvPr id="1" name=""/>
+        <p:cNvGrpSpPr/>
+        <p:nvPr/>
+      </p:nvGrpSpPr>
+      <p:grpSpPr>
+        <a:xfrm>
+          <a:off x="0" y="0"/>
+          <a:ext cx="0" cy="0"/>
+          <a:chOff x="0" y="0"/>
+          <a:chExt cx="0" cy="0"/>
+        </a:xfrm>
+      </p:grpSpPr>
+      <p:sp>
+        <p:nvSpPr>
+          <p:cNvPr id="2" name="スライド イメージ プレースホルダー 1"/>
+          <p:cNvSpPr>
+            <a:spLocks noGrp="1" noRot="1" noChangeAspect="1"/>
+          </p:cNvSpPr>
+          <p:nvPr>
+            <p:ph type="sldImg"/>
+          </p:nvPr>
+        </p:nvSpPr>
+        <p:spPr/>
+      </p:sp>
+      <p:sp>
+        <p:nvSpPr>
+          <p:cNvPr id="3" name="ノート プレースホルダー 2"/>
+          <p:cNvSpPr>
+            <a:spLocks noGrp="1"/>
+          </p:cNvSpPr>
+          <p:nvPr>
+            <p:ph type="body" idx="1"/>
+          </p:nvPr>
+        </p:nvSpPr>
+        <p:spPr/>
+        <p:txBody>
+          <a:bodyPr/>
+          <a:lstStyle/>
+          <a:p>
+            <a:r>
+              <a:rPr kumimoji="1" lang="ja-JP" altLang="en-US"/>
+              <a:t>以上になります、質疑応答に続きます</a:t>
+            </a:r>
+          </a:p>
+        </p:txBody>
+      </p:sp>
+      <p:sp>
+        <p:nvSpPr>
+          <p:cNvPr id="4" name="スライド番号プレースホルダー 3"/>
+          <p:cNvSpPr>
+            <a:spLocks noGrp="1"/>
+          </p:cNvSpPr>
+          <p:nvPr>
+            <p:ph type="sldNum" sz="quarter" idx="5"/>
+          </p:nvPr>
+        </p:nvSpPr>
+        <p:spPr/>
+        <p:txBody>
+          <a:bodyPr/>
+          <a:lstStyle/>
+          <a:p>
+            <a:fld id="{38D02DA0-3F72-481A-A6C3-F10341206BF2}" type="slidenum">
+              <a:rPr kumimoji="1" lang="ja-JP" altLang="en-US" smtClean="0"/>
+              <a:t>24</a:t>
+            </a:fld>
+            <a:endParaRPr kumimoji="1" lang="ja-JP" altLang="en-US"/>
+          </a:p>
+        </p:txBody>
+      </p:sp>
+    </p:spTree>
+    <p:extLst>
+      <p:ext uri="{BB962C8B-B14F-4D97-AF65-F5344CB8AC3E}">
+        <p14:creationId xmlns:p14="http://schemas.microsoft.com/office/powerpoint/2010/main" val="3536239879"/>
       </p:ext>
     </p:extLst>
   </p:cSld>
@@ -798,53 +2306,10 @@
           <a:bodyPr/>
           <a:lstStyle/>
           <a:p>
-            <a:pPr marL="0" indent="0">
-              <a:buNone/>
-            </a:pPr>
-            <a:r>
-              <a:rPr lang="en-US" altLang="ja-JP" dirty="0"/>
-              <a:t>Minecraft</a:t>
-            </a:r>
-            <a:r>
-              <a:rPr lang="ja-JP" altLang="en-US" dirty="0"/>
-              <a:t>：アルゴリズムやボクセルデザインなど </a:t>
-            </a:r>
-            <a:endParaRPr lang="en-US" altLang="ja-JP" dirty="0"/>
-          </a:p>
-          <a:p>
-            <a:pPr marL="0" indent="0">
-              <a:buNone/>
-            </a:pPr>
-            <a:r>
-              <a:rPr lang="en-US" altLang="ja-JP" dirty="0" err="1"/>
-              <a:t>Fortnite</a:t>
-            </a:r>
-            <a:r>
-              <a:rPr lang="ja-JP" altLang="en-US" dirty="0"/>
-              <a:t>：破壊する際の動きなどとして参考に（耐久性） </a:t>
-            </a:r>
-            <a:endParaRPr lang="en-US" altLang="ja-JP" dirty="0"/>
-          </a:p>
-          <a:p>
-            <a:pPr marL="0" indent="0">
-              <a:buNone/>
-            </a:pPr>
-            <a:r>
-              <a:rPr lang="ja-JP" altLang="en-US" dirty="0"/>
-              <a:t>ドラクエビルダーズ：デザイン、</a:t>
-            </a:r>
-            <a:r>
-              <a:rPr lang="en-US" altLang="ja-JP" dirty="0"/>
-              <a:t>Minecraft</a:t>
-            </a:r>
-            <a:r>
-              <a:rPr lang="ja-JP" altLang="en-US" dirty="0"/>
-              <a:t>よりかはこちらに寄せたい 雰囲気はポップな形にしたい。</a:t>
-            </a:r>
-            <a:endParaRPr kumimoji="1" lang="ja-JP" altLang="en-US" dirty="0"/>
-          </a:p>
-          <a:p>
-            <a:endParaRPr kumimoji="1" lang="ja-JP" altLang="en-US" dirty="0"/>
+            <a:r>
+              <a:rPr kumimoji="1" lang="ja-JP" altLang="en-US" dirty="0"/>
+              <a:t>ゲームの特徴です</a:t>
+            </a:r>
           </a:p>
         </p:txBody>
       </p:sp>
@@ -865,7 +2330,7 @@
           <a:p>
             <a:fld id="{38D02DA0-3F72-481A-A6C3-F10341206BF2}" type="slidenum">
               <a:rPr kumimoji="1" lang="ja-JP" altLang="en-US" smtClean="0"/>
-              <a:t>21</a:t>
+              <a:t>2</a:t>
             </a:fld>
             <a:endParaRPr kumimoji="1" lang="ja-JP" altLang="en-US"/>
           </a:p>
@@ -874,7 +2339,7 @@
     </p:spTree>
     <p:extLst>
       <p:ext uri="{BB962C8B-B14F-4D97-AF65-F5344CB8AC3E}">
-        <p14:creationId xmlns:p14="http://schemas.microsoft.com/office/powerpoint/2010/main" val="4110824237"/>
+        <p14:creationId xmlns:p14="http://schemas.microsoft.com/office/powerpoint/2010/main" val="1058055535"/>
       </p:ext>
     </p:extLst>
   </p:cSld>
@@ -928,53 +2393,39 @@
           <a:bodyPr/>
           <a:lstStyle/>
           <a:p>
-            <a:pPr marL="0" indent="0">
-              <a:buNone/>
-            </a:pPr>
-            <a:r>
-              <a:rPr lang="en-US" altLang="ja-JP" dirty="0"/>
-              <a:t>Minecraft</a:t>
-            </a:r>
-            <a:r>
-              <a:rPr lang="ja-JP" altLang="en-US" dirty="0"/>
-              <a:t>：アルゴリズムやボクセルデザインなど </a:t>
-            </a:r>
-            <a:endParaRPr lang="en-US" altLang="ja-JP" dirty="0"/>
-          </a:p>
-          <a:p>
-            <a:pPr marL="0" indent="0">
-              <a:buNone/>
-            </a:pPr>
-            <a:r>
-              <a:rPr lang="en-US" altLang="ja-JP" dirty="0" err="1"/>
-              <a:t>Fortnite</a:t>
-            </a:r>
-            <a:r>
-              <a:rPr lang="ja-JP" altLang="en-US" dirty="0"/>
-              <a:t>：破壊する際の動きなどとして参考に（耐久性） </a:t>
-            </a:r>
-            <a:endParaRPr lang="en-US" altLang="ja-JP" dirty="0"/>
-          </a:p>
-          <a:p>
-            <a:pPr marL="0" indent="0">
-              <a:buNone/>
-            </a:pPr>
-            <a:r>
-              <a:rPr lang="ja-JP" altLang="en-US" dirty="0"/>
-              <a:t>ドラクエビルダーズ：デザイン、</a:t>
-            </a:r>
-            <a:r>
-              <a:rPr lang="en-US" altLang="ja-JP" dirty="0"/>
-              <a:t>Minecraft</a:t>
-            </a:r>
-            <a:r>
-              <a:rPr lang="ja-JP" altLang="en-US" dirty="0"/>
-              <a:t>よりかはこちらに寄せたい 雰囲気はポップな形にしたい。</a:t>
-            </a:r>
-            <a:endParaRPr kumimoji="1" lang="ja-JP" altLang="en-US" dirty="0"/>
-          </a:p>
-          <a:p>
-            <a:endParaRPr kumimoji="1" lang="ja-JP" altLang="en-US" dirty="0"/>
+            <a:r>
+              <a:rPr kumimoji="1" lang="ja-JP" altLang="en-US" dirty="0"/>
+              <a:t>ゲームコンセプトになります</a:t>
+            </a:r>
+            <a:endParaRPr kumimoji="1" lang="en-US" altLang="ja-JP" dirty="0"/>
+          </a:p>
+          <a:p>
+            <a:r>
+              <a:rPr kumimoji="1" lang="ja-JP" altLang="en-US" dirty="0"/>
+              <a:t>コンセプトは　破壊（アニメーション）で希望を掴む、制限時間クラフトサバイバル</a:t>
+            </a:r>
+            <a:endParaRPr kumimoji="1" lang="en-US" altLang="ja-JP" dirty="0"/>
+          </a:p>
+          <a:p>
+            <a:r>
+              <a:rPr kumimoji="1" lang="ja-JP" altLang="en-US" dirty="0"/>
+              <a:t>（アニメーション）</a:t>
+            </a:r>
+            <a:endParaRPr kumimoji="1" lang="en-US" altLang="ja-JP" dirty="0"/>
+          </a:p>
+          <a:p>
+            <a:r>
+              <a:rPr kumimoji="1" lang="ja-JP" altLang="en-US" dirty="0"/>
+              <a:t>数分後には、隕石が衝突してしまう世界</a:t>
+            </a:r>
+            <a:endParaRPr kumimoji="1" lang="en-US" altLang="ja-JP" dirty="0"/>
+          </a:p>
+          <a:p>
+            <a:r>
+              <a:rPr kumimoji="1" lang="ja-JP" altLang="en-US" dirty="0"/>
+              <a:t>時間内に、身の回りの物を破壊し、隕石を破壊するための武器に作り替えろ　という内容になっています。</a:t>
+            </a:r>
+            <a:endParaRPr kumimoji="1" lang="en-US" altLang="ja-JP" dirty="0"/>
           </a:p>
         </p:txBody>
       </p:sp>
@@ -995,7 +2446,7 @@
           <a:p>
             <a:fld id="{38D02DA0-3F72-481A-A6C3-F10341206BF2}" type="slidenum">
               <a:rPr kumimoji="1" lang="ja-JP" altLang="en-US" smtClean="0"/>
-              <a:t>22</a:t>
+              <a:t>3</a:t>
             </a:fld>
             <a:endParaRPr kumimoji="1" lang="ja-JP" altLang="en-US"/>
           </a:p>
@@ -1004,7 +2455,7 @@
     </p:spTree>
     <p:extLst>
       <p:ext uri="{BB962C8B-B14F-4D97-AF65-F5344CB8AC3E}">
-        <p14:creationId xmlns:p14="http://schemas.microsoft.com/office/powerpoint/2010/main" val="1193404201"/>
+        <p14:creationId xmlns:p14="http://schemas.microsoft.com/office/powerpoint/2010/main" val="3100208369"/>
       </p:ext>
     </p:extLst>
   </p:cSld>
@@ -1062,49 +2513,90 @@
               <a:buNone/>
             </a:pPr>
             <a:r>
-              <a:rPr lang="en-US" altLang="ja-JP" dirty="0"/>
-              <a:t>Minecraft</a:t>
-            </a:r>
-            <a:r>
-              <a:rPr lang="ja-JP" altLang="en-US" dirty="0"/>
-              <a:t>：アルゴリズムやボクセルデザインなど </a:t>
-            </a:r>
-            <a:endParaRPr lang="en-US" altLang="ja-JP" dirty="0"/>
+              <a:rPr kumimoji="1" lang="ja-JP" altLang="en-US" dirty="0"/>
+              <a:t>ゲームの概要です</a:t>
+            </a:r>
+            <a:endParaRPr kumimoji="1" lang="en-US" altLang="ja-JP" dirty="0"/>
           </a:p>
           <a:p>
             <a:pPr marL="0" indent="0">
               <a:buNone/>
             </a:pPr>
             <a:r>
-              <a:rPr lang="en-US" altLang="ja-JP" dirty="0" err="1"/>
-              <a:t>Fortnite</a:t>
-            </a:r>
-            <a:r>
-              <a:rPr lang="ja-JP" altLang="en-US" dirty="0"/>
-              <a:t>：破壊する際の動きなどとして参考に（耐久性） </a:t>
-            </a:r>
-            <a:endParaRPr lang="en-US" altLang="ja-JP" dirty="0"/>
+              <a:rPr kumimoji="1" lang="ja-JP" altLang="en-US" dirty="0"/>
+              <a:t>ジャンルはサンドボックス　アクションサバイバル</a:t>
+            </a:r>
+            <a:endParaRPr kumimoji="1" lang="en-US" altLang="ja-JP" dirty="0"/>
           </a:p>
           <a:p>
             <a:pPr marL="0" indent="0">
               <a:buNone/>
             </a:pPr>
             <a:r>
-              <a:rPr lang="ja-JP" altLang="en-US" dirty="0"/>
-              <a:t>ドラクエビルダーズ：デザイン、</a:t>
-            </a:r>
-            <a:r>
-              <a:rPr lang="en-US" altLang="ja-JP" dirty="0"/>
-              <a:t>Minecraft</a:t>
-            </a:r>
-            <a:r>
-              <a:rPr lang="ja-JP" altLang="en-US" dirty="0"/>
-              <a:t>よりかはこちらに寄せたい 雰囲気はポップな形にしたい。</a:t>
-            </a:r>
-            <a:endParaRPr kumimoji="1" lang="ja-JP" altLang="en-US" dirty="0"/>
-          </a:p>
-          <a:p>
-            <a:endParaRPr kumimoji="1" lang="ja-JP" altLang="en-US" dirty="0"/>
+              <a:rPr kumimoji="1" lang="ja-JP" altLang="en-US" dirty="0"/>
+              <a:t>プレイ人数は　１～２人、基本的に１人プレイを拡張する形で進めていきます</a:t>
+            </a:r>
+            <a:br>
+              <a:rPr kumimoji="1" lang="en-US" altLang="ja-JP" dirty="0"/>
+            </a:br>
+            <a:r>
+              <a:rPr kumimoji="1" lang="ja-JP" altLang="en-US" dirty="0"/>
+              <a:t>開発・実行環境としては、</a:t>
+            </a:r>
+            <a:r>
+              <a:rPr kumimoji="1" lang="en-US" altLang="ja-JP" dirty="0"/>
+              <a:t>Unity</a:t>
+            </a:r>
+            <a:r>
+              <a:rPr kumimoji="1" lang="ja-JP" altLang="en-US" dirty="0"/>
+              <a:t>を使用して進めていこうと思います</a:t>
+            </a:r>
+            <a:endParaRPr kumimoji="1" lang="en-US" altLang="ja-JP" dirty="0"/>
+          </a:p>
+          <a:p>
+            <a:pPr marL="0" indent="0">
+              <a:buNone/>
+            </a:pPr>
+            <a:r>
+              <a:rPr kumimoji="1" lang="ja-JP" altLang="en-US" dirty="0"/>
+              <a:t>また、</a:t>
+            </a:r>
+            <a:r>
+              <a:rPr kumimoji="1" lang="ja-JP" altLang="en-US" dirty="0" err="1"/>
+              <a:t>た</a:t>
+            </a:r>
+            <a:r>
+              <a:rPr kumimoji="1" lang="ja-JP" altLang="en-US" dirty="0"/>
+              <a:t>ー</a:t>
+            </a:r>
+            <a:r>
+              <a:rPr kumimoji="1" lang="ja-JP" altLang="en-US" dirty="0" err="1"/>
+              <a:t>っげとに</a:t>
+            </a:r>
+            <a:r>
+              <a:rPr kumimoji="1" lang="ja-JP" altLang="en-US" dirty="0"/>
+              <a:t>関しては</a:t>
+            </a:r>
+            <a:endParaRPr kumimoji="1" lang="en-US" altLang="ja-JP" dirty="0"/>
+          </a:p>
+          <a:p>
+            <a:pPr marL="0" indent="0">
+              <a:buNone/>
+            </a:pPr>
+            <a:r>
+              <a:rPr kumimoji="1" lang="ja-JP" altLang="en-US" dirty="0"/>
+              <a:t>戦略的に協力したいゲーマー</a:t>
+            </a:r>
+            <a:endParaRPr kumimoji="1" lang="en-US" altLang="ja-JP" dirty="0"/>
+          </a:p>
+          <a:p>
+            <a:pPr marL="0" indent="0">
+              <a:buNone/>
+            </a:pPr>
+            <a:r>
+              <a:rPr kumimoji="1" lang="ja-JP" altLang="en-US" dirty="0"/>
+              <a:t>時間制限とチーム連携に熱中できる効率化志向のプレイヤーがターゲットになります。</a:t>
+            </a:r>
           </a:p>
         </p:txBody>
       </p:sp>
@@ -1125,7 +2617,7 @@
           <a:p>
             <a:fld id="{38D02DA0-3F72-481A-A6C3-F10341206BF2}" type="slidenum">
               <a:rPr kumimoji="1" lang="ja-JP" altLang="en-US" smtClean="0"/>
-              <a:t>23</a:t>
+              <a:t>4</a:t>
             </a:fld>
             <a:endParaRPr kumimoji="1" lang="ja-JP" altLang="en-US"/>
           </a:p>
@@ -1134,7 +2626,488 @@
     </p:spTree>
     <p:extLst>
       <p:ext uri="{BB962C8B-B14F-4D97-AF65-F5344CB8AC3E}">
-        <p14:creationId xmlns:p14="http://schemas.microsoft.com/office/powerpoint/2010/main" val="2184754100"/>
+        <p14:creationId xmlns:p14="http://schemas.microsoft.com/office/powerpoint/2010/main" val="538024424"/>
+      </p:ext>
+    </p:extLst>
+  </p:cSld>
+  <p:clrMapOvr>
+    <a:masterClrMapping/>
+  </p:clrMapOvr>
+</p:notes>
+</file>
+
+<file path=ppt/notesSlides/notesSlide6.xml><?xml version="1.0" encoding="utf-8"?>
+<p:notes xmlns:a="http://schemas.openxmlformats.org/drawingml/2006/main" xmlns:r="http://schemas.openxmlformats.org/officeDocument/2006/relationships" xmlns:p="http://schemas.openxmlformats.org/presentationml/2006/main">
+  <p:cSld>
+    <p:spTree>
+      <p:nvGrpSpPr>
+        <p:cNvPr id="1" name=""/>
+        <p:cNvGrpSpPr/>
+        <p:nvPr/>
+      </p:nvGrpSpPr>
+      <p:grpSpPr>
+        <a:xfrm>
+          <a:off x="0" y="0"/>
+          <a:ext cx="0" cy="0"/>
+          <a:chOff x="0" y="0"/>
+          <a:chExt cx="0" cy="0"/>
+        </a:xfrm>
+      </p:grpSpPr>
+      <p:sp>
+        <p:nvSpPr>
+          <p:cNvPr id="2" name="スライド イメージ プレースホルダー 1"/>
+          <p:cNvSpPr>
+            <a:spLocks noGrp="1" noRot="1" noChangeAspect="1"/>
+          </p:cNvSpPr>
+          <p:nvPr>
+            <p:ph type="sldImg"/>
+          </p:nvPr>
+        </p:nvSpPr>
+        <p:spPr/>
+      </p:sp>
+      <p:sp>
+        <p:nvSpPr>
+          <p:cNvPr id="3" name="ノート プレースホルダー 2"/>
+          <p:cNvSpPr>
+            <a:spLocks noGrp="1"/>
+          </p:cNvSpPr>
+          <p:nvPr>
+            <p:ph type="body" idx="1"/>
+          </p:nvPr>
+        </p:nvSpPr>
+        <p:spPr/>
+        <p:txBody>
+          <a:bodyPr/>
+          <a:lstStyle/>
+          <a:p>
+            <a:r>
+              <a:rPr kumimoji="1" lang="ja-JP" altLang="en-US" dirty="0"/>
+              <a:t>ゲームの簡易イメージになります、要素のみ一部拾っていく形の模型になります。</a:t>
+            </a:r>
+            <a:endParaRPr kumimoji="1" lang="en-US" altLang="ja-JP" dirty="0"/>
+          </a:p>
+          <a:p>
+            <a:r>
+              <a:rPr kumimoji="1" lang="ja-JP" altLang="en-US" dirty="0"/>
+              <a:t>要素としてタイマーと所持している素材、現在のツールの状態を指し示すアイコンがあります。</a:t>
+            </a:r>
+            <a:endParaRPr kumimoji="1" lang="en-US" altLang="ja-JP" dirty="0"/>
+          </a:p>
+          <a:p>
+            <a:endParaRPr kumimoji="1" lang="en-US" altLang="ja-JP" dirty="0"/>
+          </a:p>
+          <a:p>
+            <a:r>
+              <a:rPr kumimoji="1" lang="ja-JP" altLang="en-US" dirty="0"/>
+              <a:t>また、視点は３人称として後述するドラゴンクエストビルダーズを参考にします</a:t>
+            </a:r>
+            <a:endParaRPr kumimoji="1" lang="en-US" altLang="ja-JP" dirty="0"/>
+          </a:p>
+          <a:p>
+            <a:r>
+              <a:rPr kumimoji="1" lang="ja-JP" altLang="en-US" dirty="0"/>
+              <a:t>イメージにキャラクターがいないのはデザインが定まっていないためです。</a:t>
+            </a:r>
+            <a:endParaRPr kumimoji="1" lang="en-US" altLang="ja-JP" dirty="0"/>
+          </a:p>
+        </p:txBody>
+      </p:sp>
+      <p:sp>
+        <p:nvSpPr>
+          <p:cNvPr id="4" name="スライド番号プレースホルダー 3"/>
+          <p:cNvSpPr>
+            <a:spLocks noGrp="1"/>
+          </p:cNvSpPr>
+          <p:nvPr>
+            <p:ph type="sldNum" sz="quarter" idx="5"/>
+          </p:nvPr>
+        </p:nvSpPr>
+        <p:spPr/>
+        <p:txBody>
+          <a:bodyPr/>
+          <a:lstStyle/>
+          <a:p>
+            <a:fld id="{38D02DA0-3F72-481A-A6C3-F10341206BF2}" type="slidenum">
+              <a:rPr kumimoji="1" lang="ja-JP" altLang="en-US" smtClean="0"/>
+              <a:t>5</a:t>
+            </a:fld>
+            <a:endParaRPr kumimoji="1" lang="ja-JP" altLang="en-US"/>
+          </a:p>
+        </p:txBody>
+      </p:sp>
+    </p:spTree>
+    <p:extLst>
+      <p:ext uri="{BB962C8B-B14F-4D97-AF65-F5344CB8AC3E}">
+        <p14:creationId xmlns:p14="http://schemas.microsoft.com/office/powerpoint/2010/main" val="86101053"/>
+      </p:ext>
+    </p:extLst>
+  </p:cSld>
+  <p:clrMapOvr>
+    <a:masterClrMapping/>
+  </p:clrMapOvr>
+</p:notes>
+</file>
+
+<file path=ppt/notesSlides/notesSlide7.xml><?xml version="1.0" encoding="utf-8"?>
+<p:notes xmlns:a="http://schemas.openxmlformats.org/drawingml/2006/main" xmlns:r="http://schemas.openxmlformats.org/officeDocument/2006/relationships" xmlns:p="http://schemas.openxmlformats.org/presentationml/2006/main">
+  <p:cSld>
+    <p:spTree>
+      <p:nvGrpSpPr>
+        <p:cNvPr id="1" name=""/>
+        <p:cNvGrpSpPr/>
+        <p:nvPr/>
+      </p:nvGrpSpPr>
+      <p:grpSpPr>
+        <a:xfrm>
+          <a:off x="0" y="0"/>
+          <a:ext cx="0" cy="0"/>
+          <a:chOff x="0" y="0"/>
+          <a:chExt cx="0" cy="0"/>
+        </a:xfrm>
+      </p:grpSpPr>
+      <p:sp>
+        <p:nvSpPr>
+          <p:cNvPr id="2" name="スライド イメージ プレースホルダー 1"/>
+          <p:cNvSpPr>
+            <a:spLocks noGrp="1" noRot="1" noChangeAspect="1"/>
+          </p:cNvSpPr>
+          <p:nvPr>
+            <p:ph type="sldImg"/>
+          </p:nvPr>
+        </p:nvSpPr>
+        <p:spPr/>
+      </p:sp>
+      <p:sp>
+        <p:nvSpPr>
+          <p:cNvPr id="3" name="ノート プレースホルダー 2"/>
+          <p:cNvSpPr>
+            <a:spLocks noGrp="1"/>
+          </p:cNvSpPr>
+          <p:nvPr>
+            <p:ph type="body" idx="1"/>
+          </p:nvPr>
+        </p:nvSpPr>
+        <p:spPr/>
+        <p:txBody>
+          <a:bodyPr/>
+          <a:lstStyle/>
+          <a:p>
+            <a:r>
+              <a:rPr kumimoji="1" lang="ja-JP" altLang="en-US" dirty="0"/>
+              <a:t>舞台設定としては、人口が集中している様子を出さず、プレイヤーだけで完結している環境をステージとして設計します</a:t>
+            </a:r>
+            <a:endParaRPr kumimoji="1" lang="en-US" altLang="ja-JP" dirty="0"/>
+          </a:p>
+          <a:p>
+            <a:r>
+              <a:rPr kumimoji="1" lang="ja-JP" altLang="en-US" dirty="0"/>
+              <a:t>（</a:t>
+            </a:r>
+            <a:r>
+              <a:rPr kumimoji="1" lang="en-US" altLang="ja-JP" dirty="0"/>
+              <a:t>※</a:t>
+            </a:r>
+            <a:r>
+              <a:rPr kumimoji="1" lang="ja-JP" altLang="en-US" dirty="0"/>
+              <a:t>読まなくていい　理由：災害としての印象を減らすため）</a:t>
+            </a:r>
+            <a:endParaRPr kumimoji="1" lang="en-US" altLang="ja-JP" dirty="0"/>
+          </a:p>
+          <a:p>
+            <a:r>
+              <a:rPr kumimoji="1" lang="ja-JP" altLang="en-US" dirty="0"/>
+              <a:t>時代背景などは特に設定しません</a:t>
+            </a:r>
+            <a:endParaRPr kumimoji="1" lang="en-US" altLang="ja-JP" dirty="0"/>
+          </a:p>
+          <a:p>
+            <a:r>
+              <a:rPr kumimoji="1" lang="ja-JP" altLang="en-US" dirty="0"/>
+              <a:t>雰囲気としては、ボクセル調でトゥーン表現で行います。</a:t>
+            </a:r>
+            <a:endParaRPr kumimoji="1" lang="en-US" altLang="ja-JP" dirty="0"/>
+          </a:p>
+        </p:txBody>
+      </p:sp>
+      <p:sp>
+        <p:nvSpPr>
+          <p:cNvPr id="4" name="スライド番号プレースホルダー 3"/>
+          <p:cNvSpPr>
+            <a:spLocks noGrp="1"/>
+          </p:cNvSpPr>
+          <p:nvPr>
+            <p:ph type="sldNum" sz="quarter" idx="5"/>
+          </p:nvPr>
+        </p:nvSpPr>
+        <p:spPr/>
+        <p:txBody>
+          <a:bodyPr/>
+          <a:lstStyle/>
+          <a:p>
+            <a:fld id="{38D02DA0-3F72-481A-A6C3-F10341206BF2}" type="slidenum">
+              <a:rPr kumimoji="1" lang="ja-JP" altLang="en-US" smtClean="0"/>
+              <a:t>6</a:t>
+            </a:fld>
+            <a:endParaRPr kumimoji="1" lang="ja-JP" altLang="en-US"/>
+          </a:p>
+        </p:txBody>
+      </p:sp>
+    </p:spTree>
+    <p:extLst>
+      <p:ext uri="{BB962C8B-B14F-4D97-AF65-F5344CB8AC3E}">
+        <p14:creationId xmlns:p14="http://schemas.microsoft.com/office/powerpoint/2010/main" val="829244108"/>
+      </p:ext>
+    </p:extLst>
+  </p:cSld>
+  <p:clrMapOvr>
+    <a:masterClrMapping/>
+  </p:clrMapOvr>
+</p:notes>
+</file>
+
+<file path=ppt/notesSlides/notesSlide8.xml><?xml version="1.0" encoding="utf-8"?>
+<p:notes xmlns:a="http://schemas.openxmlformats.org/drawingml/2006/main" xmlns:r="http://schemas.openxmlformats.org/officeDocument/2006/relationships" xmlns:p="http://schemas.openxmlformats.org/presentationml/2006/main">
+  <p:cSld>
+    <p:spTree>
+      <p:nvGrpSpPr>
+        <p:cNvPr id="1" name=""/>
+        <p:cNvGrpSpPr/>
+        <p:nvPr/>
+      </p:nvGrpSpPr>
+      <p:grpSpPr>
+        <a:xfrm>
+          <a:off x="0" y="0"/>
+          <a:ext cx="0" cy="0"/>
+          <a:chOff x="0" y="0"/>
+          <a:chExt cx="0" cy="0"/>
+        </a:xfrm>
+      </p:grpSpPr>
+      <p:sp>
+        <p:nvSpPr>
+          <p:cNvPr id="2" name="スライド イメージ プレースホルダー 1"/>
+          <p:cNvSpPr>
+            <a:spLocks noGrp="1" noRot="1" noChangeAspect="1"/>
+          </p:cNvSpPr>
+          <p:nvPr>
+            <p:ph type="sldImg"/>
+          </p:nvPr>
+        </p:nvSpPr>
+        <p:spPr/>
+      </p:sp>
+      <p:sp>
+        <p:nvSpPr>
+          <p:cNvPr id="3" name="ノート プレースホルダー 2"/>
+          <p:cNvSpPr>
+            <a:spLocks noGrp="1"/>
+          </p:cNvSpPr>
+          <p:nvPr>
+            <p:ph type="body" idx="1"/>
+          </p:nvPr>
+        </p:nvSpPr>
+        <p:spPr/>
+        <p:txBody>
+          <a:bodyPr/>
+          <a:lstStyle/>
+          <a:p>
+            <a:r>
+              <a:rPr kumimoji="1" lang="ja-JP" altLang="en-US" dirty="0"/>
+              <a:t>ゲームルールです</a:t>
+            </a:r>
+            <a:endParaRPr kumimoji="1" lang="en-US" altLang="ja-JP" dirty="0"/>
+          </a:p>
+          <a:p>
+            <a:r>
+              <a:rPr kumimoji="1" lang="ja-JP" altLang="en-US" dirty="0"/>
+              <a:t>クリア条件は、隕石を破壊する　のみです。</a:t>
+            </a:r>
+            <a:endParaRPr kumimoji="1" lang="en-US" altLang="ja-JP" dirty="0"/>
+          </a:p>
+          <a:p>
+            <a:r>
+              <a:rPr kumimoji="1" lang="ja-JP" altLang="en-US" dirty="0"/>
+              <a:t>プレイヤーは周囲のオブジェクトを解体して素材を集めることができます。</a:t>
+            </a:r>
+            <a:endParaRPr kumimoji="1" lang="en-US" altLang="ja-JP" dirty="0"/>
+          </a:p>
+          <a:p>
+            <a:r>
+              <a:rPr kumimoji="1" lang="ja-JP" altLang="en-US" dirty="0"/>
+              <a:t>収集した素材は</a:t>
+            </a:r>
+            <a:endParaRPr kumimoji="1" lang="en-US" altLang="ja-JP" dirty="0"/>
+          </a:p>
+          <a:p>
+            <a:r>
+              <a:rPr kumimoji="1" lang="ja-JP" altLang="en-US" dirty="0"/>
+              <a:t>　隕石を破壊するための武器を作成するためにも</a:t>
+            </a:r>
+            <a:br>
+              <a:rPr kumimoji="1" lang="en-US" altLang="ja-JP" dirty="0"/>
+            </a:br>
+            <a:r>
+              <a:rPr kumimoji="1" lang="ja-JP" altLang="en-US" dirty="0"/>
+              <a:t>　オブジェクトを解体するためのツールを育てるために使用します。</a:t>
+            </a:r>
+            <a:endParaRPr kumimoji="1" lang="en-US" altLang="ja-JP" dirty="0"/>
+          </a:p>
+          <a:p>
+            <a:endParaRPr kumimoji="1" lang="en-US" altLang="ja-JP" dirty="0"/>
+          </a:p>
+        </p:txBody>
+      </p:sp>
+      <p:sp>
+        <p:nvSpPr>
+          <p:cNvPr id="4" name="スライド番号プレースホルダー 3"/>
+          <p:cNvSpPr>
+            <a:spLocks noGrp="1"/>
+          </p:cNvSpPr>
+          <p:nvPr>
+            <p:ph type="sldNum" sz="quarter" idx="5"/>
+          </p:nvPr>
+        </p:nvSpPr>
+        <p:spPr/>
+        <p:txBody>
+          <a:bodyPr/>
+          <a:lstStyle/>
+          <a:p>
+            <a:fld id="{38D02DA0-3F72-481A-A6C3-F10341206BF2}" type="slidenum">
+              <a:rPr kumimoji="1" lang="ja-JP" altLang="en-US" smtClean="0"/>
+              <a:t>7</a:t>
+            </a:fld>
+            <a:endParaRPr kumimoji="1" lang="ja-JP" altLang="en-US"/>
+          </a:p>
+        </p:txBody>
+      </p:sp>
+    </p:spTree>
+    <p:extLst>
+      <p:ext uri="{BB962C8B-B14F-4D97-AF65-F5344CB8AC3E}">
+        <p14:creationId xmlns:p14="http://schemas.microsoft.com/office/powerpoint/2010/main" val="2265459041"/>
+      </p:ext>
+    </p:extLst>
+  </p:cSld>
+  <p:clrMapOvr>
+    <a:masterClrMapping/>
+  </p:clrMapOvr>
+</p:notes>
+</file>
+
+<file path=ppt/notesSlides/notesSlide9.xml><?xml version="1.0" encoding="utf-8"?>
+<p:notes xmlns:a="http://schemas.openxmlformats.org/drawingml/2006/main" xmlns:r="http://schemas.openxmlformats.org/officeDocument/2006/relationships" xmlns:p="http://schemas.openxmlformats.org/presentationml/2006/main">
+  <p:cSld>
+    <p:spTree>
+      <p:nvGrpSpPr>
+        <p:cNvPr id="1" name=""/>
+        <p:cNvGrpSpPr/>
+        <p:nvPr/>
+      </p:nvGrpSpPr>
+      <p:grpSpPr>
+        <a:xfrm>
+          <a:off x="0" y="0"/>
+          <a:ext cx="0" cy="0"/>
+          <a:chOff x="0" y="0"/>
+          <a:chExt cx="0" cy="0"/>
+        </a:xfrm>
+      </p:grpSpPr>
+      <p:sp>
+        <p:nvSpPr>
+          <p:cNvPr id="2" name="スライド イメージ プレースホルダー 1"/>
+          <p:cNvSpPr>
+            <a:spLocks noGrp="1" noRot="1" noChangeAspect="1"/>
+          </p:cNvSpPr>
+          <p:nvPr>
+            <p:ph type="sldImg"/>
+          </p:nvPr>
+        </p:nvSpPr>
+        <p:spPr/>
+      </p:sp>
+      <p:sp>
+        <p:nvSpPr>
+          <p:cNvPr id="3" name="ノート プレースホルダー 2"/>
+          <p:cNvSpPr>
+            <a:spLocks noGrp="1"/>
+          </p:cNvSpPr>
+          <p:nvPr>
+            <p:ph type="body" idx="1"/>
+          </p:nvPr>
+        </p:nvSpPr>
+        <p:spPr/>
+        <p:txBody>
+          <a:bodyPr/>
+          <a:lstStyle/>
+          <a:p>
+            <a:r>
+              <a:rPr kumimoji="1" lang="ja-JP" altLang="en-US" dirty="0"/>
+              <a:t>ボリュームとしては</a:t>
+            </a:r>
+            <a:endParaRPr kumimoji="1" lang="en-US" altLang="ja-JP" dirty="0"/>
+          </a:p>
+          <a:p>
+            <a:r>
+              <a:rPr kumimoji="1" lang="ja-JP" altLang="en-US" dirty="0"/>
+              <a:t>１周３～５分で進めていきます</a:t>
+            </a:r>
+            <a:endParaRPr kumimoji="1" lang="en-US" altLang="ja-JP" dirty="0"/>
+          </a:p>
+          <a:p>
+            <a:r>
+              <a:rPr kumimoji="1" lang="ja-JP" altLang="en-US" dirty="0"/>
+              <a:t>後に説明しますが、収集要素として完成した武器をコレクションできるようにし、それぞれ７パターン</a:t>
+            </a:r>
+            <a:endParaRPr kumimoji="1" lang="en-US" altLang="ja-JP" dirty="0"/>
+          </a:p>
+          <a:p>
+            <a:r>
+              <a:rPr kumimoji="1" lang="ja-JP" altLang="en-US" dirty="0"/>
+              <a:t>最短３５分</a:t>
+            </a:r>
+            <a:br>
+              <a:rPr kumimoji="1" lang="en-US" altLang="ja-JP" dirty="0"/>
+            </a:br>
+            <a:br>
+              <a:rPr kumimoji="1" lang="en-US" altLang="ja-JP" dirty="0"/>
+            </a:br>
+            <a:r>
+              <a:rPr kumimoji="1" lang="ja-JP" altLang="en-US" dirty="0"/>
+              <a:t>プレイ内での分岐としては</a:t>
+            </a:r>
+            <a:endParaRPr kumimoji="1" lang="en-US" altLang="ja-JP" dirty="0"/>
+          </a:p>
+          <a:p>
+            <a:r>
+              <a:rPr kumimoji="1" lang="ja-JP" altLang="en-US" dirty="0"/>
+              <a:t>・完成した武器によるエンドの分岐（クリアかゲームオーバーかどうか）</a:t>
+            </a:r>
+            <a:endParaRPr kumimoji="1" lang="en-US" altLang="ja-JP" dirty="0"/>
+          </a:p>
+        </p:txBody>
+      </p:sp>
+      <p:sp>
+        <p:nvSpPr>
+          <p:cNvPr id="4" name="スライド番号プレースホルダー 3"/>
+          <p:cNvSpPr>
+            <a:spLocks noGrp="1"/>
+          </p:cNvSpPr>
+          <p:nvPr>
+            <p:ph type="sldNum" sz="quarter" idx="5"/>
+          </p:nvPr>
+        </p:nvSpPr>
+        <p:spPr/>
+        <p:txBody>
+          <a:bodyPr/>
+          <a:lstStyle/>
+          <a:p>
+            <a:fld id="{38D02DA0-3F72-481A-A6C3-F10341206BF2}" type="slidenum">
+              <a:rPr kumimoji="1" lang="ja-JP" altLang="en-US" smtClean="0"/>
+              <a:t>8</a:t>
+            </a:fld>
+            <a:endParaRPr kumimoji="1" lang="ja-JP" altLang="en-US"/>
+          </a:p>
+        </p:txBody>
+      </p:sp>
+    </p:spTree>
+    <p:extLst>
+      <p:ext uri="{BB962C8B-B14F-4D97-AF65-F5344CB8AC3E}">
+        <p14:creationId xmlns:p14="http://schemas.microsoft.com/office/powerpoint/2010/main" val="704326159"/>
       </p:ext>
     </p:extLst>
   </p:cSld>
@@ -1444,10 +3417,19 @@
   <p:clrMapOvr>
     <a:masterClrMapping/>
   </p:clrMapOvr>
-  <p:transition spd="slow">
-    <p:push/>
-  </p:transition>
-  <p:extLst>
+  <mc:AlternateContent xmlns:mc="http://schemas.openxmlformats.org/markup-compatibility/2006">
+    <mc:Choice xmlns:p14="http://schemas.microsoft.com/office/powerpoint/2010/main" Requires="p14">
+      <p:transition spd="slow" p14:dur="800">
+        <p:push dir="r"/>
+      </p:transition>
+    </mc:Choice>
+    <mc:Fallback>
+      <p:transition spd="slow">
+        <p:push dir="r"/>
+      </p:transition>
+    </mc:Fallback>
+  </mc:AlternateContent>
+  <p:extLst mod="1">
     <p:ext uri="{DCECCB84-F9BA-43D5-87BE-67443E8EF086}">
       <p15:sldGuideLst xmlns:p15="http://schemas.microsoft.com/office/powerpoint/2012/main">
         <p15:guide id="1" orient="horz" pos="2160" userDrawn="1">
@@ -1809,10 +3791,19 @@
   <p:clrMapOvr>
     <a:masterClrMapping/>
   </p:clrMapOvr>
-  <p:transition spd="slow">
-    <p:push/>
-  </p:transition>
-  <p:extLst>
+  <mc:AlternateContent xmlns:mc="http://schemas.openxmlformats.org/markup-compatibility/2006">
+    <mc:Choice xmlns:p14="http://schemas.microsoft.com/office/powerpoint/2010/main" Requires="p14">
+      <p:transition spd="slow" p14:dur="800">
+        <p:push dir="r"/>
+      </p:transition>
+    </mc:Choice>
+    <mc:Fallback>
+      <p:transition spd="slow">
+        <p:push dir="r"/>
+      </p:transition>
+    </mc:Fallback>
+  </mc:AlternateContent>
+  <p:extLst mod="1">
     <p:ext uri="{DCECCB84-F9BA-43D5-87BE-67443E8EF086}">
       <p15:sldGuideLst xmlns:p15="http://schemas.microsoft.com/office/powerpoint/2012/main">
         <p15:guide id="1" orient="horz" pos="890" userDrawn="1">
@@ -2123,10 +4114,19 @@
   <p:clrMapOvr>
     <a:masterClrMapping/>
   </p:clrMapOvr>
-  <p:transition spd="slow">
-    <p:push/>
-  </p:transition>
-  <p:extLst>
+  <mc:AlternateContent xmlns:mc="http://schemas.openxmlformats.org/markup-compatibility/2006">
+    <mc:Choice xmlns:p14="http://schemas.microsoft.com/office/powerpoint/2010/main" Requires="p14">
+      <p:transition spd="slow" p14:dur="800">
+        <p:push dir="r"/>
+      </p:transition>
+    </mc:Choice>
+    <mc:Fallback>
+      <p:transition spd="slow">
+        <p:push dir="r"/>
+      </p:transition>
+    </mc:Fallback>
+  </mc:AlternateContent>
+  <p:extLst mod="1">
     <p:ext uri="{DCECCB84-F9BA-43D5-87BE-67443E8EF086}">
       <p15:sldGuideLst xmlns:p15="http://schemas.microsoft.com/office/powerpoint/2012/main">
         <p15:guide id="1" orient="horz" pos="890">
@@ -2362,9 +4362,18 @@
   <p:clrMapOvr>
     <a:masterClrMapping/>
   </p:clrMapOvr>
-  <p:transition spd="slow">
-    <p:push/>
-  </p:transition>
+  <mc:AlternateContent xmlns:mc="http://schemas.openxmlformats.org/markup-compatibility/2006">
+    <mc:Choice xmlns:p14="http://schemas.microsoft.com/office/powerpoint/2010/main" Requires="p14">
+      <p:transition spd="slow" p14:dur="800">
+        <p:push dir="r"/>
+      </p:transition>
+    </mc:Choice>
+    <mc:Fallback>
+      <p:transition spd="slow">
+        <p:push dir="r"/>
+      </p:transition>
+    </mc:Fallback>
+  </mc:AlternateContent>
 </p:sldLayout>
 </file>
 
@@ -2725,9 +4734,18 @@
   <p:clrMapOvr>
     <a:masterClrMapping/>
   </p:clrMapOvr>
-  <p:transition spd="slow">
-    <p:push/>
-  </p:transition>
+  <mc:AlternateContent xmlns:mc="http://schemas.openxmlformats.org/markup-compatibility/2006">
+    <mc:Choice xmlns:p14="http://schemas.microsoft.com/office/powerpoint/2010/main" Requires="p14">
+      <p:transition spd="slow" p14:dur="800">
+        <p:push dir="r"/>
+      </p:transition>
+    </mc:Choice>
+    <mc:Fallback>
+      <p:transition spd="slow">
+        <p:push dir="r"/>
+      </p:transition>
+    </mc:Fallback>
+  </mc:AlternateContent>
 </p:sldLayout>
 </file>
 
@@ -3235,9 +5253,18 @@
   <p:clrMapOvr>
     <a:masterClrMapping/>
   </p:clrMapOvr>
-  <p:transition spd="slow">
-    <p:push/>
-  </p:transition>
+  <mc:AlternateContent xmlns:mc="http://schemas.openxmlformats.org/markup-compatibility/2006">
+    <mc:Choice xmlns:p14="http://schemas.microsoft.com/office/powerpoint/2010/main" Requires="p14">
+      <p:transition spd="slow" p14:dur="800">
+        <p:push dir="r"/>
+      </p:transition>
+    </mc:Choice>
+    <mc:Fallback>
+      <p:transition spd="slow">
+        <p:push dir="r"/>
+      </p:transition>
+    </mc:Fallback>
+  </mc:AlternateContent>
 </p:sldLayout>
 </file>
 
@@ -3410,9 +5437,18 @@
   <p:clrMapOvr>
     <a:masterClrMapping/>
   </p:clrMapOvr>
-  <p:transition spd="slow">
-    <p:push/>
-  </p:transition>
+  <mc:AlternateContent xmlns:mc="http://schemas.openxmlformats.org/markup-compatibility/2006">
+    <mc:Choice xmlns:p14="http://schemas.microsoft.com/office/powerpoint/2010/main" Requires="p14">
+      <p:transition spd="slow" p14:dur="800">
+        <p:push dir="r"/>
+      </p:transition>
+    </mc:Choice>
+    <mc:Fallback>
+      <p:transition spd="slow">
+        <p:push dir="r"/>
+      </p:transition>
+    </mc:Fallback>
+  </mc:AlternateContent>
 </p:sldLayout>
 </file>
 
@@ -3557,9 +5593,18 @@
   <p:clrMapOvr>
     <a:masterClrMapping/>
   </p:clrMapOvr>
-  <p:transition spd="slow">
-    <p:push/>
-  </p:transition>
+  <mc:AlternateContent xmlns:mc="http://schemas.openxmlformats.org/markup-compatibility/2006">
+    <mc:Choice xmlns:p14="http://schemas.microsoft.com/office/powerpoint/2010/main" Requires="p14">
+      <p:transition spd="slow" p14:dur="800">
+        <p:push dir="r"/>
+      </p:transition>
+    </mc:Choice>
+    <mc:Fallback>
+      <p:transition spd="slow">
+        <p:push dir="r"/>
+      </p:transition>
+    </mc:Fallback>
+  </mc:AlternateContent>
 </p:sldLayout>
 </file>
 
@@ -3924,9 +5969,18 @@
     <p:sldLayoutId id="2147483654" r:id="rId7"/>
     <p:sldLayoutId id="2147483655" r:id="rId8"/>
   </p:sldLayoutIdLst>
-  <p:transition spd="slow">
-    <p:push/>
-  </p:transition>
+  <mc:AlternateContent xmlns:mc="http://schemas.openxmlformats.org/markup-compatibility/2006">
+    <mc:Choice xmlns:p14="http://schemas.microsoft.com/office/powerpoint/2010/main" Requires="p14">
+      <p:transition spd="slow" p14:dur="800">
+        <p:push dir="r"/>
+      </p:transition>
+    </mc:Choice>
+    <mc:Fallback>
+      <p:transition spd="slow">
+        <p:push dir="r"/>
+      </p:transition>
+    </mc:Fallback>
+  </mc:AlternateContent>
   <p:hf sldNum="0" hdr="0" ftr="0" dt="0"/>
   <p:txStyles>
     <p:titleStyle>
@@ -4208,7 +6262,7 @@
       </a:lvl9pPr>
     </p:otherStyle>
   </p:txStyles>
-  <p:extLst>
+  <p:extLst mod="1">
     <p:ext uri="{27BBF7A9-308A-43DC-89C8-2F10F3537804}">
       <p15:sldGuideLst xmlns:p15="http://schemas.microsoft.com/office/powerpoint/2012/main">
         <p15:guide id="1" orient="horz" pos="3884" userDrawn="1">
@@ -4259,12 +6313,12 @@
           <p:nvPr/>
         </p:nvPicPr>
         <p:blipFill>
-          <a:blip r:embed="rId2">
+          <a:blip r:embed="rId3">
             <a:alphaModFix amt="20000"/>
             <a:extLst>
               <a:ext uri="{BEBA8EAE-BF5A-486C-A8C5-ECC9F3942E4B}">
                 <a14:imgProps xmlns:a14="http://schemas.microsoft.com/office/drawing/2010/main">
-                  <a14:imgLayer r:embed="rId3">
+                  <a14:imgLayer r:embed="rId4">
                     <a14:imgEffect>
                       <a14:saturation sat="0"/>
                     </a14:imgEffect>
@@ -4338,7 +6392,7 @@
           <p:nvPr/>
         </p:nvPicPr>
         <p:blipFill>
-          <a:blip r:embed="rId4">
+          <a:blip r:embed="rId5">
             <a:extLst>
               <a:ext uri="{28A0092B-C50C-407E-A947-70E740481C1C}">
                 <a14:useLocalDpi xmlns:a14="http://schemas.microsoft.com/office/drawing/2010/main" val="0"/>
@@ -4374,7 +6428,7 @@
           <p:nvPr/>
         </p:nvPicPr>
         <p:blipFill>
-          <a:blip r:embed="rId5">
+          <a:blip r:embed="rId6">
             <a:extLst>
               <a:ext uri="{28A0092B-C50C-407E-A947-70E740481C1C}">
                 <a14:useLocalDpi xmlns:a14="http://schemas.microsoft.com/office/drawing/2010/main" val="0"/>
@@ -4412,11 +6466,11 @@
   <p:clrMapOvr>
     <a:masterClrMapping/>
   </p:clrMapOvr>
-  <mc:AlternateContent xmlns:mc="http://schemas.openxmlformats.org/markup-compatibility/2006" xmlns:p14="http://schemas.microsoft.com/office/powerpoint/2010/main">
-    <mc:Choice Requires="p14">
+  <mc:AlternateContent xmlns:mc="http://schemas.openxmlformats.org/markup-compatibility/2006">
+    <mc:Choice xmlns:p14="http://schemas.microsoft.com/office/powerpoint/2010/main" Requires="p14">
       <p:transition p14:dur="0"/>
     </mc:Choice>
-    <mc:Fallback xmlns="">
+    <mc:Fallback>
       <p:transition/>
     </mc:Fallback>
   </mc:AlternateContent>
@@ -4424,6 +6478,879 @@
 </file>
 
 <file path=ppt/slides/slide10.xml><?xml version="1.0" encoding="utf-8"?>
+<p:sld xmlns:a="http://schemas.openxmlformats.org/drawingml/2006/main" xmlns:r="http://schemas.openxmlformats.org/officeDocument/2006/relationships" xmlns:p="http://schemas.openxmlformats.org/presentationml/2006/main">
+  <p:cSld>
+    <p:spTree>
+      <p:nvGrpSpPr>
+        <p:cNvPr id="1" name=""/>
+        <p:cNvGrpSpPr/>
+        <p:nvPr/>
+      </p:nvGrpSpPr>
+      <p:grpSpPr>
+        <a:xfrm>
+          <a:off x="0" y="0"/>
+          <a:ext cx="0" cy="0"/>
+          <a:chOff x="0" y="0"/>
+          <a:chExt cx="0" cy="0"/>
+        </a:xfrm>
+      </p:grpSpPr>
+      <p:sp>
+        <p:nvSpPr>
+          <p:cNvPr id="2" name="タイトル 1">
+            <a:extLst>
+              <a:ext uri="{FF2B5EF4-FFF2-40B4-BE49-F238E27FC236}">
+                <a16:creationId xmlns:a16="http://schemas.microsoft.com/office/drawing/2014/main" id="{40F4CD86-9A63-434B-967F-C479B460B604}"/>
+              </a:ext>
+            </a:extLst>
+          </p:cNvPr>
+          <p:cNvSpPr>
+            <a:spLocks noGrp="1"/>
+          </p:cNvSpPr>
+          <p:nvPr>
+            <p:ph type="title"/>
+          </p:nvPr>
+        </p:nvSpPr>
+        <p:spPr/>
+        <p:txBody>
+          <a:bodyPr/>
+          <a:lstStyle/>
+          <a:p>
+            <a:r>
+              <a:rPr kumimoji="1" lang="ja-JP" altLang="en-US" dirty="0"/>
+              <a:t>ゲーム仕様</a:t>
+            </a:r>
+          </a:p>
+        </p:txBody>
+      </p:sp>
+    </p:spTree>
+    <p:extLst>
+      <p:ext uri="{BB962C8B-B14F-4D97-AF65-F5344CB8AC3E}">
+        <p14:creationId xmlns:p14="http://schemas.microsoft.com/office/powerpoint/2010/main" val="3158455614"/>
+      </p:ext>
+    </p:extLst>
+  </p:cSld>
+  <p:clrMapOvr>
+    <a:masterClrMapping/>
+  </p:clrMapOvr>
+  <mc:AlternateContent xmlns:mc="http://schemas.openxmlformats.org/markup-compatibility/2006">
+    <mc:Choice xmlns:p14="http://schemas.microsoft.com/office/powerpoint/2010/main" Requires="p14">
+      <p:transition spd="slow" p14:dur="800">
+        <p:push dir="u"/>
+      </p:transition>
+    </mc:Choice>
+    <mc:Fallback>
+      <p:transition spd="slow">
+        <p:push dir="u"/>
+      </p:transition>
+    </mc:Fallback>
+  </mc:AlternateContent>
+</p:sld>
+</file>
+
+<file path=ppt/slides/slide11.xml><?xml version="1.0" encoding="utf-8"?>
+<p:sld xmlns:a="http://schemas.openxmlformats.org/drawingml/2006/main" xmlns:r="http://schemas.openxmlformats.org/officeDocument/2006/relationships" xmlns:p="http://schemas.openxmlformats.org/presentationml/2006/main">
+  <p:cSld>
+    <p:spTree>
+      <p:nvGrpSpPr>
+        <p:cNvPr id="1" name="">
+          <a:extLst>
+            <a:ext uri="{FF2B5EF4-FFF2-40B4-BE49-F238E27FC236}">
+              <a16:creationId xmlns:a16="http://schemas.microsoft.com/office/drawing/2014/main" id="{63C73656-F522-4845-FCD8-FDC5074389AF}"/>
+            </a:ext>
+          </a:extLst>
+        </p:cNvPr>
+        <p:cNvGrpSpPr/>
+        <p:nvPr/>
+      </p:nvGrpSpPr>
+      <p:grpSpPr>
+        <a:xfrm>
+          <a:off x="0" y="0"/>
+          <a:ext cx="0" cy="0"/>
+          <a:chOff x="0" y="0"/>
+          <a:chExt cx="0" cy="0"/>
+        </a:xfrm>
+      </p:grpSpPr>
+      <p:sp>
+        <p:nvSpPr>
+          <p:cNvPr id="2" name="タイトル 1">
+            <a:extLst>
+              <a:ext uri="{FF2B5EF4-FFF2-40B4-BE49-F238E27FC236}">
+                <a16:creationId xmlns:a16="http://schemas.microsoft.com/office/drawing/2014/main" id="{D9FF3CAB-B843-0B1C-4042-160AA280AEA9}"/>
+              </a:ext>
+            </a:extLst>
+          </p:cNvPr>
+          <p:cNvSpPr>
+            <a:spLocks noGrp="1"/>
+          </p:cNvSpPr>
+          <p:nvPr>
+            <p:ph type="title"/>
+          </p:nvPr>
+        </p:nvSpPr>
+        <p:spPr/>
+        <p:txBody>
+          <a:bodyPr/>
+          <a:lstStyle/>
+          <a:p>
+            <a:pPr algn="ctr"/>
+            <a:r>
+              <a:rPr lang="ja-JP" altLang="en-US" dirty="0"/>
+              <a:t>報酬</a:t>
+            </a:r>
+            <a:endParaRPr kumimoji="1" lang="ja-JP" altLang="en-US" dirty="0"/>
+          </a:p>
+        </p:txBody>
+      </p:sp>
+      <p:grpSp>
+        <p:nvGrpSpPr>
+          <p:cNvPr id="6" name="グループ化 5">
+            <a:extLst>
+              <a:ext uri="{FF2B5EF4-FFF2-40B4-BE49-F238E27FC236}">
+                <a16:creationId xmlns:a16="http://schemas.microsoft.com/office/drawing/2014/main" id="{191520D3-50CA-4EB3-9F89-6F4E40002B9D}"/>
+              </a:ext>
+            </a:extLst>
+          </p:cNvPr>
+          <p:cNvGrpSpPr/>
+          <p:nvPr/>
+        </p:nvGrpSpPr>
+        <p:grpSpPr>
+          <a:xfrm>
+            <a:off x="1034473" y="1412875"/>
+            <a:ext cx="2017599" cy="540000"/>
+            <a:chOff x="1034473" y="1412875"/>
+            <a:chExt cx="2017599" cy="540000"/>
+          </a:xfrm>
+        </p:grpSpPr>
+        <p:sp>
+          <p:nvSpPr>
+            <p:cNvPr id="7" name="正方形/長方形 6">
+              <a:extLst>
+                <a:ext uri="{FF2B5EF4-FFF2-40B4-BE49-F238E27FC236}">
+                  <a16:creationId xmlns:a16="http://schemas.microsoft.com/office/drawing/2014/main" id="{DCFC0262-97C3-4EF6-AE58-E42AB92FF8C5}"/>
+                </a:ext>
+              </a:extLst>
+            </p:cNvPr>
+            <p:cNvSpPr/>
+            <p:nvPr/>
+          </p:nvSpPr>
+          <p:spPr>
+            <a:xfrm>
+              <a:off x="1034473" y="1412875"/>
+              <a:ext cx="166254" cy="540000"/>
+            </a:xfrm>
+            <a:prstGeom prst="rect">
+              <a:avLst/>
+            </a:prstGeom>
+            <a:solidFill>
+              <a:srgbClr val="45942C"/>
+            </a:solidFill>
+            <a:ln>
+              <a:noFill/>
+            </a:ln>
+          </p:spPr>
+          <p:style>
+            <a:lnRef idx="2">
+              <a:schemeClr val="accent1">
+                <a:shade val="15000"/>
+              </a:schemeClr>
+            </a:lnRef>
+            <a:fillRef idx="1">
+              <a:schemeClr val="accent1"/>
+            </a:fillRef>
+            <a:effectRef idx="0">
+              <a:schemeClr val="accent1"/>
+            </a:effectRef>
+            <a:fontRef idx="minor">
+              <a:schemeClr val="lt1"/>
+            </a:fontRef>
+          </p:style>
+          <p:txBody>
+            <a:bodyPr rtlCol="0" anchor="ctr"/>
+            <a:lstStyle/>
+            <a:p>
+              <a:pPr algn="ctr"/>
+              <a:endParaRPr kumimoji="1" lang="ja-JP" altLang="en-US" sz="2800"/>
+            </a:p>
+          </p:txBody>
+        </p:sp>
+        <p:sp>
+          <p:nvSpPr>
+            <p:cNvPr id="8" name="フリーフォーム: 図形 7">
+              <a:extLst>
+                <a:ext uri="{FF2B5EF4-FFF2-40B4-BE49-F238E27FC236}">
+                  <a16:creationId xmlns:a16="http://schemas.microsoft.com/office/drawing/2014/main" id="{F1D298C5-56C5-4B87-95F8-9A8D8513D569}"/>
+                </a:ext>
+              </a:extLst>
+            </p:cNvPr>
+            <p:cNvSpPr/>
+            <p:nvPr/>
+          </p:nvSpPr>
+          <p:spPr>
+            <a:xfrm>
+              <a:off x="1223272" y="1412875"/>
+              <a:ext cx="1828800" cy="540000"/>
+            </a:xfrm>
+            <a:custGeom>
+              <a:avLst/>
+              <a:gdLst>
+                <a:gd name="connsiteX0" fmla="*/ 0 w 1620000"/>
+                <a:gd name="connsiteY0" fmla="*/ 0 h 540000"/>
+                <a:gd name="connsiteX1" fmla="*/ 1620000 w 1620000"/>
+                <a:gd name="connsiteY1" fmla="*/ 0 h 540000"/>
+                <a:gd name="connsiteX2" fmla="*/ 1620000 w 1620000"/>
+                <a:gd name="connsiteY2" fmla="*/ 540000 h 540000"/>
+                <a:gd name="connsiteX3" fmla="*/ 0 w 1620000"/>
+                <a:gd name="connsiteY3" fmla="*/ 540000 h 540000"/>
+                <a:gd name="connsiteX4" fmla="*/ 0 w 1620000"/>
+                <a:gd name="connsiteY4" fmla="*/ 0 h 540000"/>
+              </a:gdLst>
+              <a:ahLst/>
+              <a:cxnLst>
+                <a:cxn ang="0">
+                  <a:pos x="connsiteX0" y="connsiteY0"/>
+                </a:cxn>
+                <a:cxn ang="0">
+                  <a:pos x="connsiteX1" y="connsiteY1"/>
+                </a:cxn>
+                <a:cxn ang="0">
+                  <a:pos x="connsiteX2" y="connsiteY2"/>
+                </a:cxn>
+                <a:cxn ang="0">
+                  <a:pos x="connsiteX3" y="connsiteY3"/>
+                </a:cxn>
+                <a:cxn ang="0">
+                  <a:pos x="connsiteX4" y="connsiteY4"/>
+                </a:cxn>
+              </a:cxnLst>
+              <a:rect l="l" t="t" r="r" b="b"/>
+              <a:pathLst>
+                <a:path w="1620000" h="540000">
+                  <a:moveTo>
+                    <a:pt x="0" y="0"/>
+                  </a:moveTo>
+                  <a:lnTo>
+                    <a:pt x="1620000" y="0"/>
+                  </a:lnTo>
+                  <a:lnTo>
+                    <a:pt x="1620000" y="540000"/>
+                  </a:lnTo>
+                  <a:lnTo>
+                    <a:pt x="0" y="540000"/>
+                  </a:lnTo>
+                  <a:lnTo>
+                    <a:pt x="0" y="0"/>
+                  </a:lnTo>
+                  <a:close/>
+                </a:path>
+              </a:pathLst>
+            </a:custGeom>
+            <a:solidFill>
+              <a:srgbClr val="4CA331"/>
+            </a:solidFill>
+            <a:ln>
+              <a:noFill/>
+            </a:ln>
+          </p:spPr>
+          <p:style>
+            <a:lnRef idx="2">
+              <a:schemeClr val="accent1">
+                <a:shade val="15000"/>
+              </a:schemeClr>
+            </a:lnRef>
+            <a:fillRef idx="1">
+              <a:schemeClr val="accent1"/>
+            </a:fillRef>
+            <a:effectRef idx="0">
+              <a:schemeClr val="accent1"/>
+            </a:effectRef>
+            <a:fontRef idx="minor">
+              <a:schemeClr val="lt1"/>
+            </a:fontRef>
+          </p:style>
+          <p:txBody>
+            <a:bodyPr wrap="square" rtlCol="0" anchor="ctr">
+              <a:noAutofit/>
+            </a:bodyPr>
+            <a:lstStyle/>
+            <a:p>
+              <a:pPr algn="ctr"/>
+              <a:r>
+                <a:rPr kumimoji="1" lang="ja-JP" altLang="en-US" sz="2800" dirty="0"/>
+                <a:t>隕石破壊</a:t>
+              </a:r>
+            </a:p>
+          </p:txBody>
+        </p:sp>
+      </p:grpSp>
+      <p:grpSp>
+        <p:nvGrpSpPr>
+          <p:cNvPr id="9" name="グループ化 8">
+            <a:extLst>
+              <a:ext uri="{FF2B5EF4-FFF2-40B4-BE49-F238E27FC236}">
+                <a16:creationId xmlns:a16="http://schemas.microsoft.com/office/drawing/2014/main" id="{A7D47D43-8A5E-431B-A4F3-5279B40F06AB}"/>
+              </a:ext>
+            </a:extLst>
+          </p:cNvPr>
+          <p:cNvGrpSpPr/>
+          <p:nvPr/>
+        </p:nvGrpSpPr>
+        <p:grpSpPr>
+          <a:xfrm>
+            <a:off x="1034473" y="3622027"/>
+            <a:ext cx="2017599" cy="540000"/>
+            <a:chOff x="1034473" y="3000625"/>
+            <a:chExt cx="2017599" cy="540000"/>
+          </a:xfrm>
+        </p:grpSpPr>
+        <p:sp>
+          <p:nvSpPr>
+            <p:cNvPr id="10" name="正方形/長方形 9">
+              <a:extLst>
+                <a:ext uri="{FF2B5EF4-FFF2-40B4-BE49-F238E27FC236}">
+                  <a16:creationId xmlns:a16="http://schemas.microsoft.com/office/drawing/2014/main" id="{CD372D06-4D83-4DED-B110-D437D034E4A0}"/>
+                </a:ext>
+              </a:extLst>
+            </p:cNvPr>
+            <p:cNvSpPr/>
+            <p:nvPr/>
+          </p:nvSpPr>
+          <p:spPr>
+            <a:xfrm>
+              <a:off x="1034473" y="3000625"/>
+              <a:ext cx="166254" cy="540000"/>
+            </a:xfrm>
+            <a:prstGeom prst="rect">
+              <a:avLst/>
+            </a:prstGeom>
+            <a:solidFill>
+              <a:srgbClr val="45942C"/>
+            </a:solidFill>
+            <a:ln>
+              <a:noFill/>
+            </a:ln>
+          </p:spPr>
+          <p:style>
+            <a:lnRef idx="2">
+              <a:schemeClr val="accent1">
+                <a:shade val="15000"/>
+              </a:schemeClr>
+            </a:lnRef>
+            <a:fillRef idx="1">
+              <a:schemeClr val="accent1"/>
+            </a:fillRef>
+            <a:effectRef idx="0">
+              <a:schemeClr val="accent1"/>
+            </a:effectRef>
+            <a:fontRef idx="minor">
+              <a:schemeClr val="lt1"/>
+            </a:fontRef>
+          </p:style>
+          <p:txBody>
+            <a:bodyPr rtlCol="0" anchor="ctr"/>
+            <a:lstStyle/>
+            <a:p>
+              <a:pPr algn="ctr"/>
+              <a:endParaRPr kumimoji="1" lang="ja-JP" altLang="en-US" sz="2800"/>
+            </a:p>
+          </p:txBody>
+        </p:sp>
+        <p:sp>
+          <p:nvSpPr>
+            <p:cNvPr id="11" name="フリーフォーム: 図形 10">
+              <a:extLst>
+                <a:ext uri="{FF2B5EF4-FFF2-40B4-BE49-F238E27FC236}">
+                  <a16:creationId xmlns:a16="http://schemas.microsoft.com/office/drawing/2014/main" id="{F8E274A2-51EA-4BFD-BD34-106AB50E0FEF}"/>
+                </a:ext>
+              </a:extLst>
+            </p:cNvPr>
+            <p:cNvSpPr/>
+            <p:nvPr/>
+          </p:nvSpPr>
+          <p:spPr>
+            <a:xfrm>
+              <a:off x="1223272" y="3000625"/>
+              <a:ext cx="1828800" cy="540000"/>
+            </a:xfrm>
+            <a:custGeom>
+              <a:avLst/>
+              <a:gdLst>
+                <a:gd name="connsiteX0" fmla="*/ 0 w 1620000"/>
+                <a:gd name="connsiteY0" fmla="*/ 0 h 540000"/>
+                <a:gd name="connsiteX1" fmla="*/ 1620000 w 1620000"/>
+                <a:gd name="connsiteY1" fmla="*/ 0 h 540000"/>
+                <a:gd name="connsiteX2" fmla="*/ 1620000 w 1620000"/>
+                <a:gd name="connsiteY2" fmla="*/ 540000 h 540000"/>
+                <a:gd name="connsiteX3" fmla="*/ 0 w 1620000"/>
+                <a:gd name="connsiteY3" fmla="*/ 540000 h 540000"/>
+                <a:gd name="connsiteX4" fmla="*/ 0 w 1620000"/>
+                <a:gd name="connsiteY4" fmla="*/ 0 h 540000"/>
+              </a:gdLst>
+              <a:ahLst/>
+              <a:cxnLst>
+                <a:cxn ang="0">
+                  <a:pos x="connsiteX0" y="connsiteY0"/>
+                </a:cxn>
+                <a:cxn ang="0">
+                  <a:pos x="connsiteX1" y="connsiteY1"/>
+                </a:cxn>
+                <a:cxn ang="0">
+                  <a:pos x="connsiteX2" y="connsiteY2"/>
+                </a:cxn>
+                <a:cxn ang="0">
+                  <a:pos x="connsiteX3" y="connsiteY3"/>
+                </a:cxn>
+                <a:cxn ang="0">
+                  <a:pos x="connsiteX4" y="connsiteY4"/>
+                </a:cxn>
+              </a:cxnLst>
+              <a:rect l="l" t="t" r="r" b="b"/>
+              <a:pathLst>
+                <a:path w="1620000" h="540000">
+                  <a:moveTo>
+                    <a:pt x="0" y="0"/>
+                  </a:moveTo>
+                  <a:lnTo>
+                    <a:pt x="1620000" y="0"/>
+                  </a:lnTo>
+                  <a:lnTo>
+                    <a:pt x="1620000" y="540000"/>
+                  </a:lnTo>
+                  <a:lnTo>
+                    <a:pt x="0" y="540000"/>
+                  </a:lnTo>
+                  <a:lnTo>
+                    <a:pt x="0" y="0"/>
+                  </a:lnTo>
+                  <a:close/>
+                </a:path>
+              </a:pathLst>
+            </a:custGeom>
+            <a:solidFill>
+              <a:srgbClr val="4CA331"/>
+            </a:solidFill>
+            <a:ln>
+              <a:noFill/>
+            </a:ln>
+          </p:spPr>
+          <p:style>
+            <a:lnRef idx="2">
+              <a:schemeClr val="accent1">
+                <a:shade val="15000"/>
+              </a:schemeClr>
+            </a:lnRef>
+            <a:fillRef idx="1">
+              <a:schemeClr val="accent1"/>
+            </a:fillRef>
+            <a:effectRef idx="0">
+              <a:schemeClr val="accent1"/>
+            </a:effectRef>
+            <a:fontRef idx="minor">
+              <a:schemeClr val="lt1"/>
+            </a:fontRef>
+          </p:style>
+          <p:txBody>
+            <a:bodyPr wrap="square" rtlCol="0" anchor="ctr">
+              <a:noAutofit/>
+            </a:bodyPr>
+            <a:lstStyle/>
+            <a:p>
+              <a:pPr algn="ctr"/>
+              <a:r>
+                <a:rPr kumimoji="1" lang="ja-JP" altLang="en-US" sz="2800" dirty="0"/>
+                <a:t>スコア</a:t>
+              </a:r>
+              <a:endParaRPr kumimoji="1" lang="en-US" altLang="ja-JP" sz="2800" dirty="0"/>
+            </a:p>
+          </p:txBody>
+        </p:sp>
+      </p:grpSp>
+      <p:sp>
+        <p:nvSpPr>
+          <p:cNvPr id="12" name="テキスト ボックス 11">
+            <a:extLst>
+              <a:ext uri="{FF2B5EF4-FFF2-40B4-BE49-F238E27FC236}">
+                <a16:creationId xmlns:a16="http://schemas.microsoft.com/office/drawing/2014/main" id="{1C0460C3-736B-44F2-9FE6-295B56249E84}"/>
+              </a:ext>
+            </a:extLst>
+          </p:cNvPr>
+          <p:cNvSpPr txBox="1"/>
+          <p:nvPr/>
+        </p:nvSpPr>
+        <p:spPr>
+          <a:xfrm>
+            <a:off x="1223271" y="2240859"/>
+            <a:ext cx="9899999" cy="954107"/>
+          </a:xfrm>
+          <a:prstGeom prst="rect">
+            <a:avLst/>
+          </a:prstGeom>
+          <a:noFill/>
+        </p:spPr>
+        <p:txBody>
+          <a:bodyPr wrap="square" rtlCol="0">
+            <a:spAutoFit/>
+          </a:bodyPr>
+          <a:lstStyle/>
+          <a:p>
+            <a:r>
+              <a:rPr lang="ja-JP" altLang="en-US" sz="2800" dirty="0"/>
+              <a:t>隕石の破壊に成功した際の報酬</a:t>
+            </a:r>
+            <a:endParaRPr lang="en-US" altLang="ja-JP" sz="2800" dirty="0"/>
+          </a:p>
+          <a:p>
+            <a:r>
+              <a:rPr kumimoji="1" lang="ja-JP" altLang="en-US" sz="2800" dirty="0"/>
+              <a:t>今後のプレイ時にバフがかかる</a:t>
+            </a:r>
+          </a:p>
+        </p:txBody>
+      </p:sp>
+      <p:sp>
+        <p:nvSpPr>
+          <p:cNvPr id="13" name="テキスト ボックス 12">
+            <a:extLst>
+              <a:ext uri="{FF2B5EF4-FFF2-40B4-BE49-F238E27FC236}">
+                <a16:creationId xmlns:a16="http://schemas.microsoft.com/office/drawing/2014/main" id="{4276D2CD-060D-4F25-9518-9C1D68557774}"/>
+              </a:ext>
+            </a:extLst>
+          </p:cNvPr>
+          <p:cNvSpPr txBox="1"/>
+          <p:nvPr/>
+        </p:nvSpPr>
+        <p:spPr>
+          <a:xfrm>
+            <a:off x="1223272" y="4244796"/>
+            <a:ext cx="6726382" cy="1384995"/>
+          </a:xfrm>
+          <a:prstGeom prst="rect">
+            <a:avLst/>
+          </a:prstGeom>
+          <a:noFill/>
+        </p:spPr>
+        <p:txBody>
+          <a:bodyPr wrap="square" rtlCol="0">
+            <a:spAutoFit/>
+          </a:bodyPr>
+          <a:lstStyle/>
+          <a:p>
+            <a:r>
+              <a:rPr kumimoji="1" lang="ja-JP" altLang="en-US" sz="2800" dirty="0"/>
+              <a:t>スコアに応じて完成した武器を</a:t>
+            </a:r>
+            <a:br>
+              <a:rPr kumimoji="1" lang="en-US" altLang="ja-JP" sz="2800" dirty="0"/>
+            </a:br>
+            <a:r>
+              <a:rPr kumimoji="1" lang="ja-JP" altLang="en-US" sz="2800" dirty="0"/>
+              <a:t>コレクションする収集要素</a:t>
+            </a:r>
+            <a:endParaRPr kumimoji="1" lang="en-US" altLang="ja-JP" sz="2800" dirty="0"/>
+          </a:p>
+          <a:p>
+            <a:r>
+              <a:rPr kumimoji="1" lang="ja-JP" altLang="en-US" sz="2800" dirty="0"/>
+              <a:t>合計値 ０</a:t>
+            </a:r>
+            <a:r>
+              <a:rPr lang="ja-JP" altLang="en-US" sz="2800" dirty="0"/>
+              <a:t>～６ の範囲で７パターン用意</a:t>
+            </a:r>
+            <a:endParaRPr lang="en-US" altLang="ja-JP" sz="2800" dirty="0"/>
+          </a:p>
+        </p:txBody>
+      </p:sp>
+      <p:sp>
+        <p:nvSpPr>
+          <p:cNvPr id="16" name="フリーフォーム: 図形 15">
+            <a:extLst>
+              <a:ext uri="{FF2B5EF4-FFF2-40B4-BE49-F238E27FC236}">
+                <a16:creationId xmlns:a16="http://schemas.microsoft.com/office/drawing/2014/main" id="{8EA81FAE-FDAF-437B-B69A-CF9599D86943}"/>
+              </a:ext>
+            </a:extLst>
+          </p:cNvPr>
+          <p:cNvSpPr/>
+          <p:nvPr/>
+        </p:nvSpPr>
+        <p:spPr>
+          <a:xfrm>
+            <a:off x="7949654" y="2307481"/>
+            <a:ext cx="3207873" cy="3317750"/>
+          </a:xfrm>
+          <a:custGeom>
+            <a:avLst/>
+            <a:gdLst>
+              <a:gd name="connsiteX0" fmla="*/ 720000 w 3592945"/>
+              <a:gd name="connsiteY0" fmla="*/ 2044096 h 2556375"/>
+              <a:gd name="connsiteX1" fmla="*/ 720000 w 3592945"/>
+              <a:gd name="connsiteY1" fmla="*/ 2556375 h 2556375"/>
+              <a:gd name="connsiteX2" fmla="*/ 0 w 3592945"/>
+              <a:gd name="connsiteY2" fmla="*/ 2556375 h 2556375"/>
+              <a:gd name="connsiteX3" fmla="*/ 1677648 w 3592945"/>
+              <a:gd name="connsiteY3" fmla="*/ 1362731 h 2556375"/>
+              <a:gd name="connsiteX4" fmla="*/ 1677648 w 3592945"/>
+              <a:gd name="connsiteY4" fmla="*/ 2556375 h 2556375"/>
+              <a:gd name="connsiteX5" fmla="*/ 957648 w 3592945"/>
+              <a:gd name="connsiteY5" fmla="*/ 2556375 h 2556375"/>
+              <a:gd name="connsiteX6" fmla="*/ 957648 w 3592945"/>
+              <a:gd name="connsiteY6" fmla="*/ 1875010 h 2556375"/>
+              <a:gd name="connsiteX7" fmla="*/ 2635296 w 3592945"/>
+              <a:gd name="connsiteY7" fmla="*/ 681366 h 2556375"/>
+              <a:gd name="connsiteX8" fmla="*/ 2635296 w 3592945"/>
+              <a:gd name="connsiteY8" fmla="*/ 2556375 h 2556375"/>
+              <a:gd name="connsiteX9" fmla="*/ 1915296 w 3592945"/>
+              <a:gd name="connsiteY9" fmla="*/ 2556375 h 2556375"/>
+              <a:gd name="connsiteX10" fmla="*/ 1915296 w 3592945"/>
+              <a:gd name="connsiteY10" fmla="*/ 1193645 h 2556375"/>
+              <a:gd name="connsiteX11" fmla="*/ 3592945 w 3592945"/>
+              <a:gd name="connsiteY11" fmla="*/ 0 h 2556375"/>
+              <a:gd name="connsiteX12" fmla="*/ 3592945 w 3592945"/>
+              <a:gd name="connsiteY12" fmla="*/ 2556375 h 2556375"/>
+              <a:gd name="connsiteX13" fmla="*/ 2872945 w 3592945"/>
+              <a:gd name="connsiteY13" fmla="*/ 2556375 h 2556375"/>
+              <a:gd name="connsiteX14" fmla="*/ 2872945 w 3592945"/>
+              <a:gd name="connsiteY14" fmla="*/ 512279 h 2556375"/>
+            </a:gdLst>
+            <a:ahLst/>
+            <a:cxnLst>
+              <a:cxn ang="0">
+                <a:pos x="connsiteX0" y="connsiteY0"/>
+              </a:cxn>
+              <a:cxn ang="0">
+                <a:pos x="connsiteX1" y="connsiteY1"/>
+              </a:cxn>
+              <a:cxn ang="0">
+                <a:pos x="connsiteX2" y="connsiteY2"/>
+              </a:cxn>
+              <a:cxn ang="0">
+                <a:pos x="connsiteX3" y="connsiteY3"/>
+              </a:cxn>
+              <a:cxn ang="0">
+                <a:pos x="connsiteX4" y="connsiteY4"/>
+              </a:cxn>
+              <a:cxn ang="0">
+                <a:pos x="connsiteX5" y="connsiteY5"/>
+              </a:cxn>
+              <a:cxn ang="0">
+                <a:pos x="connsiteX6" y="connsiteY6"/>
+              </a:cxn>
+              <a:cxn ang="0">
+                <a:pos x="connsiteX7" y="connsiteY7"/>
+              </a:cxn>
+              <a:cxn ang="0">
+                <a:pos x="connsiteX8" y="connsiteY8"/>
+              </a:cxn>
+              <a:cxn ang="0">
+                <a:pos x="connsiteX9" y="connsiteY9"/>
+              </a:cxn>
+              <a:cxn ang="0">
+                <a:pos x="connsiteX10" y="connsiteY10"/>
+              </a:cxn>
+              <a:cxn ang="0">
+                <a:pos x="connsiteX11" y="connsiteY11"/>
+              </a:cxn>
+              <a:cxn ang="0">
+                <a:pos x="connsiteX12" y="connsiteY12"/>
+              </a:cxn>
+              <a:cxn ang="0">
+                <a:pos x="connsiteX13" y="connsiteY13"/>
+              </a:cxn>
+              <a:cxn ang="0">
+                <a:pos x="connsiteX14" y="connsiteY14"/>
+              </a:cxn>
+            </a:cxnLst>
+            <a:rect l="l" t="t" r="r" b="b"/>
+            <a:pathLst>
+              <a:path w="3592945" h="2556375">
+                <a:moveTo>
+                  <a:pt x="720000" y="2044096"/>
+                </a:moveTo>
+                <a:lnTo>
+                  <a:pt x="720000" y="2556375"/>
+                </a:lnTo>
+                <a:lnTo>
+                  <a:pt x="0" y="2556375"/>
+                </a:lnTo>
+                <a:close/>
+                <a:moveTo>
+                  <a:pt x="1677648" y="1362731"/>
+                </a:moveTo>
+                <a:lnTo>
+                  <a:pt x="1677648" y="2556375"/>
+                </a:lnTo>
+                <a:lnTo>
+                  <a:pt x="957648" y="2556375"/>
+                </a:lnTo>
+                <a:lnTo>
+                  <a:pt x="957648" y="1875010"/>
+                </a:lnTo>
+                <a:close/>
+                <a:moveTo>
+                  <a:pt x="2635296" y="681366"/>
+                </a:moveTo>
+                <a:lnTo>
+                  <a:pt x="2635296" y="2556375"/>
+                </a:lnTo>
+                <a:lnTo>
+                  <a:pt x="1915296" y="2556375"/>
+                </a:lnTo>
+                <a:lnTo>
+                  <a:pt x="1915296" y="1193645"/>
+                </a:lnTo>
+                <a:close/>
+                <a:moveTo>
+                  <a:pt x="3592945" y="0"/>
+                </a:moveTo>
+                <a:lnTo>
+                  <a:pt x="3592945" y="2556375"/>
+                </a:lnTo>
+                <a:lnTo>
+                  <a:pt x="2872945" y="2556375"/>
+                </a:lnTo>
+                <a:lnTo>
+                  <a:pt x="2872945" y="512279"/>
+                </a:lnTo>
+                <a:close/>
+              </a:path>
+            </a:pathLst>
+          </a:custGeom>
+          <a:gradFill flip="none" rotWithShape="1">
+            <a:gsLst>
+              <a:gs pos="0">
+                <a:srgbClr val="377523"/>
+              </a:gs>
+              <a:gs pos="50000">
+                <a:schemeClr val="accent4">
+                  <a:lumMod val="60000"/>
+                  <a:lumOff val="40000"/>
+                </a:schemeClr>
+              </a:gs>
+              <a:gs pos="100000">
+                <a:schemeClr val="bg1"/>
+              </a:gs>
+            </a:gsLst>
+            <a:lin ang="2700000" scaled="1"/>
+            <a:tileRect/>
+          </a:gradFill>
+          <a:ln>
+            <a:noFill/>
+          </a:ln>
+          <a:effectLst>
+            <a:innerShdw blurRad="63500" dist="50800" dir="13500000">
+              <a:prstClr val="black">
+                <a:alpha val="50000"/>
+              </a:prstClr>
+            </a:innerShdw>
+          </a:effectLst>
+        </p:spPr>
+        <p:style>
+          <a:lnRef idx="2">
+            <a:schemeClr val="accent1">
+              <a:shade val="15000"/>
+            </a:schemeClr>
+          </a:lnRef>
+          <a:fillRef idx="1">
+            <a:schemeClr val="accent1"/>
+          </a:fillRef>
+          <a:effectRef idx="0">
+            <a:schemeClr val="accent1"/>
+          </a:effectRef>
+          <a:fontRef idx="minor">
+            <a:schemeClr val="lt1"/>
+          </a:fontRef>
+        </p:style>
+        <p:txBody>
+          <a:bodyPr wrap="square" rtlCol="0" anchor="ctr">
+            <a:noAutofit/>
+          </a:bodyPr>
+          <a:lstStyle/>
+          <a:p>
+            <a:pPr algn="ctr"/>
+            <a:endParaRPr kumimoji="1" lang="ja-JP" altLang="en-US"/>
+          </a:p>
+        </p:txBody>
+      </p:sp>
+      <p:sp>
+        <p:nvSpPr>
+          <p:cNvPr id="17" name="矢印: 右 16">
+            <a:extLst>
+              <a:ext uri="{FF2B5EF4-FFF2-40B4-BE49-F238E27FC236}">
+                <a16:creationId xmlns:a16="http://schemas.microsoft.com/office/drawing/2014/main" id="{C64E227E-9223-4285-8368-B5E287341468}"/>
+              </a:ext>
+            </a:extLst>
+          </p:cNvPr>
+          <p:cNvSpPr/>
+          <p:nvPr/>
+        </p:nvSpPr>
+        <p:spPr>
+          <a:xfrm rot="18900000">
+            <a:off x="8574886" y="2618435"/>
+            <a:ext cx="1830792" cy="906841"/>
+          </a:xfrm>
+          <a:prstGeom prst="rightArrow">
+            <a:avLst>
+              <a:gd name="adj1" fmla="val 33368"/>
+              <a:gd name="adj2" fmla="val 77973"/>
+            </a:avLst>
+          </a:prstGeom>
+          <a:solidFill>
+            <a:schemeClr val="accent4">
+              <a:lumMod val="60000"/>
+              <a:lumOff val="40000"/>
+            </a:schemeClr>
+          </a:solidFill>
+          <a:ln>
+            <a:noFill/>
+          </a:ln>
+          <a:effectLst>
+            <a:innerShdw blurRad="63500" dist="50800" dir="18900000">
+              <a:prstClr val="black">
+                <a:alpha val="50000"/>
+              </a:prstClr>
+            </a:innerShdw>
+          </a:effectLst>
+        </p:spPr>
+        <p:style>
+          <a:lnRef idx="2">
+            <a:schemeClr val="accent1">
+              <a:shade val="50000"/>
+            </a:schemeClr>
+          </a:lnRef>
+          <a:fillRef idx="1">
+            <a:schemeClr val="accent1"/>
+          </a:fillRef>
+          <a:effectRef idx="0">
+            <a:schemeClr val="accent1"/>
+          </a:effectRef>
+          <a:fontRef idx="minor">
+            <a:schemeClr val="lt1"/>
+          </a:fontRef>
+        </p:style>
+        <p:txBody>
+          <a:bodyPr rtlCol="0" anchor="ctr"/>
+          <a:lstStyle/>
+          <a:p>
+            <a:pPr algn="ctr"/>
+            <a:endParaRPr kumimoji="1" lang="ja-JP" altLang="en-US"/>
+          </a:p>
+        </p:txBody>
+      </p:sp>
+    </p:spTree>
+    <p:extLst>
+      <p:ext uri="{BB962C8B-B14F-4D97-AF65-F5344CB8AC3E}">
+        <p14:creationId xmlns:p14="http://schemas.microsoft.com/office/powerpoint/2010/main" val="1879504713"/>
+      </p:ext>
+    </p:extLst>
+  </p:cSld>
+  <p:clrMapOvr>
+    <a:masterClrMapping/>
+  </p:clrMapOvr>
+  <p:transition spd="slow">
+    <p:push/>
+  </p:transition>
+</p:sld>
+</file>
+
+<file path=ppt/slides/slide12.xml><?xml version="1.0" encoding="utf-8"?>
 <p:sld xmlns:a="http://schemas.openxmlformats.org/drawingml/2006/main" xmlns:r="http://schemas.openxmlformats.org/officeDocument/2006/relationships" xmlns:p="http://schemas.openxmlformats.org/presentationml/2006/main">
   <p:cSld>
     <p:spTree>
@@ -4490,7 +7417,7 @@
           <p:nvPr/>
         </p:nvPicPr>
         <p:blipFill>
-          <a:blip r:embed="rId2">
+          <a:blip r:embed="rId3">
             <a:extLst>
               <a:ext uri="{28A0092B-C50C-407E-A947-70E740481C1C}">
                 <a14:useLocalDpi xmlns:a14="http://schemas.microsoft.com/office/drawing/2010/main" val="0"/>
@@ -4528,7 +7455,7 @@
         <p:spPr>
           <a:xfrm>
             <a:off x="838200" y="1690688"/>
-            <a:ext cx="6225702" cy="830997"/>
+            <a:ext cx="6225702" cy="954107"/>
           </a:xfrm>
           <a:prstGeom prst="rect">
             <a:avLst/>
@@ -4542,21 +7469,21 @@
           <a:lstStyle/>
           <a:p>
             <a:r>
-              <a:rPr lang="ja-JP" altLang="en-US" sz="2800" dirty="0"/>
+              <a:rPr lang="ja-JP" altLang="en-US" sz="3200" dirty="0"/>
               <a:t>種類は固定で３種類にする</a:t>
             </a:r>
-            <a:endParaRPr lang="en-US" altLang="ja-JP" sz="2800" dirty="0"/>
-          </a:p>
-          <a:p>
-            <a:r>
-              <a:rPr lang="en-US" altLang="ja-JP" sz="2000" dirty="0"/>
+            <a:endParaRPr lang="en-US" altLang="ja-JP" sz="3200" dirty="0"/>
+          </a:p>
+          <a:p>
+            <a:r>
+              <a:rPr lang="en-US" altLang="ja-JP" sz="2400" dirty="0"/>
               <a:t>※</a:t>
             </a:r>
             <a:r>
-              <a:rPr lang="ja-JP" altLang="en-US" sz="2000" dirty="0"/>
+              <a:rPr lang="ja-JP" altLang="en-US" sz="2400" dirty="0"/>
               <a:t>素材種類は確定していません</a:t>
             </a:r>
-            <a:endParaRPr kumimoji="1" lang="ja-JP" altLang="en-US" sz="2000" dirty="0"/>
+            <a:endParaRPr kumimoji="1" lang="ja-JP" altLang="en-US" sz="2400" dirty="0"/>
           </a:p>
         </p:txBody>
       </p:sp>
@@ -4590,7 +7517,7 @@
           <a:p>
             <a:r>
               <a:rPr lang="ja-JP" altLang="en-US" sz="2800" dirty="0"/>
-              <a:t>兵器開発に素材を使用する</a:t>
+              <a:t>武器開発に素材を使用する</a:t>
             </a:r>
             <a:endParaRPr kumimoji="1" lang="ja-JP" altLang="en-US" sz="2000" dirty="0"/>
           </a:p>
@@ -5197,22 +8124,13 @@
   <p:clrMapOvr>
     <a:masterClrMapping/>
   </p:clrMapOvr>
-  <mc:AlternateContent xmlns:mc="http://schemas.openxmlformats.org/markup-compatibility/2006" xmlns:p159="http://schemas.microsoft.com/office/powerpoint/2015/09/main">
-    <mc:Choice Requires="p159">
-      <p:transition xmlns:p14="http://schemas.microsoft.com/office/powerpoint/2010/main" spd="slow" p14:dur="2000">
-        <p159:morph option="byObject"/>
-      </p:transition>
-    </mc:Choice>
-    <mc:Fallback xmlns="">
-      <p:transition spd="slow">
-        <p:fade/>
-      </p:transition>
-    </mc:Fallback>
-  </mc:AlternateContent>
+  <p:transition spd="slow">
+    <p:push/>
+  </p:transition>
 </p:sld>
 </file>
 
-<file path=ppt/slides/slide11.xml><?xml version="1.0" encoding="utf-8"?>
+<file path=ppt/slides/slide13.xml><?xml version="1.0" encoding="utf-8"?>
 <p:sld xmlns:a="http://schemas.openxmlformats.org/drawingml/2006/main" xmlns:r="http://schemas.openxmlformats.org/officeDocument/2006/relationships" xmlns:p="http://schemas.openxmlformats.org/presentationml/2006/main">
   <p:cSld>
     <p:spTree>
@@ -5294,7 +8212,7 @@
           <a:p>
             <a:r>
               <a:rPr lang="ja-JP" altLang="en-US" sz="2800" dirty="0"/>
-              <a:t>兵器開発に素材を使用する</a:t>
+              <a:t>武器開発に素材を使用する</a:t>
             </a:r>
             <a:endParaRPr kumimoji="1" lang="ja-JP" altLang="en-US" sz="2000" dirty="0"/>
           </a:p>
@@ -6494,13 +9412,13 @@
   <p:clrMapOvr>
     <a:masterClrMapping/>
   </p:clrMapOvr>
-  <mc:AlternateContent xmlns:mc="http://schemas.openxmlformats.org/markup-compatibility/2006" xmlns:p159="http://schemas.microsoft.com/office/powerpoint/2015/09/main">
-    <mc:Choice Requires="p159">
-      <p:transition spd="slow">
+  <mc:AlternateContent xmlns:mc="http://schemas.openxmlformats.org/markup-compatibility/2006">
+    <mc:Choice xmlns:p159="http://schemas.microsoft.com/office/powerpoint/2015/09/main" Requires="p159">
+      <p:transition xmlns:p14="http://schemas.microsoft.com/office/powerpoint/2010/main" spd="slow" p14:dur="800">
         <p159:morph option="byObject"/>
       </p:transition>
     </mc:Choice>
-    <mc:Fallback xmlns="">
+    <mc:Fallback>
       <p:transition spd="slow">
         <p:fade/>
       </p:transition>
@@ -6518,6 +9436,9 @@
                     <p:cTn id="3" fill="hold">
                       <p:stCondLst>
                         <p:cond delay="indefinite"/>
+                        <p:cond evt="onBegin" delay="0">
+                          <p:tn val="2"/>
+                        </p:cond>
                       </p:stCondLst>
                       <p:childTnLst>
                         <p:par>
@@ -6527,7 +9448,7 @@
                             </p:stCondLst>
                             <p:childTnLst>
                               <p:par>
-                                <p:cTn id="5" presetID="22" presetClass="entr" presetSubtype="8" fill="hold" nodeType="clickEffect">
+                                <p:cTn id="5" presetID="22" presetClass="entr" presetSubtype="8" fill="hold" nodeType="withEffect">
                                   <p:stCondLst>
                                     <p:cond delay="0"/>
                                   </p:stCondLst>
@@ -6627,138 +9548,7 @@
 </p:sld>
 </file>
 
-<file path=ppt/slides/slide12.xml><?xml version="1.0" encoding="utf-8"?>
-<p:sld xmlns:a="http://schemas.openxmlformats.org/drawingml/2006/main" xmlns:r="http://schemas.openxmlformats.org/officeDocument/2006/relationships" xmlns:p="http://schemas.openxmlformats.org/presentationml/2006/main">
-  <p:cSld>
-    <p:spTree>
-      <p:nvGrpSpPr>
-        <p:cNvPr id="1" name="">
-          <a:extLst>
-            <a:ext uri="{FF2B5EF4-FFF2-40B4-BE49-F238E27FC236}">
-              <a16:creationId xmlns:a16="http://schemas.microsoft.com/office/drawing/2014/main" id="{63C73656-F522-4845-FCD8-FDC5074389AF}"/>
-            </a:ext>
-          </a:extLst>
-        </p:cNvPr>
-        <p:cNvGrpSpPr/>
-        <p:nvPr/>
-      </p:nvGrpSpPr>
-      <p:grpSpPr>
-        <a:xfrm>
-          <a:off x="0" y="0"/>
-          <a:ext cx="0" cy="0"/>
-          <a:chOff x="0" y="0"/>
-          <a:chExt cx="0" cy="0"/>
-        </a:xfrm>
-      </p:grpSpPr>
-      <p:sp>
-        <p:nvSpPr>
-          <p:cNvPr id="2" name="タイトル 1">
-            <a:extLst>
-              <a:ext uri="{FF2B5EF4-FFF2-40B4-BE49-F238E27FC236}">
-                <a16:creationId xmlns:a16="http://schemas.microsoft.com/office/drawing/2014/main" id="{D9FF3CAB-B843-0B1C-4042-160AA280AEA9}"/>
-              </a:ext>
-            </a:extLst>
-          </p:cNvPr>
-          <p:cNvSpPr>
-            <a:spLocks noGrp="1"/>
-          </p:cNvSpPr>
-          <p:nvPr>
-            <p:ph type="title"/>
-          </p:nvPr>
-        </p:nvSpPr>
-        <p:spPr/>
-        <p:txBody>
-          <a:bodyPr/>
-          <a:lstStyle/>
-          <a:p>
-            <a:pPr algn="ctr"/>
-            <a:r>
-              <a:rPr lang="ja-JP" altLang="en-US" dirty="0"/>
-              <a:t>報酬</a:t>
-            </a:r>
-            <a:endParaRPr kumimoji="1" lang="ja-JP" altLang="en-US" dirty="0"/>
-          </a:p>
-        </p:txBody>
-      </p:sp>
-      <p:sp>
-        <p:nvSpPr>
-          <p:cNvPr id="3" name="コンテンツ プレースホルダー 2">
-            <a:extLst>
-              <a:ext uri="{FF2B5EF4-FFF2-40B4-BE49-F238E27FC236}">
-                <a16:creationId xmlns:a16="http://schemas.microsoft.com/office/drawing/2014/main" id="{15928E2A-2D59-FE00-22F9-62047CA607A9}"/>
-              </a:ext>
-            </a:extLst>
-          </p:cNvPr>
-          <p:cNvSpPr>
-            <a:spLocks noGrp="1"/>
-          </p:cNvSpPr>
-          <p:nvPr>
-            <p:ph idx="1"/>
-          </p:nvPr>
-        </p:nvSpPr>
-        <p:spPr/>
-        <p:txBody>
-          <a:bodyPr/>
-          <a:lstStyle/>
-          <a:p>
-            <a:pPr marL="0" indent="0">
-              <a:buNone/>
-            </a:pPr>
-            <a:r>
-              <a:rPr kumimoji="1" lang="ja-JP" altLang="en-US" dirty="0"/>
-              <a:t>隕石破壊報酬</a:t>
-            </a:r>
-            <a:endParaRPr kumimoji="1" lang="en-US" altLang="ja-JP" dirty="0"/>
-          </a:p>
-          <a:p>
-            <a:pPr marL="0" indent="0">
-              <a:buNone/>
-            </a:pPr>
-            <a:r>
-              <a:rPr lang="ja-JP" altLang="en-US" dirty="0"/>
-              <a:t>・強くてニューゲーム</a:t>
-            </a:r>
-            <a:endParaRPr lang="en-US" altLang="ja-JP" dirty="0"/>
-          </a:p>
-          <a:p>
-            <a:pPr marL="0" indent="0">
-              <a:buNone/>
-            </a:pPr>
-            <a:r>
-              <a:rPr lang="ja-JP" altLang="en-US" dirty="0"/>
-              <a:t>スコア報酬</a:t>
-            </a:r>
-            <a:endParaRPr lang="en-US" altLang="ja-JP" dirty="0"/>
-          </a:p>
-          <a:p>
-            <a:pPr marL="0" indent="0">
-              <a:buNone/>
-            </a:pPr>
-            <a:r>
-              <a:rPr lang="ja-JP" altLang="en-US" dirty="0"/>
-              <a:t>・コレクション</a:t>
-            </a:r>
-            <a:endParaRPr lang="en-US" altLang="ja-JP" dirty="0"/>
-          </a:p>
-        </p:txBody>
-      </p:sp>
-    </p:spTree>
-    <p:extLst>
-      <p:ext uri="{BB962C8B-B14F-4D97-AF65-F5344CB8AC3E}">
-        <p14:creationId xmlns:p14="http://schemas.microsoft.com/office/powerpoint/2010/main" val="1879504713"/>
-      </p:ext>
-    </p:extLst>
-  </p:cSld>
-  <p:clrMapOvr>
-    <a:masterClrMapping/>
-  </p:clrMapOvr>
-  <p:transition spd="slow">
-    <p:push/>
-  </p:transition>
-</p:sld>
-</file>
-
-<file path=ppt/slides/slide13.xml><?xml version="1.0" encoding="utf-8"?>
+<file path=ppt/slides/slide14.xml><?xml version="1.0" encoding="utf-8"?>
 <p:sld xmlns:a="http://schemas.openxmlformats.org/drawingml/2006/main" xmlns:r="http://schemas.openxmlformats.org/officeDocument/2006/relationships" xmlns:p="http://schemas.openxmlformats.org/presentationml/2006/main">
   <p:cSld>
     <p:spTree>
@@ -6799,7 +9589,7 @@
             <a:pPr algn="ctr"/>
             <a:r>
               <a:rPr kumimoji="1" lang="ja-JP" altLang="en-US" dirty="0"/>
-              <a:t>システム</a:t>
+              <a:t>操作方法</a:t>
             </a:r>
           </a:p>
         </p:txBody>
@@ -7154,7 +9944,247 @@
 </p:sld>
 </file>
 
-<file path=ppt/slides/slide14.xml><?xml version="1.0" encoding="utf-8"?>
+<file path=ppt/slides/slide15.xml><?xml version="1.0" encoding="utf-8"?>
+<p:sld xmlns:a="http://schemas.openxmlformats.org/drawingml/2006/main" xmlns:r="http://schemas.openxmlformats.org/officeDocument/2006/relationships" xmlns:p="http://schemas.openxmlformats.org/presentationml/2006/main">
+  <p:cSld>
+    <p:spTree>
+      <p:nvGrpSpPr>
+        <p:cNvPr id="1" name=""/>
+        <p:cNvGrpSpPr/>
+        <p:nvPr/>
+      </p:nvGrpSpPr>
+      <p:grpSpPr>
+        <a:xfrm>
+          <a:off x="0" y="0"/>
+          <a:ext cx="0" cy="0"/>
+          <a:chOff x="0" y="0"/>
+          <a:chExt cx="0" cy="0"/>
+        </a:xfrm>
+      </p:grpSpPr>
+      <p:sp>
+        <p:nvSpPr>
+          <p:cNvPr id="2" name="タイトル 1">
+            <a:extLst>
+              <a:ext uri="{FF2B5EF4-FFF2-40B4-BE49-F238E27FC236}">
+                <a16:creationId xmlns:a16="http://schemas.microsoft.com/office/drawing/2014/main" id="{0AFAEA0B-6B4A-43CB-A92B-C5E676364C22}"/>
+              </a:ext>
+            </a:extLst>
+          </p:cNvPr>
+          <p:cNvSpPr>
+            <a:spLocks noGrp="1"/>
+          </p:cNvSpPr>
+          <p:nvPr>
+            <p:ph type="title"/>
+          </p:nvPr>
+        </p:nvSpPr>
+        <p:spPr/>
+        <p:txBody>
+          <a:bodyPr/>
+          <a:lstStyle/>
+          <a:p>
+            <a:r>
+              <a:rPr kumimoji="1" lang="ja-JP" altLang="en-US" dirty="0"/>
+              <a:t>２人プレイ</a:t>
+            </a:r>
+          </a:p>
+        </p:txBody>
+      </p:sp>
+      <p:sp>
+        <p:nvSpPr>
+          <p:cNvPr id="8" name="テキスト ボックス 7">
+            <a:extLst>
+              <a:ext uri="{FF2B5EF4-FFF2-40B4-BE49-F238E27FC236}">
+                <a16:creationId xmlns:a16="http://schemas.microsoft.com/office/drawing/2014/main" id="{81CF416D-CB66-402A-9A16-3AAE6A8E8108}"/>
+              </a:ext>
+            </a:extLst>
+          </p:cNvPr>
+          <p:cNvSpPr txBox="1"/>
+          <p:nvPr/>
+        </p:nvSpPr>
+        <p:spPr>
+          <a:xfrm>
+            <a:off x="1296472" y="1620814"/>
+            <a:ext cx="9599057" cy="1261884"/>
+          </a:xfrm>
+          <a:prstGeom prst="rect">
+            <a:avLst/>
+          </a:prstGeom>
+          <a:noFill/>
+        </p:spPr>
+        <p:txBody>
+          <a:bodyPr wrap="square" rtlCol="0">
+            <a:spAutoFit/>
+          </a:bodyPr>
+          <a:lstStyle/>
+          <a:p>
+            <a:r>
+              <a:rPr lang="ja-JP" altLang="en-US" sz="2800" dirty="0"/>
+              <a:t>今までの要素を踏襲して</a:t>
+            </a:r>
+            <a:br>
+              <a:rPr lang="en-US" altLang="ja-JP" sz="2800" dirty="0"/>
+            </a:br>
+            <a:r>
+              <a:rPr lang="ja-JP" altLang="en-US" sz="2800" dirty="0"/>
+              <a:t>ローカルでの２人プレイに対応させます</a:t>
+            </a:r>
+            <a:endParaRPr lang="en-US" altLang="ja-JP" sz="2800" dirty="0"/>
+          </a:p>
+          <a:p>
+            <a:pPr algn="r"/>
+            <a:r>
+              <a:rPr lang="en-US" altLang="ja-JP" sz="2000" dirty="0"/>
+              <a:t>※</a:t>
+            </a:r>
+            <a:r>
+              <a:rPr lang="ja-JP" altLang="en-US" sz="2000" dirty="0"/>
+              <a:t>コントローラが２台以上のときのみ</a:t>
+            </a:r>
+            <a:endParaRPr lang="en-US" altLang="ja-JP" sz="2000" dirty="0"/>
+          </a:p>
+        </p:txBody>
+      </p:sp>
+      <p:sp>
+        <p:nvSpPr>
+          <p:cNvPr id="9" name="正方形/長方形 8">
+            <a:extLst>
+              <a:ext uri="{FF2B5EF4-FFF2-40B4-BE49-F238E27FC236}">
+                <a16:creationId xmlns:a16="http://schemas.microsoft.com/office/drawing/2014/main" id="{9B0AA8D1-C38C-4EDE-A357-5D27AFE9972E}"/>
+              </a:ext>
+            </a:extLst>
+          </p:cNvPr>
+          <p:cNvSpPr/>
+          <p:nvPr/>
+        </p:nvSpPr>
+        <p:spPr>
+          <a:xfrm>
+            <a:off x="3216000" y="3252875"/>
+            <a:ext cx="5760000" cy="3240000"/>
+          </a:xfrm>
+          <a:prstGeom prst="rect">
+            <a:avLst/>
+          </a:prstGeom>
+        </p:spPr>
+        <p:style>
+          <a:lnRef idx="3">
+            <a:schemeClr val="lt1"/>
+          </a:lnRef>
+          <a:fillRef idx="1">
+            <a:schemeClr val="accent2"/>
+          </a:fillRef>
+          <a:effectRef idx="1">
+            <a:schemeClr val="accent2"/>
+          </a:effectRef>
+          <a:fontRef idx="minor">
+            <a:schemeClr val="lt1"/>
+          </a:fontRef>
+        </p:style>
+        <p:txBody>
+          <a:bodyPr rtlCol="0" anchor="ctr"/>
+          <a:lstStyle/>
+          <a:p>
+            <a:pPr algn="ctr"/>
+            <a:endParaRPr kumimoji="1" lang="ja-JP" altLang="en-US"/>
+          </a:p>
+        </p:txBody>
+      </p:sp>
+      <p:sp>
+        <p:nvSpPr>
+          <p:cNvPr id="10" name="正方形/長方形 9">
+            <a:extLst>
+              <a:ext uri="{FF2B5EF4-FFF2-40B4-BE49-F238E27FC236}">
+                <a16:creationId xmlns:a16="http://schemas.microsoft.com/office/drawing/2014/main" id="{984459A7-E5BE-45F9-B466-9890F2FC2198}"/>
+              </a:ext>
+            </a:extLst>
+          </p:cNvPr>
+          <p:cNvSpPr/>
+          <p:nvPr/>
+        </p:nvSpPr>
+        <p:spPr>
+          <a:xfrm>
+            <a:off x="3216000" y="3252875"/>
+            <a:ext cx="5760000" cy="1620000"/>
+          </a:xfrm>
+          <a:prstGeom prst="rect">
+            <a:avLst/>
+          </a:prstGeom>
+        </p:spPr>
+        <p:style>
+          <a:lnRef idx="3">
+            <a:schemeClr val="lt1"/>
+          </a:lnRef>
+          <a:fillRef idx="1">
+            <a:schemeClr val="accent5"/>
+          </a:fillRef>
+          <a:effectRef idx="1">
+            <a:schemeClr val="accent5"/>
+          </a:effectRef>
+          <a:fontRef idx="minor">
+            <a:schemeClr val="lt1"/>
+          </a:fontRef>
+        </p:style>
+        <p:txBody>
+          <a:bodyPr rtlCol="0" anchor="ctr"/>
+          <a:lstStyle/>
+          <a:p>
+            <a:pPr algn="ctr"/>
+            <a:endParaRPr kumimoji="1" lang="ja-JP" altLang="en-US" dirty="0"/>
+          </a:p>
+        </p:txBody>
+      </p:sp>
+      <p:sp>
+        <p:nvSpPr>
+          <p:cNvPr id="11" name="テキスト ボックス 10">
+            <a:extLst>
+              <a:ext uri="{FF2B5EF4-FFF2-40B4-BE49-F238E27FC236}">
+                <a16:creationId xmlns:a16="http://schemas.microsoft.com/office/drawing/2014/main" id="{57B82012-1AA4-4F3B-A2B2-77F20939C2D9}"/>
+              </a:ext>
+            </a:extLst>
+          </p:cNvPr>
+          <p:cNvSpPr txBox="1"/>
+          <p:nvPr/>
+        </p:nvSpPr>
+        <p:spPr>
+          <a:xfrm>
+            <a:off x="1296472" y="2882698"/>
+            <a:ext cx="9599057" cy="461665"/>
+          </a:xfrm>
+          <a:prstGeom prst="rect">
+            <a:avLst/>
+          </a:prstGeom>
+          <a:noFill/>
+        </p:spPr>
+        <p:txBody>
+          <a:bodyPr wrap="square" rtlCol="0">
+            <a:spAutoFit/>
+          </a:bodyPr>
+          <a:lstStyle/>
+          <a:p>
+            <a:r>
+              <a:rPr lang="ja-JP" altLang="en-US" sz="2400" dirty="0"/>
+              <a:t>分割予想図</a:t>
+            </a:r>
+            <a:endParaRPr lang="en-US" altLang="ja-JP" sz="2400" dirty="0"/>
+          </a:p>
+        </p:txBody>
+      </p:sp>
+    </p:spTree>
+    <p:extLst>
+      <p:ext uri="{BB962C8B-B14F-4D97-AF65-F5344CB8AC3E}">
+        <p14:creationId xmlns:p14="http://schemas.microsoft.com/office/powerpoint/2010/main" val="2217780400"/>
+      </p:ext>
+    </p:extLst>
+  </p:cSld>
+  <p:clrMapOvr>
+    <a:masterClrMapping/>
+  </p:clrMapOvr>
+  <p:transition spd="slow">
+    <p:push/>
+  </p:transition>
+</p:sld>
+</file>
+
+<file path=ppt/slides/slide16.xml><?xml version="1.0" encoding="utf-8"?>
 <p:sld xmlns:a="http://schemas.openxmlformats.org/drawingml/2006/main" xmlns:r="http://schemas.openxmlformats.org/officeDocument/2006/relationships" xmlns:p="http://schemas.openxmlformats.org/presentationml/2006/main">
   <p:cSld>
     <p:spTree>
@@ -7311,10 +10341,9 @@
           <a:p>
             <a:pPr algn="ctr"/>
             <a:r>
-              <a:rPr lang="ja-JP" altLang="en-US" sz="2400" dirty="0"/>
-              <a:t>選択</a:t>
-            </a:r>
-            <a:endParaRPr kumimoji="1" lang="ja-JP" altLang="en-US" sz="2400" dirty="0"/>
+              <a:rPr kumimoji="1" lang="ja-JP" altLang="en-US" sz="2400" dirty="0"/>
+              <a:t>セレクト</a:t>
+            </a:r>
           </a:p>
         </p:txBody>
       </p:sp>
@@ -7550,6 +10579,7 @@
             </a:extLst>
           </p:cNvPr>
           <p:cNvCxnSpPr>
+            <a:cxnSpLocks/>
             <a:stCxn id="6" idx="3"/>
             <a:endCxn id="7" idx="1"/>
           </p:cNvCxnSpPr>
@@ -7735,6 +10765,7 @@
             </a:extLst>
           </p:cNvPr>
           <p:cNvCxnSpPr>
+            <a:cxnSpLocks/>
             <a:stCxn id="7" idx="3"/>
             <a:endCxn id="14" idx="1"/>
           </p:cNvCxnSpPr>
@@ -7980,7 +11011,7 @@
 </p:sld>
 </file>
 
-<file path=ppt/slides/slide15.xml><?xml version="1.0" encoding="utf-8"?>
+<file path=ppt/slides/slide17.xml><?xml version="1.0" encoding="utf-8"?>
 <p:sld xmlns:a="http://schemas.openxmlformats.org/drawingml/2006/main" xmlns:r="http://schemas.openxmlformats.org/officeDocument/2006/relationships" xmlns:p="http://schemas.openxmlformats.org/presentationml/2006/main">
   <p:cSld>
     <p:spTree>
@@ -8035,13 +11066,22 @@
   <p:clrMapOvr>
     <a:masterClrMapping/>
   </p:clrMapOvr>
-  <p:transition spd="slow">
-    <p:push dir="u"/>
-  </p:transition>
+  <mc:AlternateContent xmlns:mc="http://schemas.openxmlformats.org/markup-compatibility/2006">
+    <mc:Choice xmlns:p14="http://schemas.microsoft.com/office/powerpoint/2010/main" Requires="p14">
+      <p:transition spd="slow" p14:dur="800">
+        <p:push dir="u"/>
+      </p:transition>
+    </mc:Choice>
+    <mc:Fallback>
+      <p:transition spd="slow">
+        <p:push dir="u"/>
+      </p:transition>
+    </mc:Fallback>
+  </mc:AlternateContent>
 </p:sld>
 </file>
 
-<file path=ppt/slides/slide16.xml><?xml version="1.0" encoding="utf-8"?>
+<file path=ppt/slides/slide18.xml><?xml version="1.0" encoding="utf-8"?>
 <p:sld xmlns:a="http://schemas.openxmlformats.org/drawingml/2006/main" xmlns:r="http://schemas.openxmlformats.org/officeDocument/2006/relationships" xmlns:p="http://schemas.openxmlformats.org/presentationml/2006/main">
   <p:cSld>
     <p:spTree>
@@ -8205,7 +11245,7 @@
           <p:nvPr/>
         </p:nvPicPr>
         <p:blipFill>
-          <a:blip r:embed="rId2">
+          <a:blip r:embed="rId3">
             <a:extLst>
               <a:ext uri="{28A0092B-C50C-407E-A947-70E740481C1C}">
                 <a14:useLocalDpi xmlns:a14="http://schemas.microsoft.com/office/drawing/2010/main" val="0"/>
@@ -8247,13 +11287,22 @@
   <p:clrMapOvr>
     <a:masterClrMapping/>
   </p:clrMapOvr>
-  <p:transition spd="slow">
-    <p:push/>
-  </p:transition>
+  <mc:AlternateContent xmlns:mc="http://schemas.openxmlformats.org/markup-compatibility/2006">
+    <mc:Choice xmlns:p14="http://schemas.microsoft.com/office/powerpoint/2010/main" Requires="p14">
+      <p:transition spd="slow" p14:dur="800">
+        <p:push dir="r"/>
+      </p:transition>
+    </mc:Choice>
+    <mc:Fallback>
+      <p:transition spd="slow">
+        <p:push dir="r"/>
+      </p:transition>
+    </mc:Fallback>
+  </mc:AlternateContent>
 </p:sld>
 </file>
 
-<file path=ppt/slides/slide17.xml><?xml version="1.0" encoding="utf-8"?>
+<file path=ppt/slides/slide19.xml><?xml version="1.0" encoding="utf-8"?>
 <p:sld xmlns:a="http://schemas.openxmlformats.org/drawingml/2006/main" xmlns:r="http://schemas.openxmlformats.org/officeDocument/2006/relationships" xmlns:p="http://schemas.openxmlformats.org/presentationml/2006/main">
   <p:cSld>
     <p:spTree>
@@ -8314,7 +11363,7 @@
           <p:nvPr/>
         </p:nvPicPr>
         <p:blipFill>
-          <a:blip r:embed="rId2">
+          <a:blip r:embed="rId3">
             <a:extLst>
               <a:ext uri="{28A0092B-C50C-407E-A947-70E740481C1C}">
                 <a14:useLocalDpi xmlns:a14="http://schemas.microsoft.com/office/drawing/2010/main" val="0"/>
@@ -8464,12 +11513,12 @@
     <a:masterClrMapping/>
   </p:clrMapOvr>
   <p:transition spd="slow">
-    <p:push/>
+    <p:push dir="r"/>
   </p:transition>
 </p:sld>
 </file>
 
-<file path=ppt/slides/slide18.xml><?xml version="1.0" encoding="utf-8"?>
+<file path=ppt/slides/slide2.xml><?xml version="1.0" encoding="utf-8"?>
 <p:sld xmlns:a="http://schemas.openxmlformats.org/drawingml/2006/main" xmlns:r="http://schemas.openxmlformats.org/officeDocument/2006/relationships" xmlns:p="http://schemas.openxmlformats.org/presentationml/2006/main">
   <p:cSld>
     <p:spTree>
@@ -8488,6 +11537,644 @@
       </p:grpSpPr>
       <p:sp>
         <p:nvSpPr>
+          <p:cNvPr id="27" name="コンテンツ プレースホルダー 2">
+            <a:extLst>
+              <a:ext uri="{FF2B5EF4-FFF2-40B4-BE49-F238E27FC236}">
+                <a16:creationId xmlns:a16="http://schemas.microsoft.com/office/drawing/2014/main" id="{C40BB9EA-CA3E-4490-BEFB-B5CCD419A1E4}"/>
+              </a:ext>
+            </a:extLst>
+          </p:cNvPr>
+          <p:cNvSpPr txBox="1">
+            <a:spLocks/>
+          </p:cNvSpPr>
+          <p:nvPr/>
+        </p:nvSpPr>
+        <p:spPr>
+          <a:xfrm>
+            <a:off x="8801493" y="4081806"/>
+            <a:ext cx="3318236" cy="2943569"/>
+          </a:xfrm>
+          <a:prstGeom prst="rect">
+            <a:avLst/>
+          </a:prstGeom>
+        </p:spPr>
+        <p:txBody>
+          <a:bodyPr vert="horz" lIns="91440" tIns="45720" rIns="91440" bIns="45720" rtlCol="0">
+            <a:normAutofit/>
+          </a:bodyPr>
+          <a:lstStyle>
+            <a:lvl1pPr marL="228600" indent="-228600" algn="l" defTabSz="914400" rtl="0" eaLnBrk="1" latinLnBrk="0" hangingPunct="1">
+              <a:lnSpc>
+                <a:spcPct val="90000"/>
+              </a:lnSpc>
+              <a:spcBef>
+                <a:spcPts val="1000"/>
+              </a:spcBef>
+              <a:buFont typeface="Arial" panose="020B0604020202020204" pitchFamily="34" charset="0"/>
+              <a:buChar char="•"/>
+              <a:defRPr kumimoji="1" sz="2800" kern="1200">
+                <a:solidFill>
+                  <a:schemeClr val="tx1"/>
+                </a:solidFill>
+                <a:latin typeface="+mn-lt"/>
+                <a:ea typeface="+mn-ea"/>
+                <a:cs typeface="+mn-cs"/>
+              </a:defRPr>
+            </a:lvl1pPr>
+            <a:lvl2pPr marL="685800" indent="-228600" algn="l" defTabSz="914400" rtl="0" eaLnBrk="1" latinLnBrk="0" hangingPunct="1">
+              <a:lnSpc>
+                <a:spcPct val="90000"/>
+              </a:lnSpc>
+              <a:spcBef>
+                <a:spcPts val="500"/>
+              </a:spcBef>
+              <a:buFont typeface="Arial" panose="020B0604020202020204" pitchFamily="34" charset="0"/>
+              <a:buChar char="•"/>
+              <a:defRPr kumimoji="1" sz="2400" kern="1200">
+                <a:solidFill>
+                  <a:schemeClr val="tx1"/>
+                </a:solidFill>
+                <a:latin typeface="+mn-lt"/>
+                <a:ea typeface="+mn-ea"/>
+                <a:cs typeface="+mn-cs"/>
+              </a:defRPr>
+            </a:lvl2pPr>
+            <a:lvl3pPr marL="1143000" indent="-228600" algn="l" defTabSz="914400" rtl="0" eaLnBrk="1" latinLnBrk="0" hangingPunct="1">
+              <a:lnSpc>
+                <a:spcPct val="90000"/>
+              </a:lnSpc>
+              <a:spcBef>
+                <a:spcPts val="500"/>
+              </a:spcBef>
+              <a:buFont typeface="Arial" panose="020B0604020202020204" pitchFamily="34" charset="0"/>
+              <a:buChar char="•"/>
+              <a:defRPr kumimoji="1" sz="2000" kern="1200">
+                <a:solidFill>
+                  <a:schemeClr val="tx1"/>
+                </a:solidFill>
+                <a:latin typeface="+mn-lt"/>
+                <a:ea typeface="+mn-ea"/>
+                <a:cs typeface="+mn-cs"/>
+              </a:defRPr>
+            </a:lvl3pPr>
+            <a:lvl4pPr marL="1600200" indent="-228600" algn="l" defTabSz="914400" rtl="0" eaLnBrk="1" latinLnBrk="0" hangingPunct="1">
+              <a:lnSpc>
+                <a:spcPct val="90000"/>
+              </a:lnSpc>
+              <a:spcBef>
+                <a:spcPts val="500"/>
+              </a:spcBef>
+              <a:buFont typeface="Arial" panose="020B0604020202020204" pitchFamily="34" charset="0"/>
+              <a:buChar char="•"/>
+              <a:defRPr kumimoji="1" sz="1800" kern="1200">
+                <a:solidFill>
+                  <a:schemeClr val="tx1"/>
+                </a:solidFill>
+                <a:latin typeface="+mn-lt"/>
+                <a:ea typeface="+mn-ea"/>
+                <a:cs typeface="+mn-cs"/>
+              </a:defRPr>
+            </a:lvl4pPr>
+            <a:lvl5pPr marL="2057400" indent="-228600" algn="l" defTabSz="914400" rtl="0" eaLnBrk="1" latinLnBrk="0" hangingPunct="1">
+              <a:lnSpc>
+                <a:spcPct val="90000"/>
+              </a:lnSpc>
+              <a:spcBef>
+                <a:spcPts val="500"/>
+              </a:spcBef>
+              <a:buFont typeface="Arial" panose="020B0604020202020204" pitchFamily="34" charset="0"/>
+              <a:buChar char="•"/>
+              <a:defRPr kumimoji="1" sz="1800" kern="1200">
+                <a:solidFill>
+                  <a:schemeClr val="tx1"/>
+                </a:solidFill>
+                <a:latin typeface="+mn-lt"/>
+                <a:ea typeface="+mn-ea"/>
+                <a:cs typeface="+mn-cs"/>
+              </a:defRPr>
+            </a:lvl5pPr>
+            <a:lvl6pPr marL="2514600" indent="-228600" algn="l" defTabSz="914400" rtl="0" eaLnBrk="1" latinLnBrk="0" hangingPunct="1">
+              <a:lnSpc>
+                <a:spcPct val="90000"/>
+              </a:lnSpc>
+              <a:spcBef>
+                <a:spcPts val="500"/>
+              </a:spcBef>
+              <a:buFont typeface="Arial" panose="020B0604020202020204" pitchFamily="34" charset="0"/>
+              <a:buChar char="•"/>
+              <a:defRPr kumimoji="1" sz="1800" kern="1200">
+                <a:solidFill>
+                  <a:schemeClr val="tx1"/>
+                </a:solidFill>
+                <a:latin typeface="+mn-lt"/>
+                <a:ea typeface="+mn-ea"/>
+                <a:cs typeface="+mn-cs"/>
+              </a:defRPr>
+            </a:lvl6pPr>
+            <a:lvl7pPr marL="2971800" indent="-228600" algn="l" defTabSz="914400" rtl="0" eaLnBrk="1" latinLnBrk="0" hangingPunct="1">
+              <a:lnSpc>
+                <a:spcPct val="90000"/>
+              </a:lnSpc>
+              <a:spcBef>
+                <a:spcPts val="500"/>
+              </a:spcBef>
+              <a:buFont typeface="Arial" panose="020B0604020202020204" pitchFamily="34" charset="0"/>
+              <a:buChar char="•"/>
+              <a:defRPr kumimoji="1" sz="1800" kern="1200">
+                <a:solidFill>
+                  <a:schemeClr val="tx1"/>
+                </a:solidFill>
+                <a:latin typeface="+mn-lt"/>
+                <a:ea typeface="+mn-ea"/>
+                <a:cs typeface="+mn-cs"/>
+              </a:defRPr>
+            </a:lvl7pPr>
+            <a:lvl8pPr marL="3429000" indent="-228600" algn="l" defTabSz="914400" rtl="0" eaLnBrk="1" latinLnBrk="0" hangingPunct="1">
+              <a:lnSpc>
+                <a:spcPct val="90000"/>
+              </a:lnSpc>
+              <a:spcBef>
+                <a:spcPts val="500"/>
+              </a:spcBef>
+              <a:buFont typeface="Arial" panose="020B0604020202020204" pitchFamily="34" charset="0"/>
+              <a:buChar char="•"/>
+              <a:defRPr kumimoji="1" sz="1800" kern="1200">
+                <a:solidFill>
+                  <a:schemeClr val="tx1"/>
+                </a:solidFill>
+                <a:latin typeface="+mn-lt"/>
+                <a:ea typeface="+mn-ea"/>
+                <a:cs typeface="+mn-cs"/>
+              </a:defRPr>
+            </a:lvl8pPr>
+            <a:lvl9pPr marL="3886200" indent="-228600" algn="l" defTabSz="914400" rtl="0" eaLnBrk="1" latinLnBrk="0" hangingPunct="1">
+              <a:lnSpc>
+                <a:spcPct val="90000"/>
+              </a:lnSpc>
+              <a:spcBef>
+                <a:spcPts val="500"/>
+              </a:spcBef>
+              <a:buFont typeface="Arial" panose="020B0604020202020204" pitchFamily="34" charset="0"/>
+              <a:buChar char="•"/>
+              <a:defRPr kumimoji="1" sz="1800" kern="1200">
+                <a:solidFill>
+                  <a:schemeClr val="tx1"/>
+                </a:solidFill>
+                <a:latin typeface="+mn-lt"/>
+                <a:ea typeface="+mn-ea"/>
+                <a:cs typeface="+mn-cs"/>
+              </a:defRPr>
+            </a:lvl9pPr>
+          </a:lstStyle>
+          <a:p>
+            <a:endParaRPr lang="en-US" altLang="ja-JP" dirty="0"/>
+          </a:p>
+        </p:txBody>
+      </p:sp>
+      <p:sp>
+        <p:nvSpPr>
+          <p:cNvPr id="29" name="正方形/長方形 28">
+            <a:extLst>
+              <a:ext uri="{FF2B5EF4-FFF2-40B4-BE49-F238E27FC236}">
+                <a16:creationId xmlns:a16="http://schemas.microsoft.com/office/drawing/2014/main" id="{02260799-FB91-4482-83B0-C90F324DE7EE}"/>
+              </a:ext>
+            </a:extLst>
+          </p:cNvPr>
+          <p:cNvSpPr/>
+          <p:nvPr/>
+        </p:nvSpPr>
+        <p:spPr>
+          <a:xfrm>
+            <a:off x="1051090" y="889000"/>
+            <a:ext cx="2931736" cy="2329566"/>
+          </a:xfrm>
+          <a:prstGeom prst="rect">
+            <a:avLst/>
+          </a:prstGeom>
+          <a:solidFill>
+            <a:srgbClr val="4CA331"/>
+          </a:solidFill>
+          <a:ln>
+            <a:noFill/>
+          </a:ln>
+        </p:spPr>
+        <p:style>
+          <a:lnRef idx="2">
+            <a:schemeClr val="accent1">
+              <a:shade val="50000"/>
+            </a:schemeClr>
+          </a:lnRef>
+          <a:fillRef idx="1">
+            <a:schemeClr val="accent1"/>
+          </a:fillRef>
+          <a:effectRef idx="0">
+            <a:schemeClr val="accent1"/>
+          </a:effectRef>
+          <a:fontRef idx="minor">
+            <a:schemeClr val="lt1"/>
+          </a:fontRef>
+        </p:style>
+        <p:txBody>
+          <a:bodyPr rtlCol="0" anchor="ctr"/>
+          <a:lstStyle/>
+          <a:p>
+            <a:pPr algn="ctr"/>
+            <a:r>
+              <a:rPr lang="ja-JP" altLang="en-US" sz="2800" dirty="0"/>
+              <a:t>ゲームの特徴</a:t>
+            </a:r>
+            <a:endParaRPr kumimoji="1" lang="ja-JP" altLang="en-US" sz="2800" dirty="0"/>
+          </a:p>
+        </p:txBody>
+      </p:sp>
+      <p:sp>
+        <p:nvSpPr>
+          <p:cNvPr id="30" name="正方形/長方形 29">
+            <a:extLst>
+              <a:ext uri="{FF2B5EF4-FFF2-40B4-BE49-F238E27FC236}">
+                <a16:creationId xmlns:a16="http://schemas.microsoft.com/office/drawing/2014/main" id="{7A537BA6-C405-43AA-B262-F9E512BDDE78}"/>
+              </a:ext>
+            </a:extLst>
+          </p:cNvPr>
+          <p:cNvSpPr/>
+          <p:nvPr/>
+        </p:nvSpPr>
+        <p:spPr>
+          <a:xfrm>
+            <a:off x="4162720" y="889000"/>
+            <a:ext cx="6978191" cy="2329566"/>
+          </a:xfrm>
+          <a:prstGeom prst="rect">
+            <a:avLst/>
+          </a:prstGeom>
+          <a:solidFill>
+            <a:srgbClr val="5AC23A"/>
+          </a:solidFill>
+          <a:ln>
+            <a:noFill/>
+          </a:ln>
+        </p:spPr>
+        <p:style>
+          <a:lnRef idx="2">
+            <a:schemeClr val="accent1">
+              <a:shade val="50000"/>
+            </a:schemeClr>
+          </a:lnRef>
+          <a:fillRef idx="1">
+            <a:schemeClr val="accent1"/>
+          </a:fillRef>
+          <a:effectRef idx="0">
+            <a:schemeClr val="accent1"/>
+          </a:effectRef>
+          <a:fontRef idx="minor">
+            <a:schemeClr val="lt1"/>
+          </a:fontRef>
+        </p:style>
+        <p:txBody>
+          <a:bodyPr rtlCol="0" anchor="ctr"/>
+          <a:lstStyle/>
+          <a:p>
+            <a:pPr lvl="1"/>
+            <a:r>
+              <a:rPr lang="ja-JP" altLang="en-US" sz="2400" dirty="0"/>
+              <a:t>コンセプト</a:t>
+            </a:r>
+            <a:endParaRPr lang="en-US" altLang="ja-JP" sz="2400" dirty="0"/>
+          </a:p>
+          <a:p>
+            <a:pPr lvl="1"/>
+            <a:r>
+              <a:rPr lang="ja-JP" altLang="en-US" sz="2400" dirty="0"/>
+              <a:t>概要</a:t>
+            </a:r>
+            <a:endParaRPr lang="en-US" altLang="ja-JP" sz="2400" dirty="0"/>
+          </a:p>
+          <a:p>
+            <a:pPr lvl="1"/>
+            <a:r>
+              <a:rPr lang="ja-JP" altLang="en-US" sz="2400" dirty="0"/>
+              <a:t>ゲームイメージ</a:t>
+            </a:r>
+            <a:endParaRPr lang="en-US" altLang="ja-JP" sz="2400" dirty="0"/>
+          </a:p>
+          <a:p>
+            <a:pPr lvl="1"/>
+            <a:r>
+              <a:rPr lang="ja-JP" altLang="en-US" sz="2400" dirty="0"/>
+              <a:t>世界観</a:t>
+            </a:r>
+            <a:endParaRPr lang="en-US" altLang="ja-JP" sz="2400" dirty="0"/>
+          </a:p>
+          <a:p>
+            <a:pPr lvl="1"/>
+            <a:r>
+              <a:rPr lang="ja-JP" altLang="en-US" sz="2400" dirty="0"/>
+              <a:t>ルール</a:t>
+            </a:r>
+            <a:endParaRPr lang="en-US" altLang="ja-JP" sz="2400" dirty="0"/>
+          </a:p>
+          <a:p>
+            <a:pPr lvl="1"/>
+            <a:r>
+              <a:rPr lang="ja-JP" altLang="en-US" sz="2400" dirty="0"/>
+              <a:t>ボリューム</a:t>
+            </a:r>
+            <a:endParaRPr lang="en-US" altLang="ja-JP" sz="2400" dirty="0"/>
+          </a:p>
+        </p:txBody>
+      </p:sp>
+      <p:sp>
+        <p:nvSpPr>
+          <p:cNvPr id="31" name="正方形/長方形 30">
+            <a:extLst>
+              <a:ext uri="{FF2B5EF4-FFF2-40B4-BE49-F238E27FC236}">
+                <a16:creationId xmlns:a16="http://schemas.microsoft.com/office/drawing/2014/main" id="{2A00C48A-1986-44EA-A7E0-6D6F0D1D5B93}"/>
+              </a:ext>
+            </a:extLst>
+          </p:cNvPr>
+          <p:cNvSpPr/>
+          <p:nvPr/>
+        </p:nvSpPr>
+        <p:spPr>
+          <a:xfrm>
+            <a:off x="1051090" y="3323521"/>
+            <a:ext cx="2931736" cy="1597729"/>
+          </a:xfrm>
+          <a:prstGeom prst="rect">
+            <a:avLst/>
+          </a:prstGeom>
+          <a:solidFill>
+            <a:srgbClr val="4CA331"/>
+          </a:solidFill>
+          <a:ln>
+            <a:noFill/>
+          </a:ln>
+        </p:spPr>
+        <p:style>
+          <a:lnRef idx="2">
+            <a:schemeClr val="accent1">
+              <a:shade val="50000"/>
+            </a:schemeClr>
+          </a:lnRef>
+          <a:fillRef idx="1">
+            <a:schemeClr val="accent1"/>
+          </a:fillRef>
+          <a:effectRef idx="0">
+            <a:schemeClr val="accent1"/>
+          </a:effectRef>
+          <a:fontRef idx="minor">
+            <a:schemeClr val="lt1"/>
+          </a:fontRef>
+        </p:style>
+        <p:txBody>
+          <a:bodyPr rtlCol="0" anchor="ctr"/>
+          <a:lstStyle/>
+          <a:p>
+            <a:pPr algn="ctr"/>
+            <a:r>
+              <a:rPr lang="ja-JP" altLang="en-US" sz="2800" dirty="0"/>
+              <a:t>ゲームの仕様</a:t>
+            </a:r>
+            <a:endParaRPr kumimoji="1" lang="ja-JP" altLang="en-US" sz="2800" dirty="0"/>
+          </a:p>
+        </p:txBody>
+      </p:sp>
+      <p:sp>
+        <p:nvSpPr>
+          <p:cNvPr id="32" name="正方形/長方形 31">
+            <a:extLst>
+              <a:ext uri="{FF2B5EF4-FFF2-40B4-BE49-F238E27FC236}">
+                <a16:creationId xmlns:a16="http://schemas.microsoft.com/office/drawing/2014/main" id="{1EC82270-4FF5-4CE5-9BE9-03DB0ADE28DB}"/>
+              </a:ext>
+            </a:extLst>
+          </p:cNvPr>
+          <p:cNvSpPr/>
+          <p:nvPr/>
+        </p:nvSpPr>
+        <p:spPr>
+          <a:xfrm>
+            <a:off x="4162720" y="3323521"/>
+            <a:ext cx="6978191" cy="1597729"/>
+          </a:xfrm>
+          <a:prstGeom prst="rect">
+            <a:avLst/>
+          </a:prstGeom>
+          <a:solidFill>
+            <a:srgbClr val="5AC23A"/>
+          </a:solidFill>
+          <a:ln>
+            <a:noFill/>
+          </a:ln>
+        </p:spPr>
+        <p:style>
+          <a:lnRef idx="2">
+            <a:schemeClr val="accent1">
+              <a:shade val="50000"/>
+            </a:schemeClr>
+          </a:lnRef>
+          <a:fillRef idx="1">
+            <a:schemeClr val="accent1"/>
+          </a:fillRef>
+          <a:effectRef idx="0">
+            <a:schemeClr val="accent1"/>
+          </a:effectRef>
+          <a:fontRef idx="minor">
+            <a:schemeClr val="lt1"/>
+          </a:fontRef>
+        </p:style>
+        <p:txBody>
+          <a:bodyPr rtlCol="0" anchor="ctr"/>
+          <a:lstStyle/>
+          <a:p>
+            <a:pPr lvl="1"/>
+            <a:r>
+              <a:rPr lang="ja-JP" altLang="en-US" sz="2400" dirty="0"/>
+              <a:t>ルール仕様</a:t>
+            </a:r>
+            <a:endParaRPr lang="en-US" altLang="ja-JP" sz="2400" dirty="0"/>
+          </a:p>
+          <a:p>
+            <a:pPr lvl="1"/>
+            <a:r>
+              <a:rPr lang="ja-JP" altLang="en-US" sz="2400" dirty="0"/>
+              <a:t>報酬制度</a:t>
+            </a:r>
+            <a:endParaRPr lang="en-US" altLang="ja-JP" sz="2400" dirty="0"/>
+          </a:p>
+          <a:p>
+            <a:pPr lvl="1"/>
+            <a:r>
+              <a:rPr lang="ja-JP" altLang="en-US" sz="2400" dirty="0"/>
+              <a:t>操作方法</a:t>
+            </a:r>
+            <a:endParaRPr lang="en-US" altLang="ja-JP" sz="2400" dirty="0"/>
+          </a:p>
+          <a:p>
+            <a:pPr lvl="1"/>
+            <a:r>
+              <a:rPr lang="ja-JP" altLang="en-US" sz="2400" dirty="0"/>
+              <a:t>画面遷移予想</a:t>
+            </a:r>
+            <a:endParaRPr lang="en-US" altLang="ja-JP" sz="2400" dirty="0"/>
+          </a:p>
+        </p:txBody>
+      </p:sp>
+      <p:sp>
+        <p:nvSpPr>
+          <p:cNvPr id="33" name="正方形/長方形 32">
+            <a:extLst>
+              <a:ext uri="{FF2B5EF4-FFF2-40B4-BE49-F238E27FC236}">
+                <a16:creationId xmlns:a16="http://schemas.microsoft.com/office/drawing/2014/main" id="{8BEE29A7-D678-4A19-8B00-C0E5796BBC32}"/>
+              </a:ext>
+            </a:extLst>
+          </p:cNvPr>
+          <p:cNvSpPr/>
+          <p:nvPr/>
+        </p:nvSpPr>
+        <p:spPr>
+          <a:xfrm>
+            <a:off x="1051090" y="5026205"/>
+            <a:ext cx="2931736" cy="942795"/>
+          </a:xfrm>
+          <a:prstGeom prst="rect">
+            <a:avLst/>
+          </a:prstGeom>
+          <a:solidFill>
+            <a:srgbClr val="4CA331"/>
+          </a:solidFill>
+          <a:ln>
+            <a:noFill/>
+          </a:ln>
+        </p:spPr>
+        <p:style>
+          <a:lnRef idx="2">
+            <a:schemeClr val="accent1">
+              <a:shade val="50000"/>
+            </a:schemeClr>
+          </a:lnRef>
+          <a:fillRef idx="1">
+            <a:schemeClr val="accent1"/>
+          </a:fillRef>
+          <a:effectRef idx="0">
+            <a:schemeClr val="accent1"/>
+          </a:effectRef>
+          <a:fontRef idx="minor">
+            <a:schemeClr val="lt1"/>
+          </a:fontRef>
+        </p:style>
+        <p:txBody>
+          <a:bodyPr rtlCol="0" anchor="ctr"/>
+          <a:lstStyle/>
+          <a:p>
+            <a:pPr algn="ctr"/>
+            <a:r>
+              <a:rPr lang="ja-JP" altLang="en-US" sz="2800" dirty="0"/>
+              <a:t>その他</a:t>
+            </a:r>
+            <a:endParaRPr kumimoji="1" lang="ja-JP" altLang="en-US" sz="2800" dirty="0"/>
+          </a:p>
+        </p:txBody>
+      </p:sp>
+      <p:sp>
+        <p:nvSpPr>
+          <p:cNvPr id="34" name="正方形/長方形 33">
+            <a:extLst>
+              <a:ext uri="{FF2B5EF4-FFF2-40B4-BE49-F238E27FC236}">
+                <a16:creationId xmlns:a16="http://schemas.microsoft.com/office/drawing/2014/main" id="{FB1B0364-3870-4B6C-970F-BBDB3791885E}"/>
+              </a:ext>
+            </a:extLst>
+          </p:cNvPr>
+          <p:cNvSpPr/>
+          <p:nvPr/>
+        </p:nvSpPr>
+        <p:spPr>
+          <a:xfrm>
+            <a:off x="4162720" y="5026205"/>
+            <a:ext cx="6978191" cy="942795"/>
+          </a:xfrm>
+          <a:prstGeom prst="rect">
+            <a:avLst/>
+          </a:prstGeom>
+          <a:solidFill>
+            <a:srgbClr val="5AC23A"/>
+          </a:solidFill>
+          <a:ln>
+            <a:noFill/>
+          </a:ln>
+        </p:spPr>
+        <p:style>
+          <a:lnRef idx="2">
+            <a:schemeClr val="accent1">
+              <a:shade val="50000"/>
+            </a:schemeClr>
+          </a:lnRef>
+          <a:fillRef idx="1">
+            <a:schemeClr val="accent1"/>
+          </a:fillRef>
+          <a:effectRef idx="0">
+            <a:schemeClr val="accent1"/>
+          </a:effectRef>
+          <a:fontRef idx="minor">
+            <a:schemeClr val="lt1"/>
+          </a:fontRef>
+        </p:style>
+        <p:txBody>
+          <a:bodyPr rtlCol="0" anchor="ctr"/>
+          <a:lstStyle/>
+          <a:p>
+            <a:pPr lvl="1"/>
+            <a:r>
+              <a:rPr lang="ja-JP" altLang="en-US" sz="2400" dirty="0"/>
+              <a:t>技術ポイントなど</a:t>
+            </a:r>
+            <a:endParaRPr lang="en-US" altLang="ja-JP" sz="2400" dirty="0"/>
+          </a:p>
+        </p:txBody>
+      </p:sp>
+    </p:spTree>
+    <p:extLst>
+      <p:ext uri="{BB962C8B-B14F-4D97-AF65-F5344CB8AC3E}">
+        <p14:creationId xmlns:p14="http://schemas.microsoft.com/office/powerpoint/2010/main" val="3143533302"/>
+      </p:ext>
+    </p:extLst>
+  </p:cSld>
+  <p:clrMapOvr>
+    <a:masterClrMapping/>
+  </p:clrMapOvr>
+  <mc:AlternateContent xmlns:mc="http://schemas.openxmlformats.org/markup-compatibility/2006">
+    <mc:Choice xmlns:p14="http://schemas.microsoft.com/office/powerpoint/2010/main" Requires="p14">
+      <p:transition spd="slow" p14:dur="800">
+        <p:push dir="r"/>
+      </p:transition>
+    </mc:Choice>
+    <mc:Fallback>
+      <p:transition spd="slow">
+        <p:push dir="r"/>
+      </p:transition>
+    </mc:Fallback>
+  </mc:AlternateContent>
+</p:sld>
+</file>
+
+<file path=ppt/slides/slide20.xml><?xml version="1.0" encoding="utf-8"?>
+<p:sld xmlns:a="http://schemas.openxmlformats.org/drawingml/2006/main" xmlns:r="http://schemas.openxmlformats.org/officeDocument/2006/relationships" xmlns:p="http://schemas.openxmlformats.org/presentationml/2006/main">
+  <p:cSld>
+    <p:spTree>
+      <p:nvGrpSpPr>
+        <p:cNvPr id="1" name=""/>
+        <p:cNvGrpSpPr/>
+        <p:nvPr/>
+      </p:nvGrpSpPr>
+      <p:grpSpPr>
+        <a:xfrm>
+          <a:off x="0" y="0"/>
+          <a:ext cx="0" cy="0"/>
+          <a:chOff x="0" y="0"/>
+          <a:chExt cx="0" cy="0"/>
+        </a:xfrm>
+      </p:grpSpPr>
+      <p:sp>
+        <p:nvSpPr>
           <p:cNvPr id="2" name="タイトル 1">
             <a:extLst>
               <a:ext uri="{FF2B5EF4-FFF2-40B4-BE49-F238E27FC236}">
@@ -8530,7 +12217,7 @@
           <p:nvPr/>
         </p:nvPicPr>
         <p:blipFill>
-          <a:blip r:embed="rId2">
+          <a:blip r:embed="rId3">
             <a:extLst>
               <a:ext uri="{28A0092B-C50C-407E-A947-70E740481C1C}">
                 <a14:useLocalDpi xmlns:a14="http://schemas.microsoft.com/office/drawing/2010/main" val="0"/>
@@ -8576,8 +12263,8 @@
         </p:nvSpPr>
         <p:spPr>
           <a:xfrm>
-            <a:off x="838199" y="5173353"/>
-            <a:ext cx="10354519" cy="1015663"/>
+            <a:off x="838199" y="5388797"/>
+            <a:ext cx="10354519" cy="584775"/>
           </a:xfrm>
           <a:prstGeom prst="rect">
             <a:avLst/>
@@ -8594,17 +12281,6 @@
             <a:r>
               <a:rPr lang="ja-JP" altLang="en-US" sz="3200" dirty="0"/>
               <a:t>こちらのノイズを用いて地形を生成することにする</a:t>
-            </a:r>
-            <a:br>
-              <a:rPr lang="en-US" altLang="ja-JP" sz="3200" dirty="0"/>
-            </a:br>
-            <a:r>
-              <a:rPr lang="en-US" altLang="ja-JP" sz="2800" dirty="0"/>
-              <a:t>※</a:t>
-            </a:r>
-            <a:r>
-              <a:rPr lang="ja-JP" altLang="en-US" sz="2800" dirty="0"/>
-              <a:t>各施設は逐次判定</a:t>
             </a:r>
             <a:endParaRPr kumimoji="1" lang="ja-JP" altLang="en-US" sz="3200" dirty="0"/>
           </a:p>
@@ -8620,329 +12296,18 @@
   <p:clrMapOvr>
     <a:masterClrMapping/>
   </p:clrMapOvr>
-  <p:transition spd="slow">
-    <p:push/>
-  </p:transition>
-</p:sld>
-</file>
-
-<file path=ppt/slides/slide19.xml><?xml version="1.0" encoding="utf-8"?>
-<p:sld xmlns:a="http://schemas.openxmlformats.org/drawingml/2006/main" xmlns:r="http://schemas.openxmlformats.org/officeDocument/2006/relationships" xmlns:p="http://schemas.openxmlformats.org/presentationml/2006/main">
-  <p:cSld>
-    <p:spTree>
-      <p:nvGrpSpPr>
-        <p:cNvPr id="1" name=""/>
-        <p:cNvGrpSpPr/>
-        <p:nvPr/>
-      </p:nvGrpSpPr>
-      <p:grpSpPr>
-        <a:xfrm>
-          <a:off x="0" y="0"/>
-          <a:ext cx="0" cy="0"/>
-          <a:chOff x="0" y="0"/>
-          <a:chExt cx="0" cy="0"/>
-        </a:xfrm>
-      </p:grpSpPr>
-      <p:sp>
-        <p:nvSpPr>
-          <p:cNvPr id="2" name="タイトル 1">
-            <a:extLst>
-              <a:ext uri="{FF2B5EF4-FFF2-40B4-BE49-F238E27FC236}">
-                <a16:creationId xmlns:a16="http://schemas.microsoft.com/office/drawing/2014/main" id="{BECDBE70-A109-E7DE-C2CF-33B6EDAC6F79}"/>
-              </a:ext>
-            </a:extLst>
-          </p:cNvPr>
-          <p:cNvSpPr>
-            <a:spLocks noGrp="1"/>
-          </p:cNvSpPr>
-          <p:nvPr>
-            <p:ph type="title"/>
-          </p:nvPr>
-        </p:nvSpPr>
-        <p:spPr/>
-        <p:txBody>
-          <a:bodyPr/>
-          <a:lstStyle/>
-          <a:p>
-            <a:r>
-              <a:rPr lang="ja-JP" altLang="en-US" dirty="0"/>
-              <a:t>工数について</a:t>
-            </a:r>
-            <a:endParaRPr kumimoji="1" lang="ja-JP" altLang="en-US" dirty="0"/>
-          </a:p>
-        </p:txBody>
-      </p:sp>
-    </p:spTree>
-    <p:extLst>
-      <p:ext uri="{BB962C8B-B14F-4D97-AF65-F5344CB8AC3E}">
-        <p14:creationId xmlns:p14="http://schemas.microsoft.com/office/powerpoint/2010/main" val="466109853"/>
-      </p:ext>
-    </p:extLst>
-  </p:cSld>
-  <p:clrMapOvr>
-    <a:masterClrMapping/>
-  </p:clrMapOvr>
-  <p:transition spd="slow">
-    <p:push/>
-  </p:transition>
-</p:sld>
-</file>
-
-<file path=ppt/slides/slide2.xml><?xml version="1.0" encoding="utf-8"?>
-<p:sld xmlns:a="http://schemas.openxmlformats.org/drawingml/2006/main" xmlns:r="http://schemas.openxmlformats.org/officeDocument/2006/relationships" xmlns:p="http://schemas.openxmlformats.org/presentationml/2006/main">
-  <p:cSld>
-    <p:spTree>
-      <p:nvGrpSpPr>
-        <p:cNvPr id="1" name=""/>
-        <p:cNvGrpSpPr/>
-        <p:nvPr/>
-      </p:nvGrpSpPr>
-      <p:grpSpPr>
-        <a:xfrm>
-          <a:off x="0" y="0"/>
-          <a:ext cx="0" cy="0"/>
-          <a:chOff x="0" y="0"/>
-          <a:chExt cx="0" cy="0"/>
-        </a:xfrm>
-      </p:grpSpPr>
-      <p:sp>
-        <p:nvSpPr>
-          <p:cNvPr id="2" name="タイトル 1">
-            <a:extLst>
-              <a:ext uri="{FF2B5EF4-FFF2-40B4-BE49-F238E27FC236}">
-                <a16:creationId xmlns:a16="http://schemas.microsoft.com/office/drawing/2014/main" id="{B770D915-CCC3-4805-91D2-AE8948E5833F}"/>
-              </a:ext>
-            </a:extLst>
-          </p:cNvPr>
-          <p:cNvSpPr>
-            <a:spLocks noGrp="1"/>
-          </p:cNvSpPr>
-          <p:nvPr>
-            <p:ph type="title"/>
-          </p:nvPr>
-        </p:nvSpPr>
-        <p:spPr/>
-        <p:txBody>
-          <a:bodyPr/>
-          <a:lstStyle/>
-          <a:p>
-            <a:pPr algn="ctr"/>
-            <a:r>
-              <a:rPr kumimoji="1" lang="ja-JP" altLang="en-US" dirty="0"/>
-              <a:t>目次</a:t>
-            </a:r>
-          </a:p>
-        </p:txBody>
-      </p:sp>
-      <p:sp>
-        <p:nvSpPr>
-          <p:cNvPr id="3" name="コンテンツ プレースホルダー 2">
-            <a:extLst>
-              <a:ext uri="{FF2B5EF4-FFF2-40B4-BE49-F238E27FC236}">
-                <a16:creationId xmlns:a16="http://schemas.microsoft.com/office/drawing/2014/main" id="{C8A645F5-6797-4E86-8466-A3CBB11761C6}"/>
-              </a:ext>
-            </a:extLst>
-          </p:cNvPr>
-          <p:cNvSpPr>
-            <a:spLocks noGrp="1"/>
-          </p:cNvSpPr>
-          <p:nvPr>
-            <p:ph idx="1"/>
-          </p:nvPr>
-        </p:nvSpPr>
-        <p:spPr>
-          <a:xfrm>
-            <a:off x="8295588" y="1825625"/>
-            <a:ext cx="3058212" cy="4351338"/>
-          </a:xfrm>
-        </p:spPr>
-        <p:txBody>
-          <a:bodyPr/>
-          <a:lstStyle/>
-          <a:p>
-            <a:r>
-              <a:rPr kumimoji="1" lang="ja-JP" altLang="en-US" dirty="0"/>
-              <a:t>コンセプト</a:t>
-            </a:r>
-            <a:endParaRPr kumimoji="1" lang="en-US" altLang="ja-JP" dirty="0"/>
-          </a:p>
-          <a:p>
-            <a:r>
-              <a:rPr kumimoji="1" lang="ja-JP" altLang="en-US" dirty="0"/>
-              <a:t>ゲーム</a:t>
-            </a:r>
-            <a:endParaRPr kumimoji="1" lang="en-US" altLang="ja-JP" dirty="0"/>
-          </a:p>
-          <a:p>
-            <a:pPr lvl="1"/>
-            <a:r>
-              <a:rPr kumimoji="1" lang="ja-JP" altLang="en-US" dirty="0"/>
-              <a:t>コンセプト</a:t>
-            </a:r>
-            <a:endParaRPr kumimoji="1" lang="en-US" altLang="ja-JP" dirty="0"/>
-          </a:p>
-          <a:p>
-            <a:pPr lvl="1"/>
-            <a:r>
-              <a:rPr kumimoji="1" lang="ja-JP" altLang="en-US" dirty="0"/>
-              <a:t>概要</a:t>
-            </a:r>
-            <a:endParaRPr kumimoji="1" lang="en-US" altLang="ja-JP" dirty="0"/>
-          </a:p>
-          <a:p>
-            <a:pPr lvl="1"/>
-            <a:r>
-              <a:rPr kumimoji="1" lang="ja-JP" altLang="en-US" dirty="0"/>
-              <a:t>ルール</a:t>
-            </a:r>
-            <a:endParaRPr kumimoji="1" lang="en-US" altLang="ja-JP" dirty="0"/>
-          </a:p>
-          <a:p>
-            <a:pPr lvl="1"/>
-            <a:r>
-              <a:rPr lang="ja-JP" altLang="en-US" dirty="0"/>
-              <a:t>システム</a:t>
-            </a:r>
-            <a:endParaRPr lang="en-US" altLang="ja-JP" dirty="0"/>
-          </a:p>
-          <a:p>
-            <a:r>
-              <a:rPr lang="ja-JP" altLang="en-US" dirty="0"/>
-              <a:t>参考タイトル</a:t>
-            </a:r>
-            <a:endParaRPr lang="en-US" altLang="ja-JP" dirty="0"/>
-          </a:p>
-          <a:p>
-            <a:pPr lvl="1"/>
-            <a:endParaRPr kumimoji="1" lang="en-US" altLang="ja-JP" dirty="0"/>
-          </a:p>
-          <a:p>
-            <a:endParaRPr kumimoji="1" lang="ja-JP" altLang="en-US" dirty="0"/>
-          </a:p>
-        </p:txBody>
-      </p:sp>
-    </p:spTree>
-    <p:extLst>
-      <p:ext uri="{BB962C8B-B14F-4D97-AF65-F5344CB8AC3E}">
-        <p14:creationId xmlns:p14="http://schemas.microsoft.com/office/powerpoint/2010/main" val="3143533302"/>
-      </p:ext>
-    </p:extLst>
-  </p:cSld>
-  <p:clrMapOvr>
-    <a:masterClrMapping/>
-  </p:clrMapOvr>
-  <p:transition spd="slow">
-    <p:push/>
-  </p:transition>
-</p:sld>
-</file>
-
-<file path=ppt/slides/slide20.xml><?xml version="1.0" encoding="utf-8"?>
-<p:sld xmlns:a="http://schemas.openxmlformats.org/drawingml/2006/main" xmlns:r="http://schemas.openxmlformats.org/officeDocument/2006/relationships" xmlns:p="http://schemas.openxmlformats.org/presentationml/2006/main">
-  <p:cSld>
-    <p:spTree>
-      <p:nvGrpSpPr>
-        <p:cNvPr id="1" name=""/>
-        <p:cNvGrpSpPr/>
-        <p:nvPr/>
-      </p:nvGrpSpPr>
-      <p:grpSpPr>
-        <a:xfrm>
-          <a:off x="0" y="0"/>
-          <a:ext cx="0" cy="0"/>
-          <a:chOff x="0" y="0"/>
-          <a:chExt cx="0" cy="0"/>
-        </a:xfrm>
-      </p:grpSpPr>
-      <p:sp>
-        <p:nvSpPr>
-          <p:cNvPr id="2" name="タイトル 1">
-            <a:extLst>
-              <a:ext uri="{FF2B5EF4-FFF2-40B4-BE49-F238E27FC236}">
-                <a16:creationId xmlns:a16="http://schemas.microsoft.com/office/drawing/2014/main" id="{80640376-D4E3-A4EB-2A1B-F44AE337C45F}"/>
-              </a:ext>
-            </a:extLst>
-          </p:cNvPr>
-          <p:cNvSpPr>
-            <a:spLocks noGrp="1"/>
-          </p:cNvSpPr>
-          <p:nvPr>
-            <p:ph type="title"/>
-          </p:nvPr>
-        </p:nvSpPr>
-        <p:spPr/>
-        <p:txBody>
-          <a:bodyPr/>
-          <a:lstStyle/>
-          <a:p>
-            <a:r>
-              <a:rPr kumimoji="1" lang="ja-JP" altLang="en-US" dirty="0"/>
-              <a:t>モデル</a:t>
-            </a:r>
-          </a:p>
-        </p:txBody>
-      </p:sp>
-      <p:sp>
-        <p:nvSpPr>
-          <p:cNvPr id="3" name="コンテンツ プレースホルダー 2">
-            <a:extLst>
-              <a:ext uri="{FF2B5EF4-FFF2-40B4-BE49-F238E27FC236}">
-                <a16:creationId xmlns:a16="http://schemas.microsoft.com/office/drawing/2014/main" id="{063F8EBD-BC03-6B4D-02B9-BEEBC79DD171}"/>
-              </a:ext>
-            </a:extLst>
-          </p:cNvPr>
-          <p:cNvSpPr>
-            <a:spLocks noGrp="1"/>
-          </p:cNvSpPr>
-          <p:nvPr>
-            <p:ph idx="1"/>
-          </p:nvPr>
-        </p:nvSpPr>
-        <p:spPr/>
-        <p:txBody>
-          <a:bodyPr/>
-          <a:lstStyle/>
-          <a:p>
-            <a:r>
-              <a:rPr kumimoji="1" lang="ja-JP" altLang="en-US" dirty="0"/>
-              <a:t>プレイヤーモデル　</a:t>
-            </a:r>
-            <a:r>
-              <a:rPr lang="ja-JP" altLang="en-US" dirty="0"/>
-              <a:t>２種類</a:t>
-            </a:r>
-            <a:endParaRPr lang="en-US" altLang="ja-JP" dirty="0"/>
-          </a:p>
-          <a:p>
-            <a:r>
-              <a:rPr lang="ja-JP" altLang="en-US" dirty="0"/>
-              <a:t>兵器モデル</a:t>
-            </a:r>
-            <a:endParaRPr lang="en-US" altLang="ja-JP" dirty="0"/>
-          </a:p>
-          <a:p>
-            <a:pPr lvl="1"/>
-            <a:r>
-              <a:rPr lang="ja-JP" altLang="en-US" dirty="0"/>
-              <a:t>１つのモデルを７段階分割</a:t>
-            </a:r>
-            <a:endParaRPr lang="en-US" altLang="ja-JP" dirty="0"/>
-          </a:p>
-        </p:txBody>
-      </p:sp>
-    </p:spTree>
-    <p:extLst>
-      <p:ext uri="{BB962C8B-B14F-4D97-AF65-F5344CB8AC3E}">
-        <p14:creationId xmlns:p14="http://schemas.microsoft.com/office/powerpoint/2010/main" val="1485243543"/>
-      </p:ext>
-    </p:extLst>
-  </p:cSld>
-  <p:clrMapOvr>
-    <a:masterClrMapping/>
-  </p:clrMapOvr>
-  <p:transition spd="slow">
-    <p:push/>
-  </p:transition>
+  <mc:AlternateContent xmlns:mc="http://schemas.openxmlformats.org/markup-compatibility/2006">
+    <mc:Choice xmlns:p159="http://schemas.microsoft.com/office/powerpoint/2015/09/main" Requires="p159">
+      <p:transition spd="slow">
+        <p159:morph option="byObject"/>
+      </p:transition>
+    </mc:Choice>
+    <mc:Fallback>
+      <p:transition spd="slow">
+        <p:fade/>
+      </p:transition>
+    </mc:Fallback>
+  </mc:AlternateContent>
 </p:sld>
 </file>
 
@@ -9001,9 +12366,18 @@
   <p:clrMapOvr>
     <a:masterClrMapping/>
   </p:clrMapOvr>
-  <p:transition spd="slow">
-    <p:push dir="u"/>
-  </p:transition>
+  <mc:AlternateContent xmlns:mc="http://schemas.openxmlformats.org/markup-compatibility/2006">
+    <mc:Choice xmlns:p14="http://schemas.microsoft.com/office/powerpoint/2010/main" Requires="p14">
+      <p:transition spd="slow" p14:dur="800">
+        <p:push dir="u"/>
+      </p:transition>
+    </mc:Choice>
+    <mc:Fallback>
+      <p:transition spd="slow">
+        <p:push dir="u"/>
+      </p:transition>
+    </mc:Fallback>
+  </mc:AlternateContent>
 </p:sld>
 </file>
 
@@ -9230,9 +12604,18 @@
   <p:clrMapOvr>
     <a:masterClrMapping/>
   </p:clrMapOvr>
-  <p:transition spd="slow">
-    <p:push/>
-  </p:transition>
+  <mc:AlternateContent xmlns:mc="http://schemas.openxmlformats.org/markup-compatibility/2006">
+    <mc:Choice xmlns:p14="http://schemas.microsoft.com/office/powerpoint/2010/main" Requires="p14">
+      <p:transition spd="slow" p14:dur="800">
+        <p:push dir="r"/>
+      </p:transition>
+    </mc:Choice>
+    <mc:Fallback>
+      <p:transition spd="slow">
+        <p:push dir="r"/>
+      </p:transition>
+    </mc:Fallback>
+  </mc:AlternateContent>
 </p:sld>
 </file>
 
@@ -9386,7 +12769,7 @@
         <p:spPr>
           <a:xfrm>
             <a:off x="838196" y="2731455"/>
-            <a:ext cx="4968673" cy="2101344"/>
+            <a:ext cx="4968673" cy="1547347"/>
           </a:xfrm>
           <a:prstGeom prst="rect">
             <a:avLst/>
@@ -9420,23 +12803,7 @@
             </a:br>
             <a:r>
               <a:rPr kumimoji="1" lang="ja-JP" altLang="en-US" sz="2400" dirty="0"/>
-              <a:t>地形以外のモデルなどは</a:t>
-            </a:r>
-            <a:endParaRPr lang="en-US" altLang="ja-JP" sz="2400" dirty="0"/>
-          </a:p>
-          <a:p>
-            <a:pPr>
-              <a:lnSpc>
-                <a:spcPct val="150000"/>
-              </a:lnSpc>
-            </a:pPr>
-            <a:r>
-              <a:rPr kumimoji="1" lang="en-US" altLang="ja-JP" sz="2400" dirty="0"/>
-              <a:t>Asset Store</a:t>
-            </a:r>
-            <a:r>
-              <a:rPr kumimoji="1" lang="ja-JP" altLang="en-US" sz="2400" dirty="0"/>
-              <a:t>などから流用</a:t>
+              <a:t>モデルの見た目</a:t>
             </a:r>
             <a:endParaRPr kumimoji="1" lang="en-US" altLang="ja-JP" sz="2400" dirty="0"/>
           </a:p>
@@ -9452,9 +12819,18 @@
   <p:clrMapOvr>
     <a:masterClrMapping/>
   </p:clrMapOvr>
-  <p:transition spd="slow">
-    <p:push/>
-  </p:transition>
+  <mc:AlternateContent xmlns:mc="http://schemas.openxmlformats.org/markup-compatibility/2006">
+    <mc:Choice xmlns:p14="http://schemas.microsoft.com/office/powerpoint/2010/main" Requires="p14">
+      <p:transition spd="slow" p14:dur="800">
+        <p:push dir="r"/>
+      </p:transition>
+    </mc:Choice>
+    <mc:Fallback>
+      <p:transition spd="slow">
+        <p:push dir="r"/>
+      </p:transition>
+    </mc:Fallback>
+  </mc:AlternateContent>
 </p:sld>
 </file>
 
@@ -9680,9 +13056,170 @@
   <p:clrMapOvr>
     <a:masterClrMapping/>
   </p:clrMapOvr>
-  <p:transition spd="slow">
-    <p:push/>
-  </p:transition>
+  <mc:AlternateContent xmlns:mc="http://schemas.openxmlformats.org/markup-compatibility/2006">
+    <mc:Choice xmlns:p14="http://schemas.microsoft.com/office/powerpoint/2010/main" Requires="p14">
+      <p:transition spd="slow" p14:dur="800">
+        <p:push dir="r"/>
+      </p:transition>
+    </mc:Choice>
+    <mc:Fallback>
+      <p:transition spd="slow">
+        <p:push dir="r"/>
+      </p:transition>
+    </mc:Fallback>
+  </mc:AlternateContent>
+</p:sld>
+</file>
+
+<file path=ppt/slides/slide25.xml><?xml version="1.0" encoding="utf-8"?>
+<p:sld xmlns:a="http://schemas.openxmlformats.org/drawingml/2006/main" xmlns:r="http://schemas.openxmlformats.org/officeDocument/2006/relationships" xmlns:p="http://schemas.openxmlformats.org/presentationml/2006/main">
+  <p:cSld>
+    <p:spTree>
+      <p:nvGrpSpPr>
+        <p:cNvPr id="1" name=""/>
+        <p:cNvGrpSpPr/>
+        <p:nvPr/>
+      </p:nvGrpSpPr>
+      <p:grpSpPr>
+        <a:xfrm>
+          <a:off x="0" y="0"/>
+          <a:ext cx="0" cy="0"/>
+          <a:chOff x="0" y="0"/>
+          <a:chExt cx="0" cy="0"/>
+        </a:xfrm>
+      </p:grpSpPr>
+      <p:sp>
+        <p:nvSpPr>
+          <p:cNvPr id="2" name="タイトル 1">
+            <a:extLst>
+              <a:ext uri="{FF2B5EF4-FFF2-40B4-BE49-F238E27FC236}">
+                <a16:creationId xmlns:a16="http://schemas.microsoft.com/office/drawing/2014/main" id="{79CEF325-C4D3-4D57-A056-BE46777E08A0}"/>
+              </a:ext>
+            </a:extLst>
+          </p:cNvPr>
+          <p:cNvSpPr>
+            <a:spLocks noGrp="1"/>
+          </p:cNvSpPr>
+          <p:nvPr>
+            <p:ph type="title"/>
+          </p:nvPr>
+        </p:nvSpPr>
+        <p:spPr/>
+        <p:txBody>
+          <a:bodyPr/>
+          <a:lstStyle/>
+          <a:p>
+            <a:r>
+              <a:rPr kumimoji="1" lang="ja-JP" altLang="en-US" dirty="0"/>
+              <a:t>質疑応答</a:t>
+            </a:r>
+          </a:p>
+        </p:txBody>
+      </p:sp>
+      <p:pic>
+        <p:nvPicPr>
+          <p:cNvPr id="3" name="図 2" descr="グラフ, ヒストグラム&#10;&#10;AI によって生成されたコンテンツは間違っている可能性があります。">
+            <a:extLst>
+              <a:ext uri="{FF2B5EF4-FFF2-40B4-BE49-F238E27FC236}">
+                <a16:creationId xmlns:a16="http://schemas.microsoft.com/office/drawing/2014/main" id="{4EF99553-A800-4CB1-837F-A3FAD556750F}"/>
+              </a:ext>
+            </a:extLst>
+          </p:cNvPr>
+          <p:cNvPicPr>
+            <a:picLocks noChangeAspect="1"/>
+          </p:cNvPicPr>
+          <p:nvPr/>
+        </p:nvPicPr>
+        <p:blipFill>
+          <a:blip r:embed="rId3">
+            <a:alphaModFix amt="20000"/>
+            <a:extLst>
+              <a:ext uri="{BEBA8EAE-BF5A-486C-A8C5-ECC9F3942E4B}">
+                <a14:imgProps xmlns:a14="http://schemas.microsoft.com/office/drawing/2010/main">
+                  <a14:imgLayer r:embed="rId4">
+                    <a14:imgEffect>
+                      <a14:saturation sat="0"/>
+                    </a14:imgEffect>
+                  </a14:imgLayer>
+                </a14:imgProps>
+              </a:ext>
+              <a:ext uri="{28A0092B-C50C-407E-A947-70E740481C1C}">
+                <a14:useLocalDpi xmlns:a14="http://schemas.microsoft.com/office/drawing/2010/main" val="0"/>
+              </a:ext>
+            </a:extLst>
+          </a:blip>
+          <a:stretch>
+            <a:fillRect/>
+          </a:stretch>
+        </p:blipFill>
+        <p:spPr>
+          <a:xfrm>
+            <a:off x="7245928" y="-1202899"/>
+            <a:ext cx="6331527" cy="6331527"/>
+          </a:xfrm>
+          <a:prstGeom prst="rect">
+            <a:avLst/>
+          </a:prstGeom>
+        </p:spPr>
+      </p:pic>
+      <p:pic>
+        <p:nvPicPr>
+          <p:cNvPr id="4" name="図 3" descr="グラフ, ヒストグラム&#10;&#10;AI によって生成されたコンテンツは間違っている可能性があります。">
+            <a:extLst>
+              <a:ext uri="{FF2B5EF4-FFF2-40B4-BE49-F238E27FC236}">
+                <a16:creationId xmlns:a16="http://schemas.microsoft.com/office/drawing/2014/main" id="{9B1DD70B-1D82-4FE4-8B3F-56F7A0944D88}"/>
+              </a:ext>
+            </a:extLst>
+          </p:cNvPr>
+          <p:cNvPicPr>
+            <a:picLocks noChangeAspect="1"/>
+          </p:cNvPicPr>
+          <p:nvPr/>
+        </p:nvPicPr>
+        <p:blipFill>
+          <a:blip r:embed="rId5">
+            <a:extLst>
+              <a:ext uri="{28A0092B-C50C-407E-A947-70E740481C1C}">
+                <a14:useLocalDpi xmlns:a14="http://schemas.microsoft.com/office/drawing/2010/main" val="0"/>
+              </a:ext>
+            </a:extLst>
+          </a:blip>
+          <a:stretch>
+            <a:fillRect/>
+          </a:stretch>
+        </p:blipFill>
+        <p:spPr>
+          <a:xfrm>
+            <a:off x="8395855" y="-1202899"/>
+            <a:ext cx="5181600" cy="5181600"/>
+          </a:xfrm>
+          <a:prstGeom prst="rect">
+            <a:avLst/>
+          </a:prstGeom>
+        </p:spPr>
+      </p:pic>
+    </p:spTree>
+    <p:extLst>
+      <p:ext uri="{BB962C8B-B14F-4D97-AF65-F5344CB8AC3E}">
+        <p14:creationId xmlns:p14="http://schemas.microsoft.com/office/powerpoint/2010/main" val="2332361784"/>
+      </p:ext>
+    </p:extLst>
+  </p:cSld>
+  <p:clrMapOvr>
+    <a:masterClrMapping/>
+  </p:clrMapOvr>
+  <mc:AlternateContent xmlns:mc="http://schemas.openxmlformats.org/markup-compatibility/2006">
+    <mc:Choice xmlns:p14="http://schemas.microsoft.com/office/powerpoint/2010/main" Requires="p14">
+      <p:transition spd="slow" p14:dur="800">
+        <p:push dir="r"/>
+      </p:transition>
+    </mc:Choice>
+    <mc:Fallback>
+      <p:transition spd="slow">
+        <p:push dir="r"/>
+      </p:transition>
+    </mc:Fallback>
+  </mc:AlternateContent>
 </p:sld>
 </file>
 
@@ -9741,9 +13278,18 @@
   <p:clrMapOvr>
     <a:masterClrMapping/>
   </p:clrMapOvr>
-  <p:transition spd="slow">
-    <p:push dir="u"/>
-  </p:transition>
+  <mc:AlternateContent xmlns:mc="http://schemas.openxmlformats.org/markup-compatibility/2006">
+    <mc:Choice xmlns:p14="http://schemas.microsoft.com/office/powerpoint/2010/main" Requires="p14">
+      <p:transition spd="slow" p14:dur="800">
+        <p:push dir="u"/>
+      </p:transition>
+    </mc:Choice>
+    <mc:Fallback>
+      <p:transition spd="slow">
+        <p:push dir="u"/>
+      </p:transition>
+    </mc:Fallback>
+  </mc:AlternateContent>
 </p:sld>
 </file>
 
@@ -10561,7 +14107,7 @@
         </p:nvSpPr>
         <p:spPr>
           <a:xfrm>
-            <a:off x="1920836" y="1490662"/>
+            <a:off x="1795725" y="1490662"/>
             <a:ext cx="1997671" cy="900000"/>
           </a:xfrm>
           <a:prstGeom prst="roundRect">
@@ -10591,7 +14137,7 @@
           <a:p>
             <a:pPr algn="ctr"/>
             <a:r>
-              <a:rPr kumimoji="1" lang="ja-JP" altLang="en-US" sz="2000" b="1" dirty="0"/>
+              <a:rPr kumimoji="1" lang="ja-JP" altLang="en-US" sz="2400" b="1" dirty="0"/>
               <a:t>ジャンル</a:t>
             </a:r>
           </a:p>
@@ -10611,7 +14157,7 @@
         </p:nvSpPr>
         <p:spPr>
           <a:xfrm>
-            <a:off x="1920836" y="2719931"/>
+            <a:off x="1795725" y="2719931"/>
             <a:ext cx="1997671" cy="900000"/>
           </a:xfrm>
           <a:prstGeom prst="roundRect">
@@ -10641,10 +14187,10 @@
           <a:p>
             <a:pPr algn="ctr"/>
             <a:r>
-              <a:rPr kumimoji="1" lang="ja-JP" altLang="en-US" sz="2000" b="1" dirty="0"/>
+              <a:rPr kumimoji="1" lang="ja-JP" altLang="en-US" sz="2400" b="1" dirty="0"/>
               <a:t>プレイ人数</a:t>
             </a:r>
-            <a:endParaRPr kumimoji="1" lang="en-US" altLang="ja-JP" sz="2000" b="1" dirty="0"/>
+            <a:endParaRPr kumimoji="1" lang="en-US" altLang="ja-JP" sz="2400" b="1" dirty="0"/>
           </a:p>
         </p:txBody>
       </p:sp>
@@ -10662,7 +14208,7 @@
         </p:nvSpPr>
         <p:spPr>
           <a:xfrm>
-            <a:off x="1920836" y="3949200"/>
+            <a:off x="1795725" y="3949200"/>
             <a:ext cx="1997671" cy="900000"/>
           </a:xfrm>
           <a:prstGeom prst="roundRect">
@@ -10692,10 +14238,10 @@
           <a:p>
             <a:pPr algn="ctr"/>
             <a:r>
-              <a:rPr kumimoji="1" lang="ja-JP" altLang="en-US" sz="2000" b="1" dirty="0"/>
-              <a:t>プラットフォーム</a:t>
-            </a:r>
-            <a:endParaRPr kumimoji="1" lang="en-US" altLang="ja-JP" sz="2000" b="1" dirty="0"/>
+              <a:rPr kumimoji="1" lang="ja-JP" altLang="en-US" sz="2400" b="1" dirty="0"/>
+              <a:t>環境</a:t>
+            </a:r>
+            <a:endParaRPr kumimoji="1" lang="en-US" altLang="ja-JP" sz="2400" b="1" dirty="0"/>
           </a:p>
         </p:txBody>
       </p:sp>
@@ -10713,7 +14259,7 @@
         </p:nvSpPr>
         <p:spPr>
           <a:xfrm>
-            <a:off x="1920836" y="5178468"/>
+            <a:off x="1795725" y="5178468"/>
             <a:ext cx="1997671" cy="900000"/>
           </a:xfrm>
           <a:prstGeom prst="roundRect">
@@ -10743,10 +14289,10 @@
           <a:p>
             <a:pPr algn="ctr"/>
             <a:r>
-              <a:rPr kumimoji="1" lang="ja-JP" altLang="en-US" sz="2000" b="1" dirty="0"/>
+              <a:rPr kumimoji="1" lang="ja-JP" altLang="en-US" sz="2400" b="1" dirty="0"/>
               <a:t>ターゲット</a:t>
             </a:r>
-            <a:endParaRPr kumimoji="1" lang="en-US" altLang="ja-JP" sz="2000" b="1" dirty="0"/>
+            <a:endParaRPr kumimoji="1" lang="en-US" altLang="ja-JP" sz="2400" b="1" dirty="0"/>
           </a:p>
         </p:txBody>
       </p:sp>
@@ -10764,8 +14310,8 @@
         </p:nvSpPr>
         <p:spPr>
           <a:xfrm>
-            <a:off x="4168913" y="1490662"/>
-            <a:ext cx="6102250" cy="900000"/>
+            <a:off x="4043802" y="1490662"/>
+            <a:ext cx="6352474" cy="900000"/>
           </a:xfrm>
           <a:prstGeom prst="roundRect">
             <a:avLst/>
@@ -10794,7 +14340,7 @@
           <a:p>
             <a:pPr algn="ctr"/>
             <a:r>
-              <a:rPr kumimoji="1" lang="ja-JP" altLang="en-US" sz="2000" dirty="0"/>
+              <a:rPr kumimoji="1" lang="ja-JP" altLang="en-US" sz="2400" dirty="0"/>
               <a:t>サンドボックス・アクションサバイバル</a:t>
             </a:r>
           </a:p>
@@ -10814,8 +14360,8 @@
         </p:nvSpPr>
         <p:spPr>
           <a:xfrm>
-            <a:off x="4168913" y="2719931"/>
-            <a:ext cx="6102250" cy="900000"/>
+            <a:off x="4043802" y="2719931"/>
+            <a:ext cx="6352474" cy="900000"/>
           </a:xfrm>
           <a:prstGeom prst="roundRect">
             <a:avLst/>
@@ -10844,7 +14390,7 @@
           <a:p>
             <a:pPr algn="ctr"/>
             <a:r>
-              <a:rPr kumimoji="1" lang="ja-JP" altLang="en-US" sz="2000" dirty="0"/>
+              <a:rPr kumimoji="1" lang="ja-JP" altLang="en-US" sz="2400" dirty="0"/>
               <a:t>１人～２人（モードによって異なる）</a:t>
             </a:r>
           </a:p>
@@ -10864,8 +14410,8 @@
         </p:nvSpPr>
         <p:spPr>
           <a:xfrm>
-            <a:off x="4168913" y="3949200"/>
-            <a:ext cx="6102250" cy="900000"/>
+            <a:off x="4043802" y="3949200"/>
+            <a:ext cx="6352474" cy="900000"/>
           </a:xfrm>
           <a:prstGeom prst="roundRect">
             <a:avLst/>
@@ -10894,14 +14440,10 @@
           <a:p>
             <a:pPr algn="ctr"/>
             <a:r>
-              <a:rPr kumimoji="1" lang="en-US" altLang="ja-JP" sz="2000" dirty="0"/>
-              <a:t>Windows </a:t>
-            </a:r>
-            <a:r>
-              <a:rPr lang="en-US" altLang="ja-JP" sz="2000" dirty="0"/>
-              <a:t>PC</a:t>
-            </a:r>
-            <a:endParaRPr kumimoji="1" lang="ja-JP" altLang="en-US" sz="2000" dirty="0"/>
+              <a:rPr kumimoji="1" lang="en-US" altLang="ja-JP" sz="2400" dirty="0"/>
+              <a:t>Windows + Unity</a:t>
+            </a:r>
+            <a:endParaRPr kumimoji="1" lang="ja-JP" altLang="en-US" sz="2400" dirty="0"/>
           </a:p>
         </p:txBody>
       </p:sp>
@@ -10919,8 +14461,8 @@
         </p:nvSpPr>
         <p:spPr>
           <a:xfrm>
-            <a:off x="4168913" y="5178468"/>
-            <a:ext cx="6102250" cy="900000"/>
+            <a:off x="4043802" y="5178468"/>
+            <a:ext cx="6352474" cy="900000"/>
           </a:xfrm>
           <a:prstGeom prst="roundRect">
             <a:avLst/>
@@ -10948,41 +14490,41 @@
           <a:lstStyle/>
           <a:p>
             <a:r>
-              <a:rPr lang="ja-JP" altLang="en-US" sz="2000" dirty="0"/>
+              <a:rPr lang="ja-JP" altLang="en-US" sz="2400" dirty="0"/>
               <a:t>戦略的に協力したいゲーマー（</a:t>
             </a:r>
             <a:r>
-              <a:rPr lang="en-US" altLang="ja-JP" sz="2000" dirty="0"/>
+              <a:rPr lang="en-US" altLang="ja-JP" sz="2400" dirty="0"/>
               <a:t>10</a:t>
             </a:r>
             <a:r>
-              <a:rPr lang="ja-JP" altLang="en-US" sz="2000" dirty="0"/>
+              <a:rPr lang="ja-JP" altLang="en-US" sz="2400" dirty="0"/>
               <a:t>代</a:t>
             </a:r>
             <a:r>
-              <a:rPr lang="en-US" altLang="ja-JP" sz="2000" dirty="0"/>
+              <a:rPr lang="en-US" altLang="ja-JP" sz="2400" dirty="0"/>
               <a:t>~20</a:t>
             </a:r>
             <a:r>
-              <a:rPr lang="ja-JP" altLang="en-US" sz="2000" dirty="0"/>
+              <a:rPr lang="ja-JP" altLang="en-US" sz="2400" dirty="0"/>
               <a:t>代）</a:t>
             </a:r>
             <a:br>
-              <a:rPr lang="en-US" altLang="ja-JP" sz="2000" dirty="0"/>
+              <a:rPr lang="en-US" altLang="ja-JP" sz="2400" dirty="0"/>
             </a:br>
             <a:r>
-              <a:rPr lang="ja-JP" altLang="en-US" sz="2000" dirty="0"/>
+              <a:rPr lang="ja-JP" altLang="en-US" sz="2400" dirty="0"/>
               <a:t>時間制限</a:t>
             </a:r>
             <a:r>
-              <a:rPr lang="en-US" altLang="ja-JP" sz="2000" dirty="0"/>
+              <a:rPr lang="en-US" altLang="ja-JP" sz="2400" dirty="0"/>
               <a:t>×</a:t>
             </a:r>
             <a:r>
-              <a:rPr lang="ja-JP" altLang="en-US" sz="2000" dirty="0"/>
+              <a:rPr lang="ja-JP" altLang="en-US" sz="2400" dirty="0"/>
               <a:t>チーム連携に燃える効率化志向</a:t>
             </a:r>
-            <a:endParaRPr kumimoji="1" lang="ja-JP" altLang="en-US" sz="2000" dirty="0"/>
+            <a:endParaRPr kumimoji="1" lang="ja-JP" altLang="en-US" sz="2400" dirty="0"/>
           </a:p>
         </p:txBody>
       </p:sp>
@@ -11063,7 +14605,7 @@
           <p:nvPr/>
         </p:nvPicPr>
         <p:blipFill>
-          <a:blip r:embed="rId2">
+          <a:blip r:embed="rId3">
             <a:extLst>
               <a:ext uri="{28A0092B-C50C-407E-A947-70E740481C1C}">
                 <a14:useLocalDpi xmlns:a14="http://schemas.microsoft.com/office/drawing/2010/main" val="0"/>
@@ -11133,6 +14675,68 @@
                 <a:schemeClr val="bg1"/>
               </a:solidFill>
             </a:endParaRPr>
+          </a:p>
+        </p:txBody>
+      </p:sp>
+      <p:sp>
+        <p:nvSpPr>
+          <p:cNvPr id="4" name="正方形/長方形 3">
+            <a:extLst>
+              <a:ext uri="{FF2B5EF4-FFF2-40B4-BE49-F238E27FC236}">
+                <a16:creationId xmlns:a16="http://schemas.microsoft.com/office/drawing/2014/main" id="{39879EF2-2ABC-46B9-90C5-D170ABC828D4}"/>
+              </a:ext>
+            </a:extLst>
+          </p:cNvPr>
+          <p:cNvSpPr/>
+          <p:nvPr/>
+        </p:nvSpPr>
+        <p:spPr>
+          <a:xfrm>
+            <a:off x="439647" y="1412875"/>
+            <a:ext cx="1840374" cy="797890"/>
+          </a:xfrm>
+          <a:prstGeom prst="rect">
+            <a:avLst/>
+          </a:prstGeom>
+          <a:solidFill>
+            <a:srgbClr val="377523"/>
+          </a:solidFill>
+          <a:ln>
+            <a:noFill/>
+          </a:ln>
+        </p:spPr>
+        <p:style>
+          <a:lnRef idx="2">
+            <a:schemeClr val="accent1">
+              <a:shade val="50000"/>
+            </a:schemeClr>
+          </a:lnRef>
+          <a:fillRef idx="1">
+            <a:schemeClr val="accent1"/>
+          </a:fillRef>
+          <a:effectRef idx="0">
+            <a:schemeClr val="accent1"/>
+          </a:effectRef>
+          <a:fontRef idx="minor">
+            <a:schemeClr val="lt1"/>
+          </a:fontRef>
+        </p:style>
+        <p:txBody>
+          <a:bodyPr rtlCol="0" anchor="ctr"/>
+          <a:lstStyle/>
+          <a:p>
+            <a:pPr algn="ctr"/>
+            <a:r>
+              <a:rPr kumimoji="1" lang="en-US" altLang="ja-JP" dirty="0"/>
+              <a:t>TPS</a:t>
+            </a:r>
+            <a:br>
+              <a:rPr kumimoji="1" lang="en-US" altLang="ja-JP" dirty="0"/>
+            </a:br>
+            <a:r>
+              <a:rPr kumimoji="1" lang="ja-JP" altLang="en-US" dirty="0"/>
+              <a:t>３人称視点</a:t>
+            </a:r>
           </a:p>
         </p:txBody>
       </p:sp>
@@ -11213,11 +14817,11 @@
           <p:nvPr/>
         </p:nvPicPr>
         <p:blipFill>
-          <a:blip r:embed="rId2">
+          <a:blip r:embed="rId3">
             <a:extLst>
               <a:ext uri="{BEBA8EAE-BF5A-486C-A8C5-ECC9F3942E4B}">
                 <a14:imgProps xmlns:a14="http://schemas.microsoft.com/office/drawing/2010/main">
-                  <a14:imgLayer r:embed="rId3">
+                  <a14:imgLayer r:embed="rId4">
                     <a14:imgEffect>
                       <a14:backgroundRemoval t="5032" b="95871" l="4906" r="95472">
                         <a14:foregroundMark x1="10818" y1="14194" x2="48428" y2="11742"/>
@@ -11271,7 +14875,7 @@
         </p:blipFill>
         <p:spPr>
           <a:xfrm>
-            <a:off x="7388635" y="1690688"/>
+            <a:off x="7573830" y="1690688"/>
             <a:ext cx="4461620" cy="4349378"/>
           </a:xfrm>
           <a:prstGeom prst="rect">
@@ -11354,7 +14958,7 @@
             <a:lstStyle/>
             <a:p>
               <a:pPr algn="ctr"/>
-              <a:endParaRPr kumimoji="1" lang="ja-JP" altLang="en-US"/>
+              <a:endParaRPr kumimoji="1" lang="ja-JP" altLang="en-US" sz="2400"/>
             </a:p>
           </p:txBody>
         </p:sp>
@@ -11460,7 +15064,7 @@
             <a:p>
               <a:pPr algn="ctr"/>
               <a:r>
-                <a:rPr kumimoji="1" lang="ja-JP" altLang="en-US" dirty="0"/>
+                <a:rPr kumimoji="1" lang="ja-JP" altLang="en-US" sz="2400" dirty="0"/>
                 <a:t>舞台設定</a:t>
               </a:r>
             </a:p>
@@ -11535,7 +15139,7 @@
             <a:lstStyle/>
             <a:p>
               <a:pPr algn="ctr"/>
-              <a:endParaRPr kumimoji="1" lang="ja-JP" altLang="en-US"/>
+              <a:endParaRPr kumimoji="1" lang="ja-JP" altLang="en-US" sz="2400"/>
             </a:p>
           </p:txBody>
         </p:sp>
@@ -11641,10 +15245,10 @@
             <a:p>
               <a:pPr algn="ctr"/>
               <a:r>
-                <a:rPr kumimoji="1" lang="ja-JP" altLang="en-US" dirty="0"/>
+                <a:rPr kumimoji="1" lang="ja-JP" altLang="en-US" sz="2400" dirty="0"/>
                 <a:t>時代背景</a:t>
               </a:r>
-              <a:endParaRPr kumimoji="1" lang="en-US" altLang="ja-JP" dirty="0"/>
+              <a:endParaRPr kumimoji="1" lang="en-US" altLang="ja-JP" sz="2400" dirty="0"/>
             </a:p>
           </p:txBody>
         </p:sp>
@@ -11717,7 +15321,7 @@
             <a:lstStyle/>
             <a:p>
               <a:pPr algn="ctr"/>
-              <a:endParaRPr kumimoji="1" lang="ja-JP" altLang="en-US"/>
+              <a:endParaRPr kumimoji="1" lang="ja-JP" altLang="en-US" sz="2400"/>
             </a:p>
           </p:txBody>
         </p:sp>
@@ -11823,7 +15427,7 @@
             <a:p>
               <a:pPr algn="ctr"/>
               <a:r>
-                <a:rPr kumimoji="1" lang="ja-JP" altLang="en-US" dirty="0"/>
+                <a:rPr kumimoji="1" lang="ja-JP" altLang="en-US" sz="2400" dirty="0"/>
                 <a:t>世界雰囲気</a:t>
               </a:r>
             </a:p>
@@ -11844,8 +15448,8 @@
         </p:nvSpPr>
         <p:spPr>
           <a:xfrm>
-            <a:off x="1223272" y="2032000"/>
-            <a:ext cx="6341310" cy="830997"/>
+            <a:off x="1223271" y="2032000"/>
+            <a:ext cx="7376719" cy="954107"/>
           </a:xfrm>
           <a:prstGeom prst="rect">
             <a:avLst/>
@@ -11859,21 +15463,25 @@
           <a:lstStyle/>
           <a:p>
             <a:r>
-              <a:rPr kumimoji="1" lang="ja-JP" altLang="en-US" sz="2400" dirty="0"/>
+              <a:rPr kumimoji="1" lang="ja-JP" altLang="en-US" sz="2800" dirty="0"/>
               <a:t>自然の中の家屋などの小規模かつ、</a:t>
             </a:r>
             <a:br>
-              <a:rPr kumimoji="1" lang="en-US" altLang="ja-JP" sz="2400" dirty="0"/>
+              <a:rPr kumimoji="1" lang="en-US" altLang="ja-JP" sz="2800" dirty="0"/>
             </a:br>
             <a:r>
-              <a:rPr kumimoji="1" lang="ja-JP" altLang="en-US" sz="2400" dirty="0"/>
-              <a:t>人が集合した雰囲気の</a:t>
-            </a:r>
-            <a:r>
-              <a:rPr lang="ja-JP" altLang="en-US" sz="2400" dirty="0"/>
-              <a:t>ステージ設計を避ける</a:t>
-            </a:r>
-            <a:endParaRPr kumimoji="1" lang="ja-JP" altLang="en-US" sz="2400" dirty="0"/>
+              <a:rPr lang="ja-JP" altLang="en-US" sz="2800" dirty="0"/>
+              <a:t>人が</a:t>
+            </a:r>
+            <a:r>
+              <a:rPr kumimoji="1" lang="ja-JP" altLang="en-US" sz="2800" dirty="0"/>
+              <a:t>集合した土地の</a:t>
+            </a:r>
+            <a:r>
+              <a:rPr lang="ja-JP" altLang="en-US" sz="2800" dirty="0"/>
+              <a:t>ステージは避ける</a:t>
+            </a:r>
+            <a:endParaRPr kumimoji="1" lang="ja-JP" altLang="en-US" sz="2800" dirty="0"/>
           </a:p>
         </p:txBody>
       </p:sp>
@@ -11891,8 +15499,8 @@
         </p:nvSpPr>
         <p:spPr>
           <a:xfrm>
-            <a:off x="1223272" y="3623394"/>
-            <a:ext cx="6341310" cy="830997"/>
+            <a:off x="1223271" y="3623394"/>
+            <a:ext cx="7376719" cy="954107"/>
           </a:xfrm>
           <a:prstGeom prst="rect">
             <a:avLst/>
@@ -11906,15 +15514,15 @@
           <a:lstStyle/>
           <a:p>
             <a:r>
-              <a:rPr kumimoji="1" lang="ja-JP" altLang="en-US" sz="2400" dirty="0"/>
+              <a:rPr kumimoji="1" lang="ja-JP" altLang="en-US" sz="2800" dirty="0"/>
               <a:t>特定の時代設計は行わない</a:t>
             </a:r>
             <a:br>
-              <a:rPr kumimoji="1" lang="en-US" altLang="ja-JP" sz="2400" dirty="0"/>
+              <a:rPr kumimoji="1" lang="en-US" altLang="ja-JP" sz="2800" dirty="0"/>
             </a:br>
             <a:r>
-              <a:rPr kumimoji="1" lang="ja-JP" altLang="en-US" sz="2400" dirty="0"/>
-              <a:t>ファンタジーの世界であるということを前提</a:t>
+              <a:rPr kumimoji="1" lang="ja-JP" altLang="en-US" sz="2800" dirty="0"/>
+              <a:t>ファンタジーということを前提</a:t>
             </a:r>
           </a:p>
         </p:txBody>
@@ -11933,8 +15541,8 @@
         </p:nvSpPr>
         <p:spPr>
           <a:xfrm>
-            <a:off x="1223272" y="5209733"/>
-            <a:ext cx="7015564" cy="830997"/>
+            <a:off x="1223270" y="5209733"/>
+            <a:ext cx="8161065" cy="954107"/>
           </a:xfrm>
           <a:prstGeom prst="rect">
             <a:avLst/>
@@ -11948,15 +15556,15 @@
           <a:lstStyle/>
           <a:p>
             <a:r>
-              <a:rPr kumimoji="1" lang="ja-JP" altLang="en-US" sz="2400" dirty="0"/>
+              <a:rPr kumimoji="1" lang="ja-JP" altLang="en-US" sz="2800" dirty="0"/>
               <a:t>地面はボクセル調、建物などはローポリモデル</a:t>
             </a:r>
             <a:br>
-              <a:rPr kumimoji="1" lang="en-US" altLang="ja-JP" sz="2400" dirty="0"/>
+              <a:rPr kumimoji="1" lang="en-US" altLang="ja-JP" sz="2800" dirty="0"/>
             </a:br>
             <a:r>
-              <a:rPr kumimoji="1" lang="ja-JP" altLang="en-US" sz="2400" dirty="0"/>
-              <a:t>隕石が降る世界でありつつも、絶望感は出さない</a:t>
+              <a:rPr kumimoji="1" lang="ja-JP" altLang="en-US" sz="2800" dirty="0"/>
+              <a:t>隕石が降る世界ではあるが、絶望感は出さない</a:t>
             </a:r>
           </a:p>
         </p:txBody>
@@ -12091,7 +15699,7 @@
             <a:lstStyle/>
             <a:p>
               <a:pPr algn="ctr"/>
-              <a:endParaRPr kumimoji="1" lang="ja-JP" altLang="en-US"/>
+              <a:endParaRPr kumimoji="1" lang="ja-JP" altLang="en-US" sz="2400"/>
             </a:p>
           </p:txBody>
         </p:sp>
@@ -12197,7 +15805,7 @@
             <a:p>
               <a:pPr algn="ctr"/>
               <a:r>
-                <a:rPr kumimoji="1" lang="ja-JP" altLang="en-US" dirty="0"/>
+                <a:rPr kumimoji="1" lang="ja-JP" altLang="en-US" sz="2400" dirty="0"/>
                 <a:t>クリア条件</a:t>
               </a:r>
             </a:p>
@@ -12401,7 +16009,7 @@
         <p:spPr>
           <a:xfrm>
             <a:off x="1223272" y="2032000"/>
-            <a:ext cx="6341310" cy="461665"/>
+            <a:ext cx="7041052" cy="523220"/>
           </a:xfrm>
           <a:prstGeom prst="rect">
             <a:avLst/>
@@ -12415,8 +16023,12 @@
           <a:lstStyle/>
           <a:p>
             <a:r>
-              <a:rPr kumimoji="1" lang="ja-JP" altLang="en-US" sz="2400" dirty="0"/>
-              <a:t>隕石を破壊するための兵器を作成する</a:t>
+              <a:rPr lang="ja-JP" altLang="en-US" sz="2800" dirty="0"/>
+              <a:t>武器</a:t>
+            </a:r>
+            <a:r>
+              <a:rPr kumimoji="1" lang="ja-JP" altLang="en-US" sz="2800" dirty="0"/>
+              <a:t>を作成し、隕石を破壊する</a:t>
             </a:r>
           </a:p>
         </p:txBody>
@@ -12436,7 +16048,7 @@
         <p:spPr>
           <a:xfrm>
             <a:off x="1223272" y="3623394"/>
-            <a:ext cx="6341310" cy="461665"/>
+            <a:ext cx="7041052" cy="523220"/>
           </a:xfrm>
           <a:prstGeom prst="rect">
             <a:avLst/>
@@ -12450,10 +16062,10 @@
           <a:lstStyle/>
           <a:p>
             <a:r>
-              <a:rPr lang="ja-JP" altLang="en-US" sz="2400" dirty="0"/>
+              <a:rPr lang="ja-JP" altLang="en-US" sz="2800" dirty="0"/>
               <a:t>周囲のオブジェクトを解体し、素材を収集</a:t>
             </a:r>
-            <a:endParaRPr kumimoji="1" lang="en-US" altLang="ja-JP" sz="2400" dirty="0"/>
+            <a:endParaRPr kumimoji="1" lang="en-US" altLang="ja-JP" sz="2800" dirty="0"/>
           </a:p>
         </p:txBody>
       </p:sp>
@@ -12653,8 +16265,8 @@
         </p:nvSpPr>
         <p:spPr>
           <a:xfrm>
-            <a:off x="1420509" y="4610597"/>
-            <a:ext cx="6341310" cy="1417247"/>
+            <a:off x="1420509" y="4624286"/>
+            <a:ext cx="6341310" cy="1682192"/>
           </a:xfrm>
           <a:prstGeom prst="rect">
             <a:avLst/>
@@ -12673,18 +16285,22 @@
               </a:lnSpc>
             </a:pPr>
             <a:r>
-              <a:rPr kumimoji="1" lang="ja-JP" altLang="en-US" sz="2000" dirty="0"/>
-              <a:t>兵器作成素材</a:t>
-            </a:r>
-            <a:r>
-              <a:rPr kumimoji="1" lang="en-US" altLang="ja-JP" sz="2000" dirty="0"/>
+              <a:rPr lang="ja-JP" altLang="en-US" sz="2400" dirty="0"/>
+              <a:t>武器</a:t>
+            </a:r>
+            <a:r>
+              <a:rPr kumimoji="1" lang="ja-JP" altLang="en-US" sz="2400" dirty="0"/>
+              <a:t>作成素材</a:t>
+            </a:r>
+            <a:r>
+              <a:rPr kumimoji="1" lang="en-US" altLang="ja-JP" sz="2400" dirty="0"/>
               <a:t>	</a:t>
             </a:r>
             <a:r>
-              <a:rPr kumimoji="1" lang="ja-JP" altLang="en-US" sz="2000" dirty="0"/>
+              <a:rPr kumimoji="1" lang="ja-JP" altLang="en-US" sz="2400" dirty="0"/>
               <a:t>（ゲームの目的）</a:t>
             </a:r>
-            <a:endParaRPr lang="en-US" altLang="ja-JP" sz="2000" dirty="0"/>
+            <a:endParaRPr lang="en-US" altLang="ja-JP" sz="2400" dirty="0"/>
           </a:p>
           <a:p>
             <a:pPr>
@@ -12693,18 +16309,18 @@
               </a:lnSpc>
             </a:pPr>
             <a:r>
-              <a:rPr lang="ja-JP" altLang="en-US" sz="2000" dirty="0"/>
+              <a:rPr lang="ja-JP" altLang="en-US" sz="2400" dirty="0"/>
               <a:t>ツール強化</a:t>
             </a:r>
             <a:r>
-              <a:rPr lang="en-US" altLang="ja-JP" sz="2000" dirty="0"/>
+              <a:rPr lang="en-US" altLang="ja-JP" sz="2400" dirty="0"/>
               <a:t>	</a:t>
             </a:r>
             <a:r>
-              <a:rPr lang="ja-JP" altLang="en-US" sz="2000" dirty="0"/>
-              <a:t>（効率上昇）</a:t>
-            </a:r>
-            <a:endParaRPr lang="en-US" altLang="ja-JP" sz="2000" dirty="0"/>
+              <a:rPr lang="ja-JP" altLang="en-US" sz="2400" dirty="0"/>
+              <a:t>　　　（効率上昇）</a:t>
+            </a:r>
+            <a:endParaRPr lang="en-US" altLang="ja-JP" sz="2400" dirty="0"/>
           </a:p>
           <a:p>
             <a:pPr>
@@ -12713,18 +16329,22 @@
               </a:lnSpc>
             </a:pPr>
             <a:r>
-              <a:rPr lang="ja-JP" altLang="en-US" sz="2000" dirty="0"/>
+              <a:rPr lang="en-US" altLang="ja-JP" sz="2400" dirty="0"/>
+              <a:t>※</a:t>
+            </a:r>
+            <a:r>
+              <a:rPr lang="ja-JP" altLang="en-US" sz="2400" dirty="0"/>
               <a:t>行動範囲拡大</a:t>
             </a:r>
             <a:r>
-              <a:rPr lang="en-US" altLang="ja-JP" sz="2000" dirty="0"/>
+              <a:rPr lang="en-US" altLang="ja-JP" sz="2400" dirty="0"/>
               <a:t>	</a:t>
             </a:r>
             <a:r>
-              <a:rPr lang="ja-JP" altLang="en-US" sz="2000" dirty="0"/>
+              <a:rPr lang="ja-JP" altLang="en-US" sz="2400" dirty="0"/>
               <a:t>（収集素材量増加）</a:t>
             </a:r>
-            <a:endParaRPr lang="en-US" altLang="ja-JP" sz="2000" dirty="0"/>
+            <a:endParaRPr lang="en-US" altLang="ja-JP" sz="2400" dirty="0"/>
           </a:p>
         </p:txBody>
       </p:sp>
@@ -12743,7 +16363,7 @@
           <p:nvPr/>
         </p:nvPicPr>
         <p:blipFill>
-          <a:blip r:embed="rId2">
+          <a:blip r:embed="rId3">
             <a:duotone>
               <a:prstClr val="black"/>
               <a:schemeClr val="tx2">
@@ -13094,7 +16714,7 @@
             <a:lstStyle/>
             <a:p>
               <a:pPr algn="ctr"/>
-              <a:endParaRPr kumimoji="1" lang="ja-JP" altLang="en-US"/>
+              <a:endParaRPr kumimoji="1" lang="ja-JP" altLang="en-US" sz="2400"/>
             </a:p>
           </p:txBody>
         </p:sp>
@@ -13200,10 +16820,10 @@
             <a:p>
               <a:pPr algn="ctr"/>
               <a:r>
-                <a:rPr kumimoji="1" lang="ja-JP" altLang="en-US" dirty="0"/>
+                <a:rPr kumimoji="1" lang="ja-JP" altLang="en-US" sz="2400" dirty="0"/>
                 <a:t>収集要素</a:t>
               </a:r>
-              <a:endParaRPr kumimoji="1" lang="en-US" altLang="ja-JP" dirty="0"/>
+              <a:endParaRPr kumimoji="1" lang="en-US" altLang="ja-JP" sz="2400" dirty="0"/>
             </a:p>
           </p:txBody>
         </p:sp>
@@ -13276,7 +16896,7 @@
             <a:lstStyle/>
             <a:p>
               <a:pPr algn="ctr"/>
-              <a:endParaRPr kumimoji="1" lang="ja-JP" altLang="en-US"/>
+              <a:endParaRPr kumimoji="1" lang="ja-JP" altLang="en-US" sz="2400"/>
             </a:p>
           </p:txBody>
         </p:sp>
@@ -13382,7 +17002,7 @@
             <a:p>
               <a:pPr algn="ctr"/>
               <a:r>
-                <a:rPr kumimoji="1" lang="ja-JP" altLang="en-US" dirty="0"/>
+                <a:rPr kumimoji="1" lang="ja-JP" altLang="en-US" sz="2400" dirty="0"/>
                 <a:t>分岐要素</a:t>
               </a:r>
             </a:p>
@@ -13403,8 +17023,8 @@
         </p:nvSpPr>
         <p:spPr>
           <a:xfrm>
-            <a:off x="1223272" y="2032000"/>
-            <a:ext cx="6341310" cy="830997"/>
+            <a:off x="1223271" y="2032000"/>
+            <a:ext cx="7388293" cy="954107"/>
           </a:xfrm>
           <a:prstGeom prst="rect">
             <a:avLst/>
@@ -13418,37 +17038,37 @@
           <a:lstStyle/>
           <a:p>
             <a:r>
-              <a:rPr lang="ja-JP" altLang="en-US" sz="2400" dirty="0"/>
+              <a:rPr lang="ja-JP" altLang="en-US" sz="2800" dirty="0"/>
               <a:t>１周３～５分を想定</a:t>
             </a:r>
-            <a:endParaRPr lang="en-US" altLang="ja-JP" sz="2400" dirty="0"/>
-          </a:p>
-          <a:p>
-            <a:r>
-              <a:rPr kumimoji="1" lang="ja-JP" altLang="en-US" sz="2400" dirty="0"/>
+            <a:endParaRPr lang="en-US" altLang="ja-JP" sz="2800" dirty="0"/>
+          </a:p>
+          <a:p>
+            <a:r>
+              <a:rPr kumimoji="1" lang="ja-JP" altLang="en-US" sz="2800" dirty="0"/>
               <a:t>収集要素が７パターン</a:t>
             </a:r>
             <a:r>
-              <a:rPr kumimoji="1" lang="en-US" altLang="ja-JP" sz="2400" dirty="0"/>
+              <a:rPr kumimoji="1" lang="en-US" altLang="ja-JP" sz="2800" dirty="0"/>
               <a:t>×</a:t>
             </a:r>
             <a:r>
-              <a:rPr kumimoji="1" lang="ja-JP" altLang="en-US" sz="2400" dirty="0"/>
+              <a:rPr kumimoji="1" lang="ja-JP" altLang="en-US" sz="2800" dirty="0"/>
               <a:t>５分 </a:t>
             </a:r>
             <a:r>
-              <a:rPr kumimoji="1" lang="en-US" altLang="ja-JP" sz="2400" dirty="0"/>
+              <a:rPr kumimoji="1" lang="en-US" altLang="ja-JP" sz="2800" dirty="0"/>
               <a:t>= </a:t>
             </a:r>
             <a:r>
-              <a:rPr kumimoji="1" lang="ja-JP" altLang="en-US" sz="2400" dirty="0"/>
+              <a:rPr kumimoji="1" lang="ja-JP" altLang="en-US" sz="2800" dirty="0"/>
               <a:t>最短</a:t>
             </a:r>
             <a:r>
-              <a:rPr lang="ja-JP" altLang="en-US" sz="2400" dirty="0"/>
+              <a:rPr lang="ja-JP" altLang="en-US" sz="2800" dirty="0"/>
               <a:t>３５分</a:t>
             </a:r>
-            <a:endParaRPr kumimoji="1" lang="ja-JP" altLang="en-US" sz="2400" dirty="0"/>
+            <a:endParaRPr kumimoji="1" lang="ja-JP" altLang="en-US" sz="2800" dirty="0"/>
           </a:p>
         </p:txBody>
       </p:sp>
@@ -13466,8 +17086,8 @@
         </p:nvSpPr>
         <p:spPr>
           <a:xfrm>
-            <a:off x="1223272" y="3623394"/>
-            <a:ext cx="6341310" cy="830997"/>
+            <a:off x="1223271" y="3623394"/>
+            <a:ext cx="7388293" cy="954107"/>
           </a:xfrm>
           <a:prstGeom prst="rect">
             <a:avLst/>
@@ -13481,17 +17101,17 @@
           <a:lstStyle/>
           <a:p>
             <a:r>
-              <a:rPr lang="ja-JP" altLang="en-US" sz="2400" dirty="0"/>
-              <a:t>完成した兵器を収集（コレクション）とする</a:t>
+              <a:rPr lang="ja-JP" altLang="en-US" sz="2800" dirty="0"/>
+              <a:t>完成した武器を収集（コレクション）とする</a:t>
             </a:r>
             <a:br>
-              <a:rPr lang="en-US" altLang="ja-JP" sz="2400" dirty="0"/>
+              <a:rPr lang="en-US" altLang="ja-JP" sz="2800" dirty="0"/>
             </a:br>
             <a:r>
-              <a:rPr lang="ja-JP" altLang="en-US" sz="2400" dirty="0"/>
-              <a:t>兵器は７段階に分かれる</a:t>
-            </a:r>
-            <a:endParaRPr kumimoji="1" lang="ja-JP" altLang="en-US" sz="2400" dirty="0"/>
+              <a:rPr lang="ja-JP" altLang="en-US" sz="2800" dirty="0"/>
+              <a:t>武器は７段階に分かれる</a:t>
+            </a:r>
+            <a:endParaRPr kumimoji="1" lang="ja-JP" altLang="en-US" sz="2800" dirty="0"/>
           </a:p>
         </p:txBody>
       </p:sp>
@@ -13510,7 +17130,7 @@
         <p:spPr>
           <a:xfrm>
             <a:off x="1223272" y="5209733"/>
-            <a:ext cx="7015564" cy="830997"/>
+            <a:ext cx="8173870" cy="954107"/>
           </a:xfrm>
           <a:prstGeom prst="rect">
             <a:avLst/>
@@ -13524,17 +17144,17 @@
           <a:lstStyle/>
           <a:p>
             <a:r>
-              <a:rPr kumimoji="1" lang="ja-JP" altLang="en-US" sz="2400" dirty="0"/>
-              <a:t>完成した兵器・攻略ルートが分岐している</a:t>
-            </a:r>
-            <a:endParaRPr kumimoji="1" lang="en-US" altLang="ja-JP" sz="2400" dirty="0"/>
-          </a:p>
-          <a:p>
-            <a:r>
-              <a:rPr lang="ja-JP" altLang="en-US" sz="2400" dirty="0"/>
+              <a:rPr kumimoji="1" lang="ja-JP" altLang="en-US" sz="2800" dirty="0"/>
+              <a:t>完成した武器・攻略ルートが分岐している</a:t>
+            </a:r>
+            <a:endParaRPr kumimoji="1" lang="en-US" altLang="ja-JP" sz="2800" dirty="0"/>
+          </a:p>
+          <a:p>
+            <a:r>
+              <a:rPr lang="ja-JP" altLang="en-US" sz="2800" dirty="0"/>
               <a:t>ツールのレベルやマップ開放など</a:t>
             </a:r>
-            <a:endParaRPr kumimoji="1" lang="ja-JP" altLang="en-US" sz="2400" dirty="0"/>
+            <a:endParaRPr kumimoji="1" lang="ja-JP" altLang="en-US" sz="2800" dirty="0"/>
           </a:p>
         </p:txBody>
       </p:sp>
